--- a/docs/CASFEE_2016_2017_Projekt2_handeres_mmaerki.pptx
+++ b/docs/CASFEE_2016_2017_Projekt2_handeres_mmaerki.pptx
@@ -218,7 +218,7 @@
             <a:fld id="{7E037FE8-E15D-433A-AF8A-CE47F2E90C8C}" type="datetimeFigureOut">
               <a:rPr lang="de-CH" smtClean="0"/>
               <a:pPr/>
-              <a:t>27.03.2017</a:t>
+              <a:t>29.03.2017</a:t>
             </a:fld>
             <a:endParaRPr lang="de-CH"/>
           </a:p>
@@ -284,35 +284,35 @@
           <a:p>
             <a:pPr lvl="0"/>
             <a:r>
-              <a:rPr lang="en-US" smtClean="0"/>
+              <a:rPr lang="en-US"/>
               <a:t>Click to edit Master text styles</a:t>
             </a:r>
           </a:p>
           <a:p>
             <a:pPr lvl="1"/>
             <a:r>
-              <a:rPr lang="en-US" smtClean="0"/>
+              <a:rPr lang="en-US"/>
               <a:t>Second level</a:t>
             </a:r>
           </a:p>
           <a:p>
             <a:pPr lvl="2"/>
             <a:r>
-              <a:rPr lang="en-US" smtClean="0"/>
+              <a:rPr lang="en-US"/>
               <a:t>Third level</a:t>
             </a:r>
           </a:p>
           <a:p>
             <a:pPr lvl="3"/>
             <a:r>
-              <a:rPr lang="en-US" smtClean="0"/>
+              <a:rPr lang="en-US"/>
               <a:t>Fourth level</a:t>
             </a:r>
           </a:p>
           <a:p>
             <a:pPr lvl="4"/>
             <a:r>
-              <a:rPr lang="en-US" smtClean="0"/>
+              <a:rPr lang="en-US"/>
               <a:t>Fifth level</a:t>
             </a:r>
             <a:endParaRPr lang="de-CH"/>
@@ -380,7 +380,7 @@
             <a:fld id="{3DFF739C-50C5-4D5A-890E-7A8B8D7FC1F7}" type="slidenum">
               <a:rPr lang="de-CH" smtClean="0"/>
               <a:pPr/>
-              <a:t>‹#›</a:t>
+              <a:t>‹Nr.›</a:t>
             </a:fld>
             <a:endParaRPr lang="de-CH"/>
           </a:p>
@@ -527,10 +527,9 @@
           <a:lstStyle/>
           <a:p>
             <a:r>
-              <a:rPr lang="en-US" smtClean="0"/>
+              <a:rPr lang="en-US"/>
               <a:t>Click to edit Master title style</a:t>
             </a:r>
-            <a:endParaRPr lang="en-US"/>
           </a:p>
         </p:txBody>
       </p:sp>
@@ -646,10 +645,9 @@
           </a:lstStyle>
           <a:p>
             <a:r>
-              <a:rPr lang="en-US" smtClean="0"/>
+              <a:rPr lang="en-US"/>
               <a:t>Click to edit Master subtitle style</a:t>
             </a:r>
-            <a:endParaRPr lang="en-US"/>
           </a:p>
         </p:txBody>
       </p:sp>
@@ -671,7 +669,7 @@
             <a:fld id="{D43061A1-916B-4C9B-ABEA-57EC34DF067D}" type="datetime1">
               <a:rPr lang="de-CH" smtClean="0"/>
               <a:pPr/>
-              <a:t>27.03.2017</a:t>
+              <a:t>29.03.2017</a:t>
             </a:fld>
             <a:endParaRPr lang="de-CH"/>
           </a:p>
@@ -693,10 +691,9 @@
           <a:lstStyle/>
           <a:p>
             <a:r>
-              <a:rPr lang="de-CH" smtClean="0"/>
+              <a:rPr lang="de-CH"/>
               <a:t>webseminar - asp.net</a:t>
             </a:r>
-            <a:endParaRPr lang="de-CH"/>
           </a:p>
         </p:txBody>
       </p:sp>
@@ -718,7 +715,7 @@
             <a:fld id="{F8FC92AF-8132-4B33-8B65-3AF2C8C95E24}" type="slidenum">
               <a:rPr lang="de-CH" smtClean="0"/>
               <a:pPr/>
-              <a:t>‹#›</a:t>
+              <a:t>‹Nr.›</a:t>
             </a:fld>
             <a:endParaRPr lang="de-CH"/>
           </a:p>
@@ -765,10 +762,9 @@
           <a:lstStyle/>
           <a:p>
             <a:r>
-              <a:rPr lang="en-US" smtClean="0"/>
+              <a:rPr lang="en-US"/>
               <a:t>Click to edit Master title style</a:t>
             </a:r>
-            <a:endParaRPr lang="en-US"/>
           </a:p>
         </p:txBody>
       </p:sp>
@@ -789,38 +785,37 @@
           <a:p>
             <a:pPr lvl="0"/>
             <a:r>
-              <a:rPr lang="en-US" smtClean="0"/>
+              <a:rPr lang="en-US"/>
               <a:t>Click to edit Master text styles</a:t>
             </a:r>
           </a:p>
           <a:p>
             <a:pPr lvl="1"/>
             <a:r>
-              <a:rPr lang="en-US" smtClean="0"/>
+              <a:rPr lang="en-US"/>
               <a:t>Second level</a:t>
             </a:r>
           </a:p>
           <a:p>
             <a:pPr lvl="2"/>
             <a:r>
-              <a:rPr lang="en-US" smtClean="0"/>
+              <a:rPr lang="en-US"/>
               <a:t>Third level</a:t>
             </a:r>
           </a:p>
           <a:p>
             <a:pPr lvl="3"/>
             <a:r>
-              <a:rPr lang="en-US" smtClean="0"/>
+              <a:rPr lang="en-US"/>
               <a:t>Fourth level</a:t>
             </a:r>
           </a:p>
           <a:p>
             <a:pPr lvl="4"/>
             <a:r>
-              <a:rPr lang="en-US" smtClean="0"/>
+              <a:rPr lang="en-US"/>
               <a:t>Fifth level</a:t>
             </a:r>
-            <a:endParaRPr lang="en-US"/>
           </a:p>
         </p:txBody>
       </p:sp>
@@ -842,7 +837,7 @@
             <a:fld id="{1F6A6CE3-46C0-4FA2-B53B-09C6C3B40409}" type="datetime1">
               <a:rPr lang="de-CH" smtClean="0"/>
               <a:pPr/>
-              <a:t>27.03.2017</a:t>
+              <a:t>29.03.2017</a:t>
             </a:fld>
             <a:endParaRPr lang="de-CH"/>
           </a:p>
@@ -864,10 +859,9 @@
           <a:lstStyle/>
           <a:p>
             <a:r>
-              <a:rPr lang="de-CH" smtClean="0"/>
+              <a:rPr lang="de-CH"/>
               <a:t>webseminar - asp.net</a:t>
             </a:r>
-            <a:endParaRPr lang="de-CH"/>
           </a:p>
         </p:txBody>
       </p:sp>
@@ -889,7 +883,7 @@
             <a:fld id="{F8FC92AF-8132-4B33-8B65-3AF2C8C95E24}" type="slidenum">
               <a:rPr lang="de-CH" smtClean="0"/>
               <a:pPr/>
-              <a:t>‹#›</a:t>
+              <a:t>‹Nr.›</a:t>
             </a:fld>
             <a:endParaRPr lang="de-CH"/>
           </a:p>
@@ -945,10 +939,9 @@
           </a:lstStyle>
           <a:p>
             <a:r>
-              <a:rPr lang="en-US" smtClean="0"/>
+              <a:rPr lang="en-US"/>
               <a:t>Click to edit Master title style</a:t>
             </a:r>
-            <a:endParaRPr lang="en-US"/>
           </a:p>
         </p:txBody>
       </p:sp>
@@ -1065,7 +1058,7 @@
           <a:p>
             <a:pPr lvl="0"/>
             <a:r>
-              <a:rPr lang="en-US" smtClean="0"/>
+              <a:rPr lang="en-US"/>
               <a:t>Click to edit Master text styles</a:t>
             </a:r>
           </a:p>
@@ -1089,7 +1082,7 @@
             <a:fld id="{A867447B-F2A0-4F9C-BCF7-6B9F3F5612AB}" type="datetime1">
               <a:rPr lang="de-CH" smtClean="0"/>
               <a:pPr/>
-              <a:t>27.03.2017</a:t>
+              <a:t>29.03.2017</a:t>
             </a:fld>
             <a:endParaRPr lang="de-CH"/>
           </a:p>
@@ -1111,10 +1104,9 @@
           <a:lstStyle/>
           <a:p>
             <a:r>
-              <a:rPr lang="de-CH" smtClean="0"/>
+              <a:rPr lang="de-CH"/>
               <a:t>webseminar - asp.net</a:t>
             </a:r>
-            <a:endParaRPr lang="de-CH"/>
           </a:p>
         </p:txBody>
       </p:sp>
@@ -1136,7 +1128,7 @@
             <a:fld id="{F8FC92AF-8132-4B33-8B65-3AF2C8C95E24}" type="slidenum">
               <a:rPr lang="de-CH" smtClean="0"/>
               <a:pPr/>
-              <a:t>‹#›</a:t>
+              <a:t>‹Nr.›</a:t>
             </a:fld>
             <a:endParaRPr lang="de-CH"/>
           </a:p>
@@ -1183,10 +1175,9 @@
           <a:lstStyle/>
           <a:p>
             <a:r>
-              <a:rPr lang="en-US" smtClean="0"/>
+              <a:rPr lang="en-US"/>
               <a:t>Click to edit Master title style</a:t>
             </a:r>
-            <a:endParaRPr lang="en-US"/>
           </a:p>
         </p:txBody>
       </p:sp>
@@ -1240,38 +1231,37 @@
           <a:p>
             <a:pPr lvl="0"/>
             <a:r>
-              <a:rPr lang="en-US" smtClean="0"/>
+              <a:rPr lang="en-US"/>
               <a:t>Click to edit Master text styles</a:t>
             </a:r>
           </a:p>
           <a:p>
             <a:pPr lvl="1"/>
             <a:r>
-              <a:rPr lang="en-US" smtClean="0"/>
+              <a:rPr lang="en-US"/>
               <a:t>Second level</a:t>
             </a:r>
           </a:p>
           <a:p>
             <a:pPr lvl="2"/>
             <a:r>
-              <a:rPr lang="en-US" smtClean="0"/>
+              <a:rPr lang="en-US"/>
               <a:t>Third level</a:t>
             </a:r>
           </a:p>
           <a:p>
             <a:pPr lvl="3"/>
             <a:r>
-              <a:rPr lang="en-US" smtClean="0"/>
+              <a:rPr lang="en-US"/>
               <a:t>Fourth level</a:t>
             </a:r>
           </a:p>
           <a:p>
             <a:pPr lvl="4"/>
             <a:r>
-              <a:rPr lang="en-US" smtClean="0"/>
+              <a:rPr lang="en-US"/>
               <a:t>Fifth level</a:t>
             </a:r>
-            <a:endParaRPr lang="en-US"/>
           </a:p>
         </p:txBody>
       </p:sp>
@@ -1325,38 +1315,37 @@
           <a:p>
             <a:pPr lvl="0"/>
             <a:r>
-              <a:rPr lang="en-US" smtClean="0"/>
+              <a:rPr lang="en-US"/>
               <a:t>Click to edit Master text styles</a:t>
             </a:r>
           </a:p>
           <a:p>
             <a:pPr lvl="1"/>
             <a:r>
-              <a:rPr lang="en-US" smtClean="0"/>
+              <a:rPr lang="en-US"/>
               <a:t>Second level</a:t>
             </a:r>
           </a:p>
           <a:p>
             <a:pPr lvl="2"/>
             <a:r>
-              <a:rPr lang="en-US" smtClean="0"/>
+              <a:rPr lang="en-US"/>
               <a:t>Third level</a:t>
             </a:r>
           </a:p>
           <a:p>
             <a:pPr lvl="3"/>
             <a:r>
-              <a:rPr lang="en-US" smtClean="0"/>
+              <a:rPr lang="en-US"/>
               <a:t>Fourth level</a:t>
             </a:r>
           </a:p>
           <a:p>
             <a:pPr lvl="4"/>
             <a:r>
-              <a:rPr lang="en-US" smtClean="0"/>
+              <a:rPr lang="en-US"/>
               <a:t>Fifth level</a:t>
             </a:r>
-            <a:endParaRPr lang="en-US"/>
           </a:p>
         </p:txBody>
       </p:sp>
@@ -1378,7 +1367,7 @@
             <a:fld id="{34CD9961-2300-4F71-922A-848792A59114}" type="datetime1">
               <a:rPr lang="de-CH" smtClean="0"/>
               <a:pPr/>
-              <a:t>27.03.2017</a:t>
+              <a:t>29.03.2017</a:t>
             </a:fld>
             <a:endParaRPr lang="de-CH"/>
           </a:p>
@@ -1400,10 +1389,9 @@
           <a:lstStyle/>
           <a:p>
             <a:r>
-              <a:rPr lang="de-CH" smtClean="0"/>
+              <a:rPr lang="de-CH"/>
               <a:t>webseminar - asp.net</a:t>
             </a:r>
-            <a:endParaRPr lang="de-CH"/>
           </a:p>
         </p:txBody>
       </p:sp>
@@ -1425,7 +1413,7 @@
             <a:fld id="{F8FC92AF-8132-4B33-8B65-3AF2C8C95E24}" type="slidenum">
               <a:rPr lang="de-CH" smtClean="0"/>
               <a:pPr/>
-              <a:t>‹#›</a:t>
+              <a:t>‹Nr.›</a:t>
             </a:fld>
             <a:endParaRPr lang="de-CH"/>
           </a:p>
@@ -1476,10 +1464,9 @@
           </a:lstStyle>
           <a:p>
             <a:r>
-              <a:rPr lang="en-US" smtClean="0"/>
+              <a:rPr lang="en-US"/>
               <a:t>Click to edit Master title style</a:t>
             </a:r>
-            <a:endParaRPr lang="en-US"/>
           </a:p>
         </p:txBody>
       </p:sp>
@@ -1542,7 +1529,7 @@
           <a:p>
             <a:pPr lvl="0"/>
             <a:r>
-              <a:rPr lang="en-US" smtClean="0"/>
+              <a:rPr lang="en-US"/>
               <a:t>Click to edit Master text styles</a:t>
             </a:r>
           </a:p>
@@ -1598,38 +1585,37 @@
           <a:p>
             <a:pPr lvl="0"/>
             <a:r>
-              <a:rPr lang="en-US" smtClean="0"/>
+              <a:rPr lang="en-US"/>
               <a:t>Click to edit Master text styles</a:t>
             </a:r>
           </a:p>
           <a:p>
             <a:pPr lvl="1"/>
             <a:r>
-              <a:rPr lang="en-US" smtClean="0"/>
+              <a:rPr lang="en-US"/>
               <a:t>Second level</a:t>
             </a:r>
           </a:p>
           <a:p>
             <a:pPr lvl="2"/>
             <a:r>
-              <a:rPr lang="en-US" smtClean="0"/>
+              <a:rPr lang="en-US"/>
               <a:t>Third level</a:t>
             </a:r>
           </a:p>
           <a:p>
             <a:pPr lvl="3"/>
             <a:r>
-              <a:rPr lang="en-US" smtClean="0"/>
+              <a:rPr lang="en-US"/>
               <a:t>Fourth level</a:t>
             </a:r>
           </a:p>
           <a:p>
             <a:pPr lvl="4"/>
             <a:r>
-              <a:rPr lang="en-US" smtClean="0"/>
+              <a:rPr lang="en-US"/>
               <a:t>Fifth level</a:t>
             </a:r>
-            <a:endParaRPr lang="en-US"/>
           </a:p>
         </p:txBody>
       </p:sp>
@@ -1692,7 +1678,7 @@
           <a:p>
             <a:pPr lvl="0"/>
             <a:r>
-              <a:rPr lang="en-US" smtClean="0"/>
+              <a:rPr lang="en-US"/>
               <a:t>Click to edit Master text styles</a:t>
             </a:r>
           </a:p>
@@ -1748,38 +1734,37 @@
           <a:p>
             <a:pPr lvl="0"/>
             <a:r>
-              <a:rPr lang="en-US" smtClean="0"/>
+              <a:rPr lang="en-US"/>
               <a:t>Click to edit Master text styles</a:t>
             </a:r>
           </a:p>
           <a:p>
             <a:pPr lvl="1"/>
             <a:r>
-              <a:rPr lang="en-US" smtClean="0"/>
+              <a:rPr lang="en-US"/>
               <a:t>Second level</a:t>
             </a:r>
           </a:p>
           <a:p>
             <a:pPr lvl="2"/>
             <a:r>
-              <a:rPr lang="en-US" smtClean="0"/>
+              <a:rPr lang="en-US"/>
               <a:t>Third level</a:t>
             </a:r>
           </a:p>
           <a:p>
             <a:pPr lvl="3"/>
             <a:r>
-              <a:rPr lang="en-US" smtClean="0"/>
+              <a:rPr lang="en-US"/>
               <a:t>Fourth level</a:t>
             </a:r>
           </a:p>
           <a:p>
             <a:pPr lvl="4"/>
             <a:r>
-              <a:rPr lang="en-US" smtClean="0"/>
+              <a:rPr lang="en-US"/>
               <a:t>Fifth level</a:t>
             </a:r>
-            <a:endParaRPr lang="en-US"/>
           </a:p>
         </p:txBody>
       </p:sp>
@@ -1801,7 +1786,7 @@
             <a:fld id="{ED4E3409-D65F-4521-B063-D4AC87CD1012}" type="datetime1">
               <a:rPr lang="de-CH" smtClean="0"/>
               <a:pPr/>
-              <a:t>27.03.2017</a:t>
+              <a:t>29.03.2017</a:t>
             </a:fld>
             <a:endParaRPr lang="de-CH"/>
           </a:p>
@@ -1823,10 +1808,9 @@
           <a:lstStyle/>
           <a:p>
             <a:r>
-              <a:rPr lang="de-CH" smtClean="0"/>
+              <a:rPr lang="de-CH"/>
               <a:t>webseminar - asp.net</a:t>
             </a:r>
-            <a:endParaRPr lang="de-CH"/>
           </a:p>
         </p:txBody>
       </p:sp>
@@ -1848,7 +1832,7 @@
             <a:fld id="{F8FC92AF-8132-4B33-8B65-3AF2C8C95E24}" type="slidenum">
               <a:rPr lang="de-CH" smtClean="0"/>
               <a:pPr/>
-              <a:t>‹#›</a:t>
+              <a:t>‹Nr.›</a:t>
             </a:fld>
             <a:endParaRPr lang="de-CH"/>
           </a:p>
@@ -1895,10 +1879,9 @@
           <a:lstStyle/>
           <a:p>
             <a:r>
-              <a:rPr lang="en-US" smtClean="0"/>
+              <a:rPr lang="en-US"/>
               <a:t>Click to edit Master title style</a:t>
             </a:r>
-            <a:endParaRPr lang="en-US"/>
           </a:p>
         </p:txBody>
       </p:sp>
@@ -1920,7 +1903,7 @@
             <a:fld id="{A42F3D02-98BE-4C02-B263-57683107356B}" type="datetime1">
               <a:rPr lang="de-CH" smtClean="0"/>
               <a:pPr/>
-              <a:t>27.03.2017</a:t>
+              <a:t>29.03.2017</a:t>
             </a:fld>
             <a:endParaRPr lang="de-CH"/>
           </a:p>
@@ -1942,10 +1925,9 @@
           <a:lstStyle/>
           <a:p>
             <a:r>
-              <a:rPr lang="de-CH" smtClean="0"/>
+              <a:rPr lang="de-CH"/>
               <a:t>webseminar - asp.net</a:t>
             </a:r>
-            <a:endParaRPr lang="de-CH"/>
           </a:p>
         </p:txBody>
       </p:sp>
@@ -1967,7 +1949,7 @@
             <a:fld id="{F8FC92AF-8132-4B33-8B65-3AF2C8C95E24}" type="slidenum">
               <a:rPr lang="de-CH" smtClean="0"/>
               <a:pPr/>
-              <a:t>‹#›</a:t>
+              <a:t>‹Nr.›</a:t>
             </a:fld>
             <a:endParaRPr lang="de-CH"/>
           </a:p>
@@ -2016,7 +1998,7 @@
             <a:fld id="{EE1DF31C-10A0-4C3D-8D1E-17A02CDFCE01}" type="datetime1">
               <a:rPr lang="de-CH" smtClean="0"/>
               <a:pPr/>
-              <a:t>27.03.2017</a:t>
+              <a:t>29.03.2017</a:t>
             </a:fld>
             <a:endParaRPr lang="de-CH"/>
           </a:p>
@@ -2038,10 +2020,9 @@
           <a:lstStyle/>
           <a:p>
             <a:r>
-              <a:rPr lang="de-CH" smtClean="0"/>
+              <a:rPr lang="de-CH"/>
               <a:t>webseminar - asp.net</a:t>
             </a:r>
-            <a:endParaRPr lang="de-CH"/>
           </a:p>
         </p:txBody>
       </p:sp>
@@ -2063,7 +2044,7 @@
             <a:fld id="{F8FC92AF-8132-4B33-8B65-3AF2C8C95E24}" type="slidenum">
               <a:rPr lang="de-CH" smtClean="0"/>
               <a:pPr/>
-              <a:t>‹#›</a:t>
+              <a:t>‹Nr.›</a:t>
             </a:fld>
             <a:endParaRPr lang="de-CH"/>
           </a:p>
@@ -2119,10 +2100,9 @@
           </a:lstStyle>
           <a:p>
             <a:r>
-              <a:rPr lang="en-US" smtClean="0"/>
+              <a:rPr lang="en-US"/>
               <a:t>Click to edit Master title style</a:t>
             </a:r>
-            <a:endParaRPr lang="en-US"/>
           </a:p>
         </p:txBody>
       </p:sp>
@@ -2176,38 +2156,37 @@
           <a:p>
             <a:pPr lvl="0"/>
             <a:r>
-              <a:rPr lang="en-US" smtClean="0"/>
+              <a:rPr lang="en-US"/>
               <a:t>Click to edit Master text styles</a:t>
             </a:r>
           </a:p>
           <a:p>
             <a:pPr lvl="1"/>
             <a:r>
-              <a:rPr lang="en-US" smtClean="0"/>
+              <a:rPr lang="en-US"/>
               <a:t>Second level</a:t>
             </a:r>
           </a:p>
           <a:p>
             <a:pPr lvl="2"/>
             <a:r>
-              <a:rPr lang="en-US" smtClean="0"/>
+              <a:rPr lang="en-US"/>
               <a:t>Third level</a:t>
             </a:r>
           </a:p>
           <a:p>
             <a:pPr lvl="3"/>
             <a:r>
-              <a:rPr lang="en-US" smtClean="0"/>
+              <a:rPr lang="en-US"/>
               <a:t>Fourth level</a:t>
             </a:r>
           </a:p>
           <a:p>
             <a:pPr lvl="4"/>
             <a:r>
-              <a:rPr lang="en-US" smtClean="0"/>
+              <a:rPr lang="en-US"/>
               <a:t>Fifth level</a:t>
             </a:r>
-            <a:endParaRPr lang="en-US"/>
           </a:p>
         </p:txBody>
       </p:sp>
@@ -2270,7 +2249,7 @@
           <a:p>
             <a:pPr lvl="0"/>
             <a:r>
-              <a:rPr lang="en-US" smtClean="0"/>
+              <a:rPr lang="en-US"/>
               <a:t>Click to edit Master text styles</a:t>
             </a:r>
           </a:p>
@@ -2294,7 +2273,7 @@
             <a:fld id="{3D5714B7-C141-4BCD-A65D-E6B69AAA2DCF}" type="datetime1">
               <a:rPr lang="de-CH" smtClean="0"/>
               <a:pPr/>
-              <a:t>27.03.2017</a:t>
+              <a:t>29.03.2017</a:t>
             </a:fld>
             <a:endParaRPr lang="de-CH"/>
           </a:p>
@@ -2316,10 +2295,9 @@
           <a:lstStyle/>
           <a:p>
             <a:r>
-              <a:rPr lang="de-CH" smtClean="0"/>
+              <a:rPr lang="de-CH"/>
               <a:t>webseminar - asp.net</a:t>
             </a:r>
-            <a:endParaRPr lang="de-CH"/>
           </a:p>
         </p:txBody>
       </p:sp>
@@ -2341,7 +2319,7 @@
             <a:fld id="{F8FC92AF-8132-4B33-8B65-3AF2C8C95E24}" type="slidenum">
               <a:rPr lang="de-CH" smtClean="0"/>
               <a:pPr/>
-              <a:t>‹#›</a:t>
+              <a:t>‹Nr.›</a:t>
             </a:fld>
             <a:endParaRPr lang="de-CH"/>
           </a:p>
@@ -2397,10 +2375,9 @@
           </a:lstStyle>
           <a:p>
             <a:r>
-              <a:rPr lang="en-US" smtClean="0"/>
+              <a:rPr lang="en-US"/>
               <a:t>Click to edit Master title style</a:t>
             </a:r>
-            <a:endParaRPr lang="en-US"/>
           </a:p>
         </p:txBody>
       </p:sp>
@@ -2462,10 +2439,9 @@
           </a:lstStyle>
           <a:p>
             <a:r>
-              <a:rPr lang="en-US" smtClean="0"/>
+              <a:rPr lang="en-US"/>
               <a:t>Click icon to add picture</a:t>
             </a:r>
-            <a:endParaRPr lang="en-US"/>
           </a:p>
         </p:txBody>
       </p:sp>
@@ -2528,7 +2504,7 @@
           <a:p>
             <a:pPr lvl="0"/>
             <a:r>
-              <a:rPr lang="en-US" smtClean="0"/>
+              <a:rPr lang="en-US"/>
               <a:t>Click to edit Master text styles</a:t>
             </a:r>
           </a:p>
@@ -2552,7 +2528,7 @@
             <a:fld id="{543EF8E3-AB5C-47CD-A0CF-E28ECFDB1D58}" type="datetime1">
               <a:rPr lang="de-CH" smtClean="0"/>
               <a:pPr/>
-              <a:t>27.03.2017</a:t>
+              <a:t>29.03.2017</a:t>
             </a:fld>
             <a:endParaRPr lang="de-CH"/>
           </a:p>
@@ -2574,10 +2550,9 @@
           <a:lstStyle/>
           <a:p>
             <a:r>
-              <a:rPr lang="de-CH" smtClean="0"/>
+              <a:rPr lang="de-CH"/>
               <a:t>webseminar - asp.net</a:t>
             </a:r>
-            <a:endParaRPr lang="de-CH"/>
           </a:p>
         </p:txBody>
       </p:sp>
@@ -2599,7 +2574,7 @@
             <a:fld id="{F8FC92AF-8132-4B33-8B65-3AF2C8C95E24}" type="slidenum">
               <a:rPr lang="de-CH" smtClean="0"/>
               <a:pPr/>
-              <a:t>‹#›</a:t>
+              <a:t>‹Nr.›</a:t>
             </a:fld>
             <a:endParaRPr lang="de-CH"/>
           </a:p>
@@ -2661,10 +2636,9 @@
           <a:lstStyle/>
           <a:p>
             <a:r>
-              <a:rPr lang="en-US" smtClean="0"/>
+              <a:rPr lang="en-US"/>
               <a:t>Click to edit Master title style</a:t>
             </a:r>
-            <a:endParaRPr lang="en-US"/>
           </a:p>
         </p:txBody>
       </p:sp>
@@ -2695,38 +2669,37 @@
           <a:p>
             <a:pPr lvl="0"/>
             <a:r>
-              <a:rPr lang="en-US" smtClean="0"/>
+              <a:rPr lang="en-US"/>
               <a:t>Click to edit Master text styles</a:t>
             </a:r>
           </a:p>
           <a:p>
             <a:pPr lvl="1"/>
             <a:r>
-              <a:rPr lang="en-US" smtClean="0"/>
+              <a:rPr lang="en-US"/>
               <a:t>Second level</a:t>
             </a:r>
           </a:p>
           <a:p>
             <a:pPr lvl="2"/>
             <a:r>
-              <a:rPr lang="en-US" smtClean="0"/>
+              <a:rPr lang="en-US"/>
               <a:t>Third level</a:t>
             </a:r>
           </a:p>
           <a:p>
             <a:pPr lvl="3"/>
             <a:r>
-              <a:rPr lang="en-US" smtClean="0"/>
+              <a:rPr lang="en-US"/>
               <a:t>Fourth level</a:t>
             </a:r>
           </a:p>
           <a:p>
             <a:pPr lvl="4"/>
             <a:r>
-              <a:rPr lang="en-US" smtClean="0"/>
+              <a:rPr lang="en-US"/>
               <a:t>Fifth level</a:t>
             </a:r>
-            <a:endParaRPr lang="en-US"/>
           </a:p>
         </p:txBody>
       </p:sp>
@@ -2766,7 +2739,7 @@
             <a:fld id="{A68FF4E1-6900-4B35-A50A-0EBE10633F01}" type="datetime1">
               <a:rPr lang="de-CH" smtClean="0"/>
               <a:pPr/>
-              <a:t>27.03.2017</a:t>
+              <a:t>29.03.2017</a:t>
             </a:fld>
             <a:endParaRPr lang="de-CH"/>
           </a:p>
@@ -2806,10 +2779,9 @@
           </a:lstStyle>
           <a:p>
             <a:r>
-              <a:rPr lang="de-CH" smtClean="0"/>
+              <a:rPr lang="de-CH"/>
               <a:t>webseminar - asp.net</a:t>
             </a:r>
-            <a:endParaRPr lang="de-CH"/>
           </a:p>
         </p:txBody>
       </p:sp>
@@ -2849,7 +2821,7 @@
             <a:fld id="{F8FC92AF-8132-4B33-8B65-3AF2C8C95E24}" type="slidenum">
               <a:rPr lang="de-CH" smtClean="0"/>
               <a:pPr/>
-              <a:t>‹#›</a:t>
+              <a:t>‹Nr.›</a:t>
             </a:fld>
             <a:endParaRPr lang="de-CH"/>
           </a:p>
@@ -3173,37 +3145,25 @@
           <a:lstStyle/>
           <a:p>
             <a:pPr algn="r"/>
-            <a:r>
-              <a:rPr lang="de-CH" dirty="0" smtClean="0"/>
-              <a:t/>
-            </a:r>
             <a:br>
-              <a:rPr lang="de-CH" dirty="0" smtClean="0"/>
+              <a:rPr lang="de-CH" dirty="0"/>
             </a:br>
             <a:r>
-              <a:rPr lang="de-CH" dirty="0" smtClean="0"/>
+              <a:rPr lang="de-CH" dirty="0"/>
               <a:t>CAS FEE Projekt 2</a:t>
             </a:r>
-            <a:r>
-              <a:rPr lang="de-CH" dirty="0" smtClean="0"/>
-              <a:t/>
-            </a:r>
             <a:br>
-              <a:rPr lang="de-CH" dirty="0" smtClean="0"/>
+              <a:rPr lang="de-CH" dirty="0"/>
             </a:br>
-            <a:r>
-              <a:rPr lang="de-CH" dirty="0" smtClean="0"/>
-              <a:t/>
-            </a:r>
             <a:br>
-              <a:rPr lang="de-CH" dirty="0" smtClean="0"/>
+              <a:rPr lang="de-CH" dirty="0"/>
             </a:br>
             <a:r>
-              <a:rPr lang="de-CH" sz="3600" dirty="0" smtClean="0"/>
+              <a:rPr lang="de-CH" sz="3600" dirty="0"/>
               <a:t>Die Kindergarten App</a:t>
             </a:r>
             <a:br>
-              <a:rPr lang="de-CH" sz="3600" dirty="0" smtClean="0"/>
+              <a:rPr lang="de-CH" sz="3600" dirty="0"/>
             </a:br>
             <a:endParaRPr lang="de-CH" sz="3600" dirty="0"/>
           </a:p>
@@ -3237,52 +3197,43 @@
           <a:p>
             <a:pPr algn="r"/>
             <a:r>
-              <a:rPr lang="de-CH" sz="1400" dirty="0" smtClean="0"/>
+              <a:rPr lang="de-CH" sz="1400" dirty="0"/>
               <a:t> </a:t>
             </a:r>
             <a:r>
-              <a:rPr lang="de-CH" sz="1400" dirty="0" err="1" smtClean="0"/>
+              <a:rPr lang="de-CH" sz="1400" dirty="0" err="1"/>
               <a:t>studenten</a:t>
             </a:r>
             <a:r>
-              <a:rPr lang="de-CH" sz="1400" dirty="0" smtClean="0"/>
-              <a:t>: </a:t>
-            </a:r>
-            <a:r>
-              <a:rPr lang="de-CH" sz="1400" dirty="0" smtClean="0"/>
-              <a:t>		</a:t>
-            </a:r>
-            <a:r>
-              <a:rPr lang="de-CH" sz="1400" dirty="0" err="1" smtClean="0"/>
+              <a:rPr lang="de-CH" sz="1400" dirty="0"/>
+              <a:t>: 		</a:t>
+            </a:r>
+            <a:r>
+              <a:rPr lang="de-CH" sz="1400" dirty="0" err="1"/>
               <a:t>hannes</a:t>
             </a:r>
             <a:r>
-              <a:rPr lang="de-CH" sz="1400" dirty="0" smtClean="0"/>
+              <a:rPr lang="de-CH" sz="1400" dirty="0"/>
               <a:t> anderes</a:t>
             </a:r>
           </a:p>
           <a:p>
             <a:pPr algn="r"/>
             <a:r>
-              <a:rPr lang="de-CH" sz="1400" dirty="0" err="1" smtClean="0"/>
+              <a:rPr lang="de-CH" sz="1400" dirty="0" err="1"/>
               <a:t>michael</a:t>
             </a:r>
             <a:r>
-              <a:rPr lang="de-CH" sz="1400" dirty="0" smtClean="0"/>
-              <a:t> </a:t>
-            </a:r>
-            <a:r>
-              <a:rPr lang="de-CH" sz="1400" dirty="0" smtClean="0"/>
-              <a:t>märki</a:t>
+              <a:rPr lang="de-CH" sz="1400" dirty="0"/>
+              <a:t> märki</a:t>
             </a:r>
           </a:p>
           <a:p>
             <a:pPr algn="r"/>
             <a:r>
-              <a:rPr lang="de-CH" sz="1400" dirty="0" smtClean="0"/>
+              <a:rPr lang="de-CH" sz="1400" dirty="0"/>
               <a:t>			</a:t>
             </a:r>
-            <a:endParaRPr lang="de-CH" sz="1400" dirty="0"/>
           </a:p>
         </p:txBody>
       </p:sp>
@@ -3328,7 +3279,7 @@
               <a:defRPr/>
             </a:pPr>
             <a:r>
-              <a:rPr kumimoji="0" lang="de-CH" sz="1400" b="0" i="0" u="none" strike="noStrike" kern="1200" cap="none" spc="0" normalizeH="0" baseline="0" noProof="0" dirty="0" smtClean="0">
+              <a:rPr kumimoji="0" lang="de-CH" sz="1400" b="0" i="0" u="none" strike="noStrike" kern="1200" cap="none" spc="0" normalizeH="0" baseline="0" noProof="0" dirty="0">
                 <a:ln>
                   <a:noFill/>
                 </a:ln>
@@ -3346,22 +3297,6 @@
               </a:rPr>
               <a:t>30.03.2017</a:t>
             </a:r>
-            <a:endParaRPr kumimoji="0" lang="de-CH" sz="1400" b="0" i="0" u="none" strike="noStrike" kern="1200" cap="none" spc="0" normalizeH="0" baseline="0" noProof="0" dirty="0">
-              <a:ln>
-                <a:noFill/>
-              </a:ln>
-              <a:solidFill>
-                <a:schemeClr val="tx1">
-                  <a:tint val="75000"/>
-                </a:schemeClr>
-              </a:solidFill>
-              <a:effectLst/>
-              <a:uLnTx/>
-              <a:uFillTx/>
-              <a:latin typeface="+mn-lt"/>
-              <a:ea typeface="+mn-ea"/>
-              <a:cs typeface="+mn-cs"/>
-            </a:endParaRPr>
           </a:p>
         </p:txBody>
       </p:sp>
@@ -3441,13 +3376,6 @@
   <p:clrMapOvr>
     <a:masterClrMapping/>
   </p:clrMapOvr>
-  <p:timing>
-    <p:tnLst>
-      <p:par>
-        <p:cTn id="1" dur="indefinite" restart="never" nodeType="tmRoot"/>
-      </p:par>
-    </p:tnLst>
-  </p:timing>
 </p:sld>
 </file>
 
@@ -3485,10 +3413,9 @@
           <a:p>
             <a:pPr algn="l"/>
             <a:r>
-              <a:rPr lang="de-CH" dirty="0" smtClean="0"/>
+              <a:rPr lang="de-CH" dirty="0"/>
               <a:t>FRAGEN</a:t>
             </a:r>
-            <a:endParaRPr lang="de-CH" dirty="0"/>
           </a:p>
         </p:txBody>
       </p:sp>
@@ -3529,10 +3456,9 @@
           <a:lstStyle/>
           <a:p>
             <a:r>
-              <a:rPr lang="de-CH" dirty="0" smtClean="0"/>
+              <a:rPr lang="de-CH" dirty="0"/>
               <a:t>30.03.2017</a:t>
             </a:r>
-            <a:endParaRPr lang="de-CH" dirty="0"/>
           </a:p>
         </p:txBody>
       </p:sp>
@@ -3581,26 +3507,21 @@
           <a:lstStyle/>
           <a:p>
             <a:r>
-              <a:rPr lang="de-CH" dirty="0" err="1" smtClean="0"/>
+              <a:rPr lang="de-CH" dirty="0" err="1"/>
               <a:t>hannes</a:t>
             </a:r>
             <a:r>
-              <a:rPr lang="de-CH" dirty="0" smtClean="0"/>
+              <a:rPr lang="de-CH" dirty="0"/>
               <a:t> anderes &amp; </a:t>
             </a:r>
             <a:r>
-              <a:rPr lang="de-CH" dirty="0" err="1" smtClean="0"/>
+              <a:rPr lang="de-CH" dirty="0" err="1"/>
               <a:t>michael</a:t>
             </a:r>
             <a:r>
-              <a:rPr lang="de-CH" dirty="0" smtClean="0"/>
-              <a:t> </a:t>
-            </a:r>
-            <a:r>
-              <a:rPr lang="de-CH" dirty="0" smtClean="0"/>
-              <a:t>märki</a:t>
-            </a:r>
-            <a:endParaRPr lang="de-CH" dirty="0"/>
+              <a:rPr lang="de-CH" dirty="0"/>
+              <a:t> märki</a:t>
+            </a:r>
           </a:p>
         </p:txBody>
       </p:sp>
@@ -3636,25 +3557,8 @@
                   </a:schemeClr>
                 </a:solidFill>
               </a:rPr>
-              <a:t>CAS FEE – Projekt </a:t>
-            </a:r>
-            <a:r>
-              <a:rPr lang="de-CH" sz="1200" dirty="0" smtClean="0">
-                <a:solidFill>
-                  <a:schemeClr val="tx1">
-                    <a:tint val="75000"/>
-                  </a:schemeClr>
-                </a:solidFill>
-              </a:rPr>
-              <a:t>2</a:t>
-            </a:r>
-            <a:endParaRPr lang="de-CH" sz="1200" dirty="0">
-              <a:solidFill>
-                <a:schemeClr val="tx1">
-                  <a:tint val="75000"/>
-                </a:schemeClr>
-              </a:solidFill>
-            </a:endParaRPr>
+              <a:t>CAS FEE – Projekt 2</a:t>
+            </a:r>
           </a:p>
         </p:txBody>
       </p:sp>
@@ -3759,7 +3663,7 @@
             <a:lstStyle/>
             <a:p>
               <a:r>
-                <a:rPr lang="de-CH" sz="1200" dirty="0" smtClean="0">
+                <a:rPr lang="de-CH" sz="1200" dirty="0">
                   <a:solidFill>
                     <a:schemeClr val="tx1">
                       <a:lumMod val="50000"/>
@@ -3768,13 +3672,6 @@
                 </a:rPr>
                 <a:t>ÜBERBLICK</a:t>
               </a:r>
-              <a:endParaRPr lang="de-CH" sz="1200" dirty="0">
-                <a:solidFill>
-                  <a:schemeClr val="tx1">
-                    <a:lumMod val="50000"/>
-                  </a:schemeClr>
-                </a:solidFill>
-              </a:endParaRPr>
             </a:p>
           </p:txBody>
         </p:sp>
@@ -3801,11 +3698,11 @@
             <a:lstStyle/>
             <a:p>
               <a:r>
-                <a:rPr lang="de-CH" sz="1200" dirty="0" smtClean="0"/>
+                <a:rPr lang="de-CH" sz="1200" dirty="0"/>
                 <a:t>-   </a:t>
               </a:r>
               <a:r>
-                <a:rPr lang="de-CH" sz="1200" dirty="0" smtClean="0">
+                <a:rPr lang="de-CH" sz="1200" dirty="0">
                   <a:solidFill>
                     <a:schemeClr val="tx1">
                       <a:lumMod val="50000"/>
@@ -3814,13 +3711,6 @@
                 </a:rPr>
                 <a:t>AUSGANGSLAGE</a:t>
               </a:r>
-              <a:endParaRPr lang="de-CH" sz="1200" dirty="0">
-                <a:solidFill>
-                  <a:schemeClr val="tx1">
-                    <a:lumMod val="50000"/>
-                  </a:schemeClr>
-                </a:solidFill>
-              </a:endParaRPr>
             </a:p>
           </p:txBody>
         </p:sp>
@@ -3847,11 +3737,11 @@
             <a:lstStyle/>
             <a:p>
               <a:r>
-                <a:rPr lang="de-CH" sz="1200" dirty="0" smtClean="0"/>
+                <a:rPr lang="de-CH" sz="1200" dirty="0"/>
                 <a:t>-   </a:t>
               </a:r>
               <a:r>
-                <a:rPr lang="de-CH" sz="1200" dirty="0" smtClean="0">
+                <a:rPr lang="de-CH" sz="1200" dirty="0">
                   <a:solidFill>
                     <a:schemeClr val="tx1">
                       <a:lumMod val="50000"/>
@@ -3860,13 +3750,6 @@
                 </a:rPr>
                 <a:t>REALISIERUNG</a:t>
               </a:r>
-              <a:endParaRPr lang="de-CH" sz="1200" dirty="0">
-                <a:solidFill>
-                  <a:schemeClr val="tx1">
-                    <a:lumMod val="50000"/>
-                  </a:schemeClr>
-                </a:solidFill>
-              </a:endParaRPr>
             </a:p>
           </p:txBody>
         </p:sp>
@@ -3893,11 +3776,11 @@
             <a:lstStyle/>
             <a:p>
               <a:r>
-                <a:rPr lang="de-CH" sz="1200" dirty="0" smtClean="0"/>
+                <a:rPr lang="de-CH" sz="1200" dirty="0"/>
                 <a:t>-   </a:t>
               </a:r>
               <a:r>
-                <a:rPr lang="de-CH" sz="1200" dirty="0" smtClean="0">
+                <a:rPr lang="de-CH" sz="1200" dirty="0">
                   <a:solidFill>
                     <a:schemeClr val="tx1">
                       <a:lumMod val="50000"/>
@@ -3906,13 +3789,6 @@
                 </a:rPr>
                 <a:t>DEMO</a:t>
               </a:r>
-              <a:endParaRPr lang="de-CH" sz="1200" dirty="0">
-                <a:solidFill>
-                  <a:schemeClr val="tx1">
-                    <a:lumMod val="50000"/>
-                  </a:schemeClr>
-                </a:solidFill>
-              </a:endParaRPr>
             </a:p>
           </p:txBody>
         </p:sp>
@@ -3939,11 +3815,11 @@
             <a:lstStyle/>
             <a:p>
               <a:r>
-                <a:rPr lang="de-CH" sz="1200" dirty="0" smtClean="0"/>
+                <a:rPr lang="de-CH" sz="1200" dirty="0"/>
                 <a:t>-   </a:t>
               </a:r>
               <a:r>
-                <a:rPr lang="de-CH" sz="1200" dirty="0" smtClean="0">
+                <a:rPr lang="de-CH" sz="1200" dirty="0">
                   <a:solidFill>
                     <a:schemeClr val="tx1">
                       <a:lumMod val="50000"/>
@@ -3952,13 +3828,6 @@
                 </a:rPr>
                 <a:t>FAZIT</a:t>
               </a:r>
-              <a:endParaRPr lang="de-CH" sz="1200" dirty="0">
-                <a:solidFill>
-                  <a:schemeClr val="tx1">
-                    <a:lumMod val="50000"/>
-                  </a:schemeClr>
-                </a:solidFill>
-              </a:endParaRPr>
             </a:p>
           </p:txBody>
         </p:sp>
@@ -3985,22 +3854,17 @@
             <a:lstStyle/>
             <a:p>
               <a:r>
-                <a:rPr lang="de-CH" sz="1200" dirty="0" smtClean="0"/>
+                <a:rPr lang="de-CH" sz="1200" dirty="0"/>
                 <a:t>-   </a:t>
               </a:r>
               <a:r>
-                <a:rPr lang="de-CH" sz="1200" dirty="0" smtClean="0">
+                <a:rPr lang="de-CH" sz="1200" dirty="0">
                   <a:solidFill>
                     <a:schemeClr val="accent6"/>
                   </a:solidFill>
                 </a:rPr>
                 <a:t>FRAGEN</a:t>
               </a:r>
-              <a:endParaRPr lang="de-CH" sz="1200" dirty="0">
-                <a:solidFill>
-                  <a:schemeClr val="accent6"/>
-                </a:solidFill>
-              </a:endParaRPr>
             </a:p>
           </p:txBody>
         </p:sp>
@@ -4243,10 +4107,9 @@
           <a:p>
             <a:pPr algn="l"/>
             <a:r>
-              <a:rPr lang="de-CH" dirty="0" smtClean="0"/>
+              <a:rPr lang="de-CH" dirty="0"/>
               <a:t>ÜBERBLICK</a:t>
             </a:r>
-            <a:endParaRPr lang="de-CH" dirty="0"/>
           </a:p>
         </p:txBody>
       </p:sp>
@@ -4268,36 +4131,33 @@
           <a:lstStyle/>
           <a:p>
             <a:r>
-              <a:rPr lang="de-CH" dirty="0" smtClean="0"/>
+              <a:rPr lang="de-CH" dirty="0"/>
               <a:t>Ausgangslage</a:t>
             </a:r>
           </a:p>
           <a:p>
             <a:r>
-              <a:rPr lang="de-CH" dirty="0" smtClean="0"/>
+              <a:rPr lang="de-CH" dirty="0"/>
               <a:t>Realisierung</a:t>
             </a:r>
-            <a:endParaRPr lang="de-CH" dirty="0" smtClean="0"/>
-          </a:p>
-          <a:p>
-            <a:r>
-              <a:rPr lang="de-CH" dirty="0" smtClean="0"/>
+          </a:p>
+          <a:p>
+            <a:r>
+              <a:rPr lang="de-CH" dirty="0"/>
               <a:t>Demo</a:t>
             </a:r>
-            <a:endParaRPr lang="de-CH" dirty="0" smtClean="0"/>
-          </a:p>
-          <a:p>
-            <a:r>
-              <a:rPr lang="de-CH" dirty="0" smtClean="0"/>
+          </a:p>
+          <a:p>
+            <a:r>
+              <a:rPr lang="de-CH" dirty="0"/>
               <a:t>Fazit</a:t>
             </a:r>
           </a:p>
           <a:p>
             <a:r>
-              <a:rPr lang="de-CH" dirty="0" smtClean="0"/>
+              <a:rPr lang="de-CH" dirty="0"/>
               <a:t>Fragen </a:t>
             </a:r>
-            <a:endParaRPr lang="de-CH" dirty="0"/>
           </a:p>
         </p:txBody>
       </p:sp>
@@ -4317,10 +4177,9 @@
           <a:lstStyle/>
           <a:p>
             <a:r>
-              <a:rPr lang="de-CH" dirty="0" smtClean="0"/>
+              <a:rPr lang="de-CH" dirty="0"/>
               <a:t>30.03.2017</a:t>
             </a:r>
-            <a:endParaRPr lang="de-CH" dirty="0"/>
           </a:p>
         </p:txBody>
       </p:sp>
@@ -4369,26 +4228,21 @@
           <a:lstStyle/>
           <a:p>
             <a:r>
-              <a:rPr lang="de-CH" dirty="0" err="1" smtClean="0"/>
+              <a:rPr lang="de-CH" dirty="0" err="1"/>
               <a:t>hannes</a:t>
             </a:r>
             <a:r>
-              <a:rPr lang="de-CH" dirty="0" smtClean="0"/>
+              <a:rPr lang="de-CH" dirty="0"/>
               <a:t> anderes &amp; </a:t>
             </a:r>
             <a:r>
-              <a:rPr lang="de-CH" dirty="0" err="1" smtClean="0"/>
+              <a:rPr lang="de-CH" dirty="0" err="1"/>
               <a:t>michael</a:t>
             </a:r>
             <a:r>
-              <a:rPr lang="de-CH" dirty="0" smtClean="0"/>
-              <a:t> </a:t>
-            </a:r>
-            <a:r>
-              <a:rPr lang="de-CH" dirty="0" smtClean="0"/>
-              <a:t>märki</a:t>
-            </a:r>
-            <a:endParaRPr lang="de-CH" dirty="0"/>
+              <a:rPr lang="de-CH" dirty="0"/>
+              <a:t> märki</a:t>
+            </a:r>
           </a:p>
         </p:txBody>
       </p:sp>
@@ -4431,7 +4285,7 @@
               <a:defRPr/>
             </a:pPr>
             <a:r>
-              <a:rPr kumimoji="0" lang="de-CH" sz="1200" b="0" i="0" u="none" strike="noStrike" kern="1200" cap="none" spc="0" normalizeH="0" baseline="0" noProof="0" dirty="0" smtClean="0">
+              <a:rPr kumimoji="0" lang="de-CH" sz="1200" b="0" i="0" u="none" strike="noStrike" kern="1200" cap="none" spc="0" normalizeH="0" baseline="0" noProof="0" dirty="0">
                 <a:ln>
                   <a:noFill/>
                 </a:ln>
@@ -4449,22 +4303,6 @@
               </a:rPr>
               <a:t>CAS FEE – Projekt 2</a:t>
             </a:r>
-            <a:endParaRPr kumimoji="0" lang="de-CH" sz="1200" b="0" i="0" u="none" strike="noStrike" kern="1200" cap="none" spc="0" normalizeH="0" baseline="0" noProof="0" dirty="0">
-              <a:ln>
-                <a:noFill/>
-              </a:ln>
-              <a:solidFill>
-                <a:schemeClr val="tx1">
-                  <a:tint val="75000"/>
-                </a:schemeClr>
-              </a:solidFill>
-              <a:effectLst/>
-              <a:uLnTx/>
-              <a:uFillTx/>
-              <a:latin typeface="+mn-lt"/>
-              <a:ea typeface="+mn-ea"/>
-              <a:cs typeface="+mn-cs"/>
-            </a:endParaRPr>
           </a:p>
         </p:txBody>
       </p:sp>
@@ -4505,18 +4343,13 @@
             <a:lstStyle/>
             <a:p>
               <a:r>
-                <a:rPr lang="de-CH" sz="1200" dirty="0" smtClean="0">
+                <a:rPr lang="de-CH" sz="1200" dirty="0">
                   <a:solidFill>
                     <a:srgbClr val="FFC000"/>
                   </a:solidFill>
                 </a:rPr>
                 <a:t>ÜBERBLICK</a:t>
               </a:r>
-              <a:endParaRPr lang="de-CH" sz="1200" dirty="0">
-                <a:solidFill>
-                  <a:srgbClr val="FFC000"/>
-                </a:solidFill>
-              </a:endParaRPr>
             </a:p>
           </p:txBody>
         </p:sp>
@@ -4543,10 +4376,9 @@
             <a:lstStyle/>
             <a:p>
               <a:r>
-                <a:rPr lang="de-CH" sz="1200" dirty="0" smtClean="0"/>
+                <a:rPr lang="de-CH" sz="1200" dirty="0"/>
                 <a:t>-   AUSGANGSLAGE</a:t>
               </a:r>
-              <a:endParaRPr lang="de-CH" sz="1200" dirty="0"/>
             </a:p>
           </p:txBody>
         </p:sp>
@@ -4573,10 +4405,9 @@
             <a:lstStyle/>
             <a:p>
               <a:r>
-                <a:rPr lang="de-CH" sz="1200" dirty="0" smtClean="0"/>
+                <a:rPr lang="de-CH" sz="1200" dirty="0"/>
                 <a:t>-   REALISIERUNG</a:t>
               </a:r>
-              <a:endParaRPr lang="de-CH" sz="1200" dirty="0"/>
             </a:p>
           </p:txBody>
         </p:sp>
@@ -4603,10 +4434,9 @@
             <a:lstStyle/>
             <a:p>
               <a:r>
-                <a:rPr lang="de-CH" sz="1200" dirty="0" smtClean="0"/>
+                <a:rPr lang="de-CH" sz="1200" dirty="0"/>
                 <a:t>-   DEMO</a:t>
               </a:r>
-              <a:endParaRPr lang="de-CH" sz="1200" dirty="0"/>
             </a:p>
           </p:txBody>
         </p:sp>
@@ -4633,10 +4463,9 @@
             <a:lstStyle/>
             <a:p>
               <a:r>
-                <a:rPr lang="de-CH" sz="1200" dirty="0" smtClean="0"/>
+                <a:rPr lang="de-CH" sz="1200" dirty="0"/>
                 <a:t>-   FAZIT</a:t>
               </a:r>
-              <a:endParaRPr lang="de-CH" sz="1200" dirty="0"/>
             </a:p>
           </p:txBody>
         </p:sp>
@@ -4663,10 +4492,9 @@
             <a:lstStyle/>
             <a:p>
               <a:r>
-                <a:rPr lang="de-CH" sz="1200" dirty="0" smtClean="0"/>
+                <a:rPr lang="de-CH" sz="1200" dirty="0"/>
                 <a:t>-   FRAGEN</a:t>
               </a:r>
-              <a:endParaRPr lang="de-CH" sz="1200" dirty="0"/>
             </a:p>
           </p:txBody>
         </p:sp>
@@ -4717,611 +4545,6 @@
   <p:clrMapOvr>
     <a:masterClrMapping/>
   </p:clrMapOvr>
-  <p:timing>
-    <p:tnLst>
-      <p:par>
-        <p:cTn id="1" dur="indefinite" restart="never" nodeType="tmRoot">
-          <p:childTnLst>
-            <p:seq concurrent="1" nextAc="seek">
-              <p:cTn id="2" dur="indefinite" nodeType="mainSeq">
-                <p:childTnLst>
-                  <p:par>
-                    <p:cTn id="3" fill="hold">
-                      <p:stCondLst>
-                        <p:cond delay="indefinite"/>
-                      </p:stCondLst>
-                      <p:childTnLst>
-                        <p:par>
-                          <p:cTn id="4" fill="hold">
-                            <p:stCondLst>
-                              <p:cond delay="0"/>
-                            </p:stCondLst>
-                            <p:childTnLst>
-                              <p:par>
-                                <p:cTn id="5" presetID="53" presetClass="entr" presetSubtype="16" fill="hold" nodeType="clickEffect">
-                                  <p:stCondLst>
-                                    <p:cond delay="0"/>
-                                  </p:stCondLst>
-                                  <p:childTnLst>
-                                    <p:set>
-                                      <p:cBhvr>
-                                        <p:cTn id="6" dur="1" fill="hold">
-                                          <p:stCondLst>
-                                            <p:cond delay="0"/>
-                                          </p:stCondLst>
-                                        </p:cTn>
-                                        <p:tgtEl>
-                                          <p:spTgt spid="3">
-                                            <p:txEl>
-                                              <p:pRg st="0" end="0"/>
-                                            </p:txEl>
-                                          </p:spTgt>
-                                        </p:tgtEl>
-                                        <p:attrNameLst>
-                                          <p:attrName>style.visibility</p:attrName>
-                                        </p:attrNameLst>
-                                      </p:cBhvr>
-                                      <p:to>
-                                        <p:strVal val="visible"/>
-                                      </p:to>
-                                    </p:set>
-                                    <p:anim calcmode="lin" valueType="num">
-                                      <p:cBhvr>
-                                        <p:cTn id="7" dur="500" fill="hold"/>
-                                        <p:tgtEl>
-                                          <p:spTgt spid="3">
-                                            <p:txEl>
-                                              <p:pRg st="0" end="0"/>
-                                            </p:txEl>
-                                          </p:spTgt>
-                                        </p:tgtEl>
-                                        <p:attrNameLst>
-                                          <p:attrName>ppt_w</p:attrName>
-                                        </p:attrNameLst>
-                                      </p:cBhvr>
-                                      <p:tavLst>
-                                        <p:tav tm="0">
-                                          <p:val>
-                                            <p:fltVal val="0"/>
-                                          </p:val>
-                                        </p:tav>
-                                        <p:tav tm="100000">
-                                          <p:val>
-                                            <p:strVal val="#ppt_w"/>
-                                          </p:val>
-                                        </p:tav>
-                                      </p:tavLst>
-                                    </p:anim>
-                                    <p:anim calcmode="lin" valueType="num">
-                                      <p:cBhvr>
-                                        <p:cTn id="8" dur="500" fill="hold"/>
-                                        <p:tgtEl>
-                                          <p:spTgt spid="3">
-                                            <p:txEl>
-                                              <p:pRg st="0" end="0"/>
-                                            </p:txEl>
-                                          </p:spTgt>
-                                        </p:tgtEl>
-                                        <p:attrNameLst>
-                                          <p:attrName>ppt_h</p:attrName>
-                                        </p:attrNameLst>
-                                      </p:cBhvr>
-                                      <p:tavLst>
-                                        <p:tav tm="0">
-                                          <p:val>
-                                            <p:fltVal val="0"/>
-                                          </p:val>
-                                        </p:tav>
-                                        <p:tav tm="100000">
-                                          <p:val>
-                                            <p:strVal val="#ppt_h"/>
-                                          </p:val>
-                                        </p:tav>
-                                      </p:tavLst>
-                                    </p:anim>
-                                    <p:animEffect transition="in" filter="fade">
-                                      <p:cBhvr>
-                                        <p:cTn id="9" dur="500"/>
-                                        <p:tgtEl>
-                                          <p:spTgt spid="3">
-                                            <p:txEl>
-                                              <p:pRg st="0" end="0"/>
-                                            </p:txEl>
-                                          </p:spTgt>
-                                        </p:tgtEl>
-                                      </p:cBhvr>
-                                    </p:animEffect>
-                                  </p:childTnLst>
-                                </p:cTn>
-                              </p:par>
-                            </p:childTnLst>
-                          </p:cTn>
-                        </p:par>
-                      </p:childTnLst>
-                    </p:cTn>
-                  </p:par>
-                  <p:par>
-                    <p:cTn id="10" fill="hold">
-                      <p:stCondLst>
-                        <p:cond delay="indefinite"/>
-                      </p:stCondLst>
-                      <p:childTnLst>
-                        <p:par>
-                          <p:cTn id="11" fill="hold">
-                            <p:stCondLst>
-                              <p:cond delay="0"/>
-                            </p:stCondLst>
-                            <p:childTnLst>
-                              <p:par>
-                                <p:cTn id="12" presetID="53" presetClass="entr" presetSubtype="16" fill="hold" nodeType="clickEffect">
-                                  <p:stCondLst>
-                                    <p:cond delay="0"/>
-                                  </p:stCondLst>
-                                  <p:childTnLst>
-                                    <p:set>
-                                      <p:cBhvr>
-                                        <p:cTn id="13" dur="1" fill="hold">
-                                          <p:stCondLst>
-                                            <p:cond delay="0"/>
-                                          </p:stCondLst>
-                                        </p:cTn>
-                                        <p:tgtEl>
-                                          <p:spTgt spid="3">
-                                            <p:txEl>
-                                              <p:pRg st="1" end="1"/>
-                                            </p:txEl>
-                                          </p:spTgt>
-                                        </p:tgtEl>
-                                        <p:attrNameLst>
-                                          <p:attrName>style.visibility</p:attrName>
-                                        </p:attrNameLst>
-                                      </p:cBhvr>
-                                      <p:to>
-                                        <p:strVal val="visible"/>
-                                      </p:to>
-                                    </p:set>
-                                    <p:anim calcmode="lin" valueType="num">
-                                      <p:cBhvr>
-                                        <p:cTn id="14" dur="500" fill="hold"/>
-                                        <p:tgtEl>
-                                          <p:spTgt spid="3">
-                                            <p:txEl>
-                                              <p:pRg st="1" end="1"/>
-                                            </p:txEl>
-                                          </p:spTgt>
-                                        </p:tgtEl>
-                                        <p:attrNameLst>
-                                          <p:attrName>ppt_w</p:attrName>
-                                        </p:attrNameLst>
-                                      </p:cBhvr>
-                                      <p:tavLst>
-                                        <p:tav tm="0">
-                                          <p:val>
-                                            <p:fltVal val="0"/>
-                                          </p:val>
-                                        </p:tav>
-                                        <p:tav tm="100000">
-                                          <p:val>
-                                            <p:strVal val="#ppt_w"/>
-                                          </p:val>
-                                        </p:tav>
-                                      </p:tavLst>
-                                    </p:anim>
-                                    <p:anim calcmode="lin" valueType="num">
-                                      <p:cBhvr>
-                                        <p:cTn id="15" dur="500" fill="hold"/>
-                                        <p:tgtEl>
-                                          <p:spTgt spid="3">
-                                            <p:txEl>
-                                              <p:pRg st="1" end="1"/>
-                                            </p:txEl>
-                                          </p:spTgt>
-                                        </p:tgtEl>
-                                        <p:attrNameLst>
-                                          <p:attrName>ppt_h</p:attrName>
-                                        </p:attrNameLst>
-                                      </p:cBhvr>
-                                      <p:tavLst>
-                                        <p:tav tm="0">
-                                          <p:val>
-                                            <p:fltVal val="0"/>
-                                          </p:val>
-                                        </p:tav>
-                                        <p:tav tm="100000">
-                                          <p:val>
-                                            <p:strVal val="#ppt_h"/>
-                                          </p:val>
-                                        </p:tav>
-                                      </p:tavLst>
-                                    </p:anim>
-                                    <p:animEffect transition="in" filter="fade">
-                                      <p:cBhvr>
-                                        <p:cTn id="16" dur="500"/>
-                                        <p:tgtEl>
-                                          <p:spTgt spid="3">
-                                            <p:txEl>
-                                              <p:pRg st="1" end="1"/>
-                                            </p:txEl>
-                                          </p:spTgt>
-                                        </p:tgtEl>
-                                      </p:cBhvr>
-                                    </p:animEffect>
-                                  </p:childTnLst>
-                                </p:cTn>
-                              </p:par>
-                            </p:childTnLst>
-                          </p:cTn>
-                        </p:par>
-                      </p:childTnLst>
-                    </p:cTn>
-                  </p:par>
-                  <p:par>
-                    <p:cTn id="17" fill="hold">
-                      <p:stCondLst>
-                        <p:cond delay="indefinite"/>
-                      </p:stCondLst>
-                      <p:childTnLst>
-                        <p:par>
-                          <p:cTn id="18" fill="hold">
-                            <p:stCondLst>
-                              <p:cond delay="0"/>
-                            </p:stCondLst>
-                            <p:childTnLst>
-                              <p:par>
-                                <p:cTn id="19" presetID="53" presetClass="entr" presetSubtype="16" fill="hold" nodeType="clickEffect">
-                                  <p:stCondLst>
-                                    <p:cond delay="0"/>
-                                  </p:stCondLst>
-                                  <p:childTnLst>
-                                    <p:set>
-                                      <p:cBhvr>
-                                        <p:cTn id="20" dur="1" fill="hold">
-                                          <p:stCondLst>
-                                            <p:cond delay="0"/>
-                                          </p:stCondLst>
-                                        </p:cTn>
-                                        <p:tgtEl>
-                                          <p:spTgt spid="3">
-                                            <p:txEl>
-                                              <p:pRg st="2" end="2"/>
-                                            </p:txEl>
-                                          </p:spTgt>
-                                        </p:tgtEl>
-                                        <p:attrNameLst>
-                                          <p:attrName>style.visibility</p:attrName>
-                                        </p:attrNameLst>
-                                      </p:cBhvr>
-                                      <p:to>
-                                        <p:strVal val="visible"/>
-                                      </p:to>
-                                    </p:set>
-                                    <p:anim calcmode="lin" valueType="num">
-                                      <p:cBhvr>
-                                        <p:cTn id="21" dur="500" fill="hold"/>
-                                        <p:tgtEl>
-                                          <p:spTgt spid="3">
-                                            <p:txEl>
-                                              <p:pRg st="2" end="2"/>
-                                            </p:txEl>
-                                          </p:spTgt>
-                                        </p:tgtEl>
-                                        <p:attrNameLst>
-                                          <p:attrName>ppt_w</p:attrName>
-                                        </p:attrNameLst>
-                                      </p:cBhvr>
-                                      <p:tavLst>
-                                        <p:tav tm="0">
-                                          <p:val>
-                                            <p:fltVal val="0"/>
-                                          </p:val>
-                                        </p:tav>
-                                        <p:tav tm="100000">
-                                          <p:val>
-                                            <p:strVal val="#ppt_w"/>
-                                          </p:val>
-                                        </p:tav>
-                                      </p:tavLst>
-                                    </p:anim>
-                                    <p:anim calcmode="lin" valueType="num">
-                                      <p:cBhvr>
-                                        <p:cTn id="22" dur="500" fill="hold"/>
-                                        <p:tgtEl>
-                                          <p:spTgt spid="3">
-                                            <p:txEl>
-                                              <p:pRg st="2" end="2"/>
-                                            </p:txEl>
-                                          </p:spTgt>
-                                        </p:tgtEl>
-                                        <p:attrNameLst>
-                                          <p:attrName>ppt_h</p:attrName>
-                                        </p:attrNameLst>
-                                      </p:cBhvr>
-                                      <p:tavLst>
-                                        <p:tav tm="0">
-                                          <p:val>
-                                            <p:fltVal val="0"/>
-                                          </p:val>
-                                        </p:tav>
-                                        <p:tav tm="100000">
-                                          <p:val>
-                                            <p:strVal val="#ppt_h"/>
-                                          </p:val>
-                                        </p:tav>
-                                      </p:tavLst>
-                                    </p:anim>
-                                    <p:animEffect transition="in" filter="fade">
-                                      <p:cBhvr>
-                                        <p:cTn id="23" dur="500"/>
-                                        <p:tgtEl>
-                                          <p:spTgt spid="3">
-                                            <p:txEl>
-                                              <p:pRg st="2" end="2"/>
-                                            </p:txEl>
-                                          </p:spTgt>
-                                        </p:tgtEl>
-                                      </p:cBhvr>
-                                    </p:animEffect>
-                                  </p:childTnLst>
-                                </p:cTn>
-                              </p:par>
-                            </p:childTnLst>
-                          </p:cTn>
-                        </p:par>
-                      </p:childTnLst>
-                    </p:cTn>
-                  </p:par>
-                  <p:par>
-                    <p:cTn id="24" fill="hold">
-                      <p:stCondLst>
-                        <p:cond delay="indefinite"/>
-                      </p:stCondLst>
-                      <p:childTnLst>
-                        <p:par>
-                          <p:cTn id="25" fill="hold">
-                            <p:stCondLst>
-                              <p:cond delay="0"/>
-                            </p:stCondLst>
-                            <p:childTnLst>
-                              <p:par>
-                                <p:cTn id="26" presetID="53" presetClass="entr" presetSubtype="16" fill="hold" nodeType="clickEffect">
-                                  <p:stCondLst>
-                                    <p:cond delay="0"/>
-                                  </p:stCondLst>
-                                  <p:childTnLst>
-                                    <p:set>
-                                      <p:cBhvr>
-                                        <p:cTn id="27" dur="1" fill="hold">
-                                          <p:stCondLst>
-                                            <p:cond delay="0"/>
-                                          </p:stCondLst>
-                                        </p:cTn>
-                                        <p:tgtEl>
-                                          <p:spTgt spid="3">
-                                            <p:txEl>
-                                              <p:pRg st="3" end="3"/>
-                                            </p:txEl>
-                                          </p:spTgt>
-                                        </p:tgtEl>
-                                        <p:attrNameLst>
-                                          <p:attrName>style.visibility</p:attrName>
-                                        </p:attrNameLst>
-                                      </p:cBhvr>
-                                      <p:to>
-                                        <p:strVal val="visible"/>
-                                      </p:to>
-                                    </p:set>
-                                    <p:anim calcmode="lin" valueType="num">
-                                      <p:cBhvr>
-                                        <p:cTn id="28" dur="500" fill="hold"/>
-                                        <p:tgtEl>
-                                          <p:spTgt spid="3">
-                                            <p:txEl>
-                                              <p:pRg st="3" end="3"/>
-                                            </p:txEl>
-                                          </p:spTgt>
-                                        </p:tgtEl>
-                                        <p:attrNameLst>
-                                          <p:attrName>ppt_w</p:attrName>
-                                        </p:attrNameLst>
-                                      </p:cBhvr>
-                                      <p:tavLst>
-                                        <p:tav tm="0">
-                                          <p:val>
-                                            <p:fltVal val="0"/>
-                                          </p:val>
-                                        </p:tav>
-                                        <p:tav tm="100000">
-                                          <p:val>
-                                            <p:strVal val="#ppt_w"/>
-                                          </p:val>
-                                        </p:tav>
-                                      </p:tavLst>
-                                    </p:anim>
-                                    <p:anim calcmode="lin" valueType="num">
-                                      <p:cBhvr>
-                                        <p:cTn id="29" dur="500" fill="hold"/>
-                                        <p:tgtEl>
-                                          <p:spTgt spid="3">
-                                            <p:txEl>
-                                              <p:pRg st="3" end="3"/>
-                                            </p:txEl>
-                                          </p:spTgt>
-                                        </p:tgtEl>
-                                        <p:attrNameLst>
-                                          <p:attrName>ppt_h</p:attrName>
-                                        </p:attrNameLst>
-                                      </p:cBhvr>
-                                      <p:tavLst>
-                                        <p:tav tm="0">
-                                          <p:val>
-                                            <p:fltVal val="0"/>
-                                          </p:val>
-                                        </p:tav>
-                                        <p:tav tm="100000">
-                                          <p:val>
-                                            <p:strVal val="#ppt_h"/>
-                                          </p:val>
-                                        </p:tav>
-                                      </p:tavLst>
-                                    </p:anim>
-                                    <p:animEffect transition="in" filter="fade">
-                                      <p:cBhvr>
-                                        <p:cTn id="30" dur="500"/>
-                                        <p:tgtEl>
-                                          <p:spTgt spid="3">
-                                            <p:txEl>
-                                              <p:pRg st="3" end="3"/>
-                                            </p:txEl>
-                                          </p:spTgt>
-                                        </p:tgtEl>
-                                      </p:cBhvr>
-                                    </p:animEffect>
-                                  </p:childTnLst>
-                                </p:cTn>
-                              </p:par>
-                            </p:childTnLst>
-                          </p:cTn>
-                        </p:par>
-                      </p:childTnLst>
-                    </p:cTn>
-                  </p:par>
-                  <p:par>
-                    <p:cTn id="31" fill="hold">
-                      <p:stCondLst>
-                        <p:cond delay="indefinite"/>
-                      </p:stCondLst>
-                      <p:childTnLst>
-                        <p:par>
-                          <p:cTn id="32" fill="hold">
-                            <p:stCondLst>
-                              <p:cond delay="0"/>
-                            </p:stCondLst>
-                            <p:childTnLst>
-                              <p:par>
-                                <p:cTn id="33" presetID="53" presetClass="entr" presetSubtype="16" fill="hold" nodeType="clickEffect">
-                                  <p:stCondLst>
-                                    <p:cond delay="0"/>
-                                  </p:stCondLst>
-                                  <p:childTnLst>
-                                    <p:set>
-                                      <p:cBhvr>
-                                        <p:cTn id="34" dur="1" fill="hold">
-                                          <p:stCondLst>
-                                            <p:cond delay="0"/>
-                                          </p:stCondLst>
-                                        </p:cTn>
-                                        <p:tgtEl>
-                                          <p:spTgt spid="3">
-                                            <p:txEl>
-                                              <p:pRg st="4" end="4"/>
-                                            </p:txEl>
-                                          </p:spTgt>
-                                        </p:tgtEl>
-                                        <p:attrNameLst>
-                                          <p:attrName>style.visibility</p:attrName>
-                                        </p:attrNameLst>
-                                      </p:cBhvr>
-                                      <p:to>
-                                        <p:strVal val="visible"/>
-                                      </p:to>
-                                    </p:set>
-                                    <p:anim calcmode="lin" valueType="num">
-                                      <p:cBhvr>
-                                        <p:cTn id="35" dur="500" fill="hold"/>
-                                        <p:tgtEl>
-                                          <p:spTgt spid="3">
-                                            <p:txEl>
-                                              <p:pRg st="4" end="4"/>
-                                            </p:txEl>
-                                          </p:spTgt>
-                                        </p:tgtEl>
-                                        <p:attrNameLst>
-                                          <p:attrName>ppt_w</p:attrName>
-                                        </p:attrNameLst>
-                                      </p:cBhvr>
-                                      <p:tavLst>
-                                        <p:tav tm="0">
-                                          <p:val>
-                                            <p:fltVal val="0"/>
-                                          </p:val>
-                                        </p:tav>
-                                        <p:tav tm="100000">
-                                          <p:val>
-                                            <p:strVal val="#ppt_w"/>
-                                          </p:val>
-                                        </p:tav>
-                                      </p:tavLst>
-                                    </p:anim>
-                                    <p:anim calcmode="lin" valueType="num">
-                                      <p:cBhvr>
-                                        <p:cTn id="36" dur="500" fill="hold"/>
-                                        <p:tgtEl>
-                                          <p:spTgt spid="3">
-                                            <p:txEl>
-                                              <p:pRg st="4" end="4"/>
-                                            </p:txEl>
-                                          </p:spTgt>
-                                        </p:tgtEl>
-                                        <p:attrNameLst>
-                                          <p:attrName>ppt_h</p:attrName>
-                                        </p:attrNameLst>
-                                      </p:cBhvr>
-                                      <p:tavLst>
-                                        <p:tav tm="0">
-                                          <p:val>
-                                            <p:fltVal val="0"/>
-                                          </p:val>
-                                        </p:tav>
-                                        <p:tav tm="100000">
-                                          <p:val>
-                                            <p:strVal val="#ppt_h"/>
-                                          </p:val>
-                                        </p:tav>
-                                      </p:tavLst>
-                                    </p:anim>
-                                    <p:animEffect transition="in" filter="fade">
-                                      <p:cBhvr>
-                                        <p:cTn id="37" dur="500"/>
-                                        <p:tgtEl>
-                                          <p:spTgt spid="3">
-                                            <p:txEl>
-                                              <p:pRg st="4" end="4"/>
-                                            </p:txEl>
-                                          </p:spTgt>
-                                        </p:tgtEl>
-                                      </p:cBhvr>
-                                    </p:animEffect>
-                                  </p:childTnLst>
-                                </p:cTn>
-                              </p:par>
-                            </p:childTnLst>
-                          </p:cTn>
-                        </p:par>
-                      </p:childTnLst>
-                    </p:cTn>
-                  </p:par>
-                </p:childTnLst>
-              </p:cTn>
-              <p:prevCondLst>
-                <p:cond evt="onPrev" delay="0">
-                  <p:tgtEl>
-                    <p:sldTgt/>
-                  </p:tgtEl>
-                </p:cond>
-              </p:prevCondLst>
-              <p:nextCondLst>
-                <p:cond evt="onNext" delay="0">
-                  <p:tgtEl>
-                    <p:sldTgt/>
-                  </p:tgtEl>
-                </p:cond>
-              </p:nextCondLst>
-            </p:seq>
-          </p:childTnLst>
-        </p:cTn>
-      </p:par>
-    </p:tnLst>
-  </p:timing>
 </p:sld>
 </file>
 
@@ -5383,60 +4606,59 @@
           <a:lstStyle/>
           <a:p>
             <a:r>
-              <a:rPr lang="de-CH" dirty="0" smtClean="0"/>
+              <a:rPr lang="de-CH" dirty="0"/>
               <a:t>Idee</a:t>
             </a:r>
-            <a:endParaRPr lang="de-CH" dirty="0"/>
           </a:p>
           <a:p>
             <a:pPr lvl="1"/>
             <a:r>
-              <a:rPr lang="de-CH" dirty="0" smtClean="0"/>
+              <a:rPr lang="de-CH" dirty="0"/>
               <a:t>fehlende Kommunikationsplattform</a:t>
-            </a:r>
-          </a:p>
-          <a:p>
-            <a:pPr lvl="1"/>
-            <a:endParaRPr lang="de-CH" dirty="0" smtClean="0"/>
-          </a:p>
-          <a:p>
-            <a:r>
-              <a:rPr lang="de-CH" dirty="0" smtClean="0"/>
-              <a:t>Motivation</a:t>
-            </a:r>
-          </a:p>
-          <a:p>
-            <a:pPr lvl="1"/>
-            <a:r>
-              <a:rPr lang="de-CH" dirty="0" smtClean="0"/>
-              <a:t>Kommunikation	</a:t>
-            </a:r>
-          </a:p>
-          <a:p>
-            <a:pPr lvl="2"/>
-            <a:r>
-              <a:rPr lang="de-CH" dirty="0" smtClean="0"/>
-              <a:t>direkt</a:t>
-            </a:r>
-          </a:p>
-          <a:p>
-            <a:pPr lvl="2"/>
-            <a:r>
-              <a:rPr lang="de-CH" dirty="0" smtClean="0"/>
-              <a:t>schnell</a:t>
-            </a:r>
-          </a:p>
-          <a:p>
-            <a:pPr lvl="2"/>
-            <a:r>
-              <a:rPr lang="de-CH" dirty="0" smtClean="0"/>
-              <a:t>zeitunabhängig</a:t>
             </a:r>
           </a:p>
           <a:p>
             <a:pPr lvl="1"/>
             <a:endParaRPr lang="de-CH" dirty="0"/>
           </a:p>
+          <a:p>
+            <a:r>
+              <a:rPr lang="de-CH" dirty="0"/>
+              <a:t>Motivation</a:t>
+            </a:r>
+          </a:p>
+          <a:p>
+            <a:pPr lvl="1"/>
+            <a:r>
+              <a:rPr lang="de-CH" dirty="0"/>
+              <a:t>Kommunikation	</a:t>
+            </a:r>
+          </a:p>
+          <a:p>
+            <a:pPr lvl="2"/>
+            <a:r>
+              <a:rPr lang="de-CH" dirty="0"/>
+              <a:t>direkt</a:t>
+            </a:r>
+          </a:p>
+          <a:p>
+            <a:pPr lvl="2"/>
+            <a:r>
+              <a:rPr lang="de-CH" dirty="0"/>
+              <a:t>schnell</a:t>
+            </a:r>
+          </a:p>
+          <a:p>
+            <a:pPr lvl="2"/>
+            <a:r>
+              <a:rPr lang="de-CH" dirty="0"/>
+              <a:t>zeitunabhängig</a:t>
+            </a:r>
+          </a:p>
+          <a:p>
+            <a:pPr lvl="1"/>
+            <a:endParaRPr lang="de-CH" dirty="0"/>
+          </a:p>
         </p:txBody>
       </p:sp>
       <p:sp>
@@ -5455,10 +4677,9 @@
           <a:lstStyle/>
           <a:p>
             <a:r>
-              <a:rPr lang="de-CH" dirty="0" smtClean="0"/>
+              <a:rPr lang="de-CH" dirty="0"/>
               <a:t>30.03.2017</a:t>
             </a:r>
-            <a:endParaRPr lang="de-CH" dirty="0"/>
           </a:p>
         </p:txBody>
       </p:sp>
@@ -5507,26 +4728,21 @@
           <a:lstStyle/>
           <a:p>
             <a:r>
-              <a:rPr lang="de-CH" dirty="0" err="1" smtClean="0"/>
+              <a:rPr lang="de-CH" dirty="0" err="1"/>
               <a:t>hannes</a:t>
             </a:r>
             <a:r>
-              <a:rPr lang="de-CH" dirty="0" smtClean="0"/>
+              <a:rPr lang="de-CH" dirty="0"/>
               <a:t> anderes &amp; </a:t>
             </a:r>
             <a:r>
-              <a:rPr lang="de-CH" dirty="0" err="1" smtClean="0"/>
+              <a:rPr lang="de-CH" dirty="0" err="1"/>
               <a:t>michael</a:t>
             </a:r>
             <a:r>
-              <a:rPr lang="de-CH" dirty="0" smtClean="0"/>
-              <a:t> </a:t>
-            </a:r>
-            <a:r>
-              <a:rPr lang="de-CH" dirty="0" smtClean="0"/>
-              <a:t>märki</a:t>
-            </a:r>
-            <a:endParaRPr lang="de-CH" dirty="0"/>
+              <a:rPr lang="de-CH" dirty="0"/>
+              <a:t> märki</a:t>
+            </a:r>
           </a:p>
         </p:txBody>
       </p:sp>
@@ -5562,25 +4778,8 @@
                   </a:schemeClr>
                 </a:solidFill>
               </a:rPr>
-              <a:t>CAS FEE – Projekt </a:t>
-            </a:r>
-            <a:r>
-              <a:rPr lang="de-CH" sz="1200" dirty="0" smtClean="0">
-                <a:solidFill>
-                  <a:schemeClr val="tx1">
-                    <a:tint val="75000"/>
-                  </a:schemeClr>
-                </a:solidFill>
-              </a:rPr>
-              <a:t>2</a:t>
-            </a:r>
-            <a:endParaRPr lang="de-CH" sz="1200" dirty="0">
-              <a:solidFill>
-                <a:schemeClr val="tx1">
-                  <a:tint val="75000"/>
-                </a:schemeClr>
-              </a:solidFill>
-            </a:endParaRPr>
+              <a:t>CAS FEE – Projekt 2</a:t>
+            </a:r>
           </a:p>
         </p:txBody>
       </p:sp>
@@ -5621,7 +4820,7 @@
             <a:lstStyle/>
             <a:p>
               <a:r>
-                <a:rPr lang="de-CH" sz="1200" dirty="0" smtClean="0">
+                <a:rPr lang="de-CH" sz="1200" dirty="0">
                   <a:solidFill>
                     <a:schemeClr val="tx1">
                       <a:lumMod val="50000"/>
@@ -5630,13 +4829,6 @@
                 </a:rPr>
                 <a:t>ÜBERBLICK</a:t>
               </a:r>
-              <a:endParaRPr lang="de-CH" sz="1200" dirty="0">
-                <a:solidFill>
-                  <a:schemeClr val="tx1">
-                    <a:lumMod val="50000"/>
-                  </a:schemeClr>
-                </a:solidFill>
-              </a:endParaRPr>
             </a:p>
           </p:txBody>
         </p:sp>
@@ -5663,22 +4855,17 @@
             <a:lstStyle/>
             <a:p>
               <a:r>
-                <a:rPr lang="de-CH" sz="1200" dirty="0" smtClean="0"/>
+                <a:rPr lang="de-CH" sz="1200" dirty="0"/>
                 <a:t>-   </a:t>
               </a:r>
               <a:r>
-                <a:rPr lang="de-CH" sz="1200" dirty="0" smtClean="0">
+                <a:rPr lang="de-CH" sz="1200" dirty="0">
                   <a:solidFill>
                     <a:schemeClr val="accent6"/>
                   </a:solidFill>
                 </a:rPr>
                 <a:t>AUSGANGSLAGE</a:t>
               </a:r>
-              <a:endParaRPr lang="de-CH" sz="1200" dirty="0">
-                <a:solidFill>
-                  <a:schemeClr val="accent6"/>
-                </a:solidFill>
-              </a:endParaRPr>
             </a:p>
           </p:txBody>
         </p:sp>
@@ -5705,10 +4892,9 @@
             <a:lstStyle/>
             <a:p>
               <a:r>
-                <a:rPr lang="de-CH" sz="1200" dirty="0" smtClean="0"/>
+                <a:rPr lang="de-CH" sz="1200" dirty="0"/>
                 <a:t>-   REALISIERUNG</a:t>
               </a:r>
-              <a:endParaRPr lang="de-CH" sz="1200" dirty="0"/>
             </a:p>
           </p:txBody>
         </p:sp>
@@ -5735,10 +4921,9 @@
             <a:lstStyle/>
             <a:p>
               <a:r>
-                <a:rPr lang="de-CH" sz="1200" dirty="0" smtClean="0"/>
+                <a:rPr lang="de-CH" sz="1200" dirty="0"/>
                 <a:t>-   DEMO</a:t>
               </a:r>
-              <a:endParaRPr lang="de-CH" sz="1200" dirty="0"/>
             </a:p>
           </p:txBody>
         </p:sp>
@@ -5765,10 +4950,9 @@
             <a:lstStyle/>
             <a:p>
               <a:r>
-                <a:rPr lang="de-CH" sz="1200" dirty="0" smtClean="0"/>
+                <a:rPr lang="de-CH" sz="1200" dirty="0"/>
                 <a:t>-   FAZIT</a:t>
               </a:r>
-              <a:endParaRPr lang="de-CH" sz="1200" dirty="0"/>
             </a:p>
           </p:txBody>
         </p:sp>
@@ -5795,10 +4979,9 @@
             <a:lstStyle/>
             <a:p>
               <a:r>
-                <a:rPr lang="de-CH" sz="1200" dirty="0" smtClean="0"/>
+                <a:rPr lang="de-CH" sz="1200" dirty="0"/>
                 <a:t>-   FRAGEN</a:t>
               </a:r>
-              <a:endParaRPr lang="de-CH" sz="1200" dirty="0"/>
             </a:p>
           </p:txBody>
         </p:sp>
@@ -5854,841 +5037,6 @@
   <p:clrMapOvr>
     <a:masterClrMapping/>
   </p:clrMapOvr>
-  <p:timing>
-    <p:tnLst>
-      <p:par>
-        <p:cTn id="1" dur="indefinite" restart="never" nodeType="tmRoot">
-          <p:childTnLst>
-            <p:seq concurrent="1" nextAc="seek">
-              <p:cTn id="2" dur="indefinite" nodeType="mainSeq">
-                <p:childTnLst>
-                  <p:par>
-                    <p:cTn id="3" fill="hold">
-                      <p:stCondLst>
-                        <p:cond delay="indefinite"/>
-                      </p:stCondLst>
-                      <p:childTnLst>
-                        <p:par>
-                          <p:cTn id="4" fill="hold">
-                            <p:stCondLst>
-                              <p:cond delay="0"/>
-                            </p:stCondLst>
-                            <p:childTnLst>
-                              <p:par>
-                                <p:cTn id="5" presetID="53" presetClass="entr" presetSubtype="16" fill="hold" nodeType="clickEffect">
-                                  <p:stCondLst>
-                                    <p:cond delay="0"/>
-                                  </p:stCondLst>
-                                  <p:childTnLst>
-                                    <p:set>
-                                      <p:cBhvr>
-                                        <p:cTn id="6" dur="1" fill="hold">
-                                          <p:stCondLst>
-                                            <p:cond delay="0"/>
-                                          </p:stCondLst>
-                                        </p:cTn>
-                                        <p:tgtEl>
-                                          <p:spTgt spid="3">
-                                            <p:txEl>
-                                              <p:pRg st="0" end="0"/>
-                                            </p:txEl>
-                                          </p:spTgt>
-                                        </p:tgtEl>
-                                        <p:attrNameLst>
-                                          <p:attrName>style.visibility</p:attrName>
-                                        </p:attrNameLst>
-                                      </p:cBhvr>
-                                      <p:to>
-                                        <p:strVal val="visible"/>
-                                      </p:to>
-                                    </p:set>
-                                    <p:anim calcmode="lin" valueType="num">
-                                      <p:cBhvr>
-                                        <p:cTn id="7" dur="500" fill="hold"/>
-                                        <p:tgtEl>
-                                          <p:spTgt spid="3">
-                                            <p:txEl>
-                                              <p:pRg st="0" end="0"/>
-                                            </p:txEl>
-                                          </p:spTgt>
-                                        </p:tgtEl>
-                                        <p:attrNameLst>
-                                          <p:attrName>ppt_w</p:attrName>
-                                        </p:attrNameLst>
-                                      </p:cBhvr>
-                                      <p:tavLst>
-                                        <p:tav tm="0">
-                                          <p:val>
-                                            <p:fltVal val="0"/>
-                                          </p:val>
-                                        </p:tav>
-                                        <p:tav tm="100000">
-                                          <p:val>
-                                            <p:strVal val="#ppt_w"/>
-                                          </p:val>
-                                        </p:tav>
-                                      </p:tavLst>
-                                    </p:anim>
-                                    <p:anim calcmode="lin" valueType="num">
-                                      <p:cBhvr>
-                                        <p:cTn id="8" dur="500" fill="hold"/>
-                                        <p:tgtEl>
-                                          <p:spTgt spid="3">
-                                            <p:txEl>
-                                              <p:pRg st="0" end="0"/>
-                                            </p:txEl>
-                                          </p:spTgt>
-                                        </p:tgtEl>
-                                        <p:attrNameLst>
-                                          <p:attrName>ppt_h</p:attrName>
-                                        </p:attrNameLst>
-                                      </p:cBhvr>
-                                      <p:tavLst>
-                                        <p:tav tm="0">
-                                          <p:val>
-                                            <p:fltVal val="0"/>
-                                          </p:val>
-                                        </p:tav>
-                                        <p:tav tm="100000">
-                                          <p:val>
-                                            <p:strVal val="#ppt_h"/>
-                                          </p:val>
-                                        </p:tav>
-                                      </p:tavLst>
-                                    </p:anim>
-                                    <p:animEffect transition="in" filter="fade">
-                                      <p:cBhvr>
-                                        <p:cTn id="9" dur="500"/>
-                                        <p:tgtEl>
-                                          <p:spTgt spid="3">
-                                            <p:txEl>
-                                              <p:pRg st="0" end="0"/>
-                                            </p:txEl>
-                                          </p:spTgt>
-                                        </p:tgtEl>
-                                      </p:cBhvr>
-                                    </p:animEffect>
-                                  </p:childTnLst>
-                                </p:cTn>
-                              </p:par>
-                            </p:childTnLst>
-                          </p:cTn>
-                        </p:par>
-                      </p:childTnLst>
-                    </p:cTn>
-                  </p:par>
-                  <p:par>
-                    <p:cTn id="10" fill="hold">
-                      <p:stCondLst>
-                        <p:cond delay="indefinite"/>
-                      </p:stCondLst>
-                      <p:childTnLst>
-                        <p:par>
-                          <p:cTn id="11" fill="hold">
-                            <p:stCondLst>
-                              <p:cond delay="0"/>
-                            </p:stCondLst>
-                            <p:childTnLst>
-                              <p:par>
-                                <p:cTn id="12" presetID="53" presetClass="entr" presetSubtype="16" fill="hold" nodeType="clickEffect">
-                                  <p:stCondLst>
-                                    <p:cond delay="0"/>
-                                  </p:stCondLst>
-                                  <p:childTnLst>
-                                    <p:set>
-                                      <p:cBhvr>
-                                        <p:cTn id="13" dur="1" fill="hold">
-                                          <p:stCondLst>
-                                            <p:cond delay="0"/>
-                                          </p:stCondLst>
-                                        </p:cTn>
-                                        <p:tgtEl>
-                                          <p:spTgt spid="3">
-                                            <p:txEl>
-                                              <p:pRg st="1" end="1"/>
-                                            </p:txEl>
-                                          </p:spTgt>
-                                        </p:tgtEl>
-                                        <p:attrNameLst>
-                                          <p:attrName>style.visibility</p:attrName>
-                                        </p:attrNameLst>
-                                      </p:cBhvr>
-                                      <p:to>
-                                        <p:strVal val="visible"/>
-                                      </p:to>
-                                    </p:set>
-                                    <p:anim calcmode="lin" valueType="num">
-                                      <p:cBhvr>
-                                        <p:cTn id="14" dur="500" fill="hold"/>
-                                        <p:tgtEl>
-                                          <p:spTgt spid="3">
-                                            <p:txEl>
-                                              <p:pRg st="1" end="1"/>
-                                            </p:txEl>
-                                          </p:spTgt>
-                                        </p:tgtEl>
-                                        <p:attrNameLst>
-                                          <p:attrName>ppt_w</p:attrName>
-                                        </p:attrNameLst>
-                                      </p:cBhvr>
-                                      <p:tavLst>
-                                        <p:tav tm="0">
-                                          <p:val>
-                                            <p:fltVal val="0"/>
-                                          </p:val>
-                                        </p:tav>
-                                        <p:tav tm="100000">
-                                          <p:val>
-                                            <p:strVal val="#ppt_w"/>
-                                          </p:val>
-                                        </p:tav>
-                                      </p:tavLst>
-                                    </p:anim>
-                                    <p:anim calcmode="lin" valueType="num">
-                                      <p:cBhvr>
-                                        <p:cTn id="15" dur="500" fill="hold"/>
-                                        <p:tgtEl>
-                                          <p:spTgt spid="3">
-                                            <p:txEl>
-                                              <p:pRg st="1" end="1"/>
-                                            </p:txEl>
-                                          </p:spTgt>
-                                        </p:tgtEl>
-                                        <p:attrNameLst>
-                                          <p:attrName>ppt_h</p:attrName>
-                                        </p:attrNameLst>
-                                      </p:cBhvr>
-                                      <p:tavLst>
-                                        <p:tav tm="0">
-                                          <p:val>
-                                            <p:fltVal val="0"/>
-                                          </p:val>
-                                        </p:tav>
-                                        <p:tav tm="100000">
-                                          <p:val>
-                                            <p:strVal val="#ppt_h"/>
-                                          </p:val>
-                                        </p:tav>
-                                      </p:tavLst>
-                                    </p:anim>
-                                    <p:animEffect transition="in" filter="fade">
-                                      <p:cBhvr>
-                                        <p:cTn id="16" dur="500"/>
-                                        <p:tgtEl>
-                                          <p:spTgt spid="3">
-                                            <p:txEl>
-                                              <p:pRg st="1" end="1"/>
-                                            </p:txEl>
-                                          </p:spTgt>
-                                        </p:tgtEl>
-                                      </p:cBhvr>
-                                    </p:animEffect>
-                                  </p:childTnLst>
-                                </p:cTn>
-                              </p:par>
-                            </p:childTnLst>
-                          </p:cTn>
-                        </p:par>
-                      </p:childTnLst>
-                    </p:cTn>
-                  </p:par>
-                  <p:par>
-                    <p:cTn id="17" fill="hold">
-                      <p:stCondLst>
-                        <p:cond delay="indefinite"/>
-                      </p:stCondLst>
-                      <p:childTnLst>
-                        <p:par>
-                          <p:cTn id="18" fill="hold">
-                            <p:stCondLst>
-                              <p:cond delay="0"/>
-                            </p:stCondLst>
-                            <p:childTnLst>
-                              <p:par>
-                                <p:cTn id="19" presetID="53" presetClass="entr" presetSubtype="16" fill="hold" nodeType="clickEffect">
-                                  <p:stCondLst>
-                                    <p:cond delay="0"/>
-                                  </p:stCondLst>
-                                  <p:childTnLst>
-                                    <p:set>
-                                      <p:cBhvr>
-                                        <p:cTn id="20" dur="1" fill="hold">
-                                          <p:stCondLst>
-                                            <p:cond delay="0"/>
-                                          </p:stCondLst>
-                                        </p:cTn>
-                                        <p:tgtEl>
-                                          <p:spTgt spid="3">
-                                            <p:txEl>
-                                              <p:pRg st="3" end="3"/>
-                                            </p:txEl>
-                                          </p:spTgt>
-                                        </p:tgtEl>
-                                        <p:attrNameLst>
-                                          <p:attrName>style.visibility</p:attrName>
-                                        </p:attrNameLst>
-                                      </p:cBhvr>
-                                      <p:to>
-                                        <p:strVal val="visible"/>
-                                      </p:to>
-                                    </p:set>
-                                    <p:anim calcmode="lin" valueType="num">
-                                      <p:cBhvr>
-                                        <p:cTn id="21" dur="500" fill="hold"/>
-                                        <p:tgtEl>
-                                          <p:spTgt spid="3">
-                                            <p:txEl>
-                                              <p:pRg st="3" end="3"/>
-                                            </p:txEl>
-                                          </p:spTgt>
-                                        </p:tgtEl>
-                                        <p:attrNameLst>
-                                          <p:attrName>ppt_w</p:attrName>
-                                        </p:attrNameLst>
-                                      </p:cBhvr>
-                                      <p:tavLst>
-                                        <p:tav tm="0">
-                                          <p:val>
-                                            <p:fltVal val="0"/>
-                                          </p:val>
-                                        </p:tav>
-                                        <p:tav tm="100000">
-                                          <p:val>
-                                            <p:strVal val="#ppt_w"/>
-                                          </p:val>
-                                        </p:tav>
-                                      </p:tavLst>
-                                    </p:anim>
-                                    <p:anim calcmode="lin" valueType="num">
-                                      <p:cBhvr>
-                                        <p:cTn id="22" dur="500" fill="hold"/>
-                                        <p:tgtEl>
-                                          <p:spTgt spid="3">
-                                            <p:txEl>
-                                              <p:pRg st="3" end="3"/>
-                                            </p:txEl>
-                                          </p:spTgt>
-                                        </p:tgtEl>
-                                        <p:attrNameLst>
-                                          <p:attrName>ppt_h</p:attrName>
-                                        </p:attrNameLst>
-                                      </p:cBhvr>
-                                      <p:tavLst>
-                                        <p:tav tm="0">
-                                          <p:val>
-                                            <p:fltVal val="0"/>
-                                          </p:val>
-                                        </p:tav>
-                                        <p:tav tm="100000">
-                                          <p:val>
-                                            <p:strVal val="#ppt_h"/>
-                                          </p:val>
-                                        </p:tav>
-                                      </p:tavLst>
-                                    </p:anim>
-                                    <p:animEffect transition="in" filter="fade">
-                                      <p:cBhvr>
-                                        <p:cTn id="23" dur="500"/>
-                                        <p:tgtEl>
-                                          <p:spTgt spid="3">
-                                            <p:txEl>
-                                              <p:pRg st="3" end="3"/>
-                                            </p:txEl>
-                                          </p:spTgt>
-                                        </p:tgtEl>
-                                      </p:cBhvr>
-                                    </p:animEffect>
-                                  </p:childTnLst>
-                                </p:cTn>
-                              </p:par>
-                            </p:childTnLst>
-                          </p:cTn>
-                        </p:par>
-                      </p:childTnLst>
-                    </p:cTn>
-                  </p:par>
-                  <p:par>
-                    <p:cTn id="24" fill="hold">
-                      <p:stCondLst>
-                        <p:cond delay="indefinite"/>
-                      </p:stCondLst>
-                      <p:childTnLst>
-                        <p:par>
-                          <p:cTn id="25" fill="hold">
-                            <p:stCondLst>
-                              <p:cond delay="0"/>
-                            </p:stCondLst>
-                            <p:childTnLst>
-                              <p:par>
-                                <p:cTn id="26" presetID="53" presetClass="entr" presetSubtype="16" fill="hold" nodeType="clickEffect">
-                                  <p:stCondLst>
-                                    <p:cond delay="0"/>
-                                  </p:stCondLst>
-                                  <p:childTnLst>
-                                    <p:set>
-                                      <p:cBhvr>
-                                        <p:cTn id="27" dur="1" fill="hold">
-                                          <p:stCondLst>
-                                            <p:cond delay="0"/>
-                                          </p:stCondLst>
-                                        </p:cTn>
-                                        <p:tgtEl>
-                                          <p:spTgt spid="3">
-                                            <p:txEl>
-                                              <p:pRg st="4" end="4"/>
-                                            </p:txEl>
-                                          </p:spTgt>
-                                        </p:tgtEl>
-                                        <p:attrNameLst>
-                                          <p:attrName>style.visibility</p:attrName>
-                                        </p:attrNameLst>
-                                      </p:cBhvr>
-                                      <p:to>
-                                        <p:strVal val="visible"/>
-                                      </p:to>
-                                    </p:set>
-                                    <p:anim calcmode="lin" valueType="num">
-                                      <p:cBhvr>
-                                        <p:cTn id="28" dur="500" fill="hold"/>
-                                        <p:tgtEl>
-                                          <p:spTgt spid="3">
-                                            <p:txEl>
-                                              <p:pRg st="4" end="4"/>
-                                            </p:txEl>
-                                          </p:spTgt>
-                                        </p:tgtEl>
-                                        <p:attrNameLst>
-                                          <p:attrName>ppt_w</p:attrName>
-                                        </p:attrNameLst>
-                                      </p:cBhvr>
-                                      <p:tavLst>
-                                        <p:tav tm="0">
-                                          <p:val>
-                                            <p:fltVal val="0"/>
-                                          </p:val>
-                                        </p:tav>
-                                        <p:tav tm="100000">
-                                          <p:val>
-                                            <p:strVal val="#ppt_w"/>
-                                          </p:val>
-                                        </p:tav>
-                                      </p:tavLst>
-                                    </p:anim>
-                                    <p:anim calcmode="lin" valueType="num">
-                                      <p:cBhvr>
-                                        <p:cTn id="29" dur="500" fill="hold"/>
-                                        <p:tgtEl>
-                                          <p:spTgt spid="3">
-                                            <p:txEl>
-                                              <p:pRg st="4" end="4"/>
-                                            </p:txEl>
-                                          </p:spTgt>
-                                        </p:tgtEl>
-                                        <p:attrNameLst>
-                                          <p:attrName>ppt_h</p:attrName>
-                                        </p:attrNameLst>
-                                      </p:cBhvr>
-                                      <p:tavLst>
-                                        <p:tav tm="0">
-                                          <p:val>
-                                            <p:fltVal val="0"/>
-                                          </p:val>
-                                        </p:tav>
-                                        <p:tav tm="100000">
-                                          <p:val>
-                                            <p:strVal val="#ppt_h"/>
-                                          </p:val>
-                                        </p:tav>
-                                      </p:tavLst>
-                                    </p:anim>
-                                    <p:animEffect transition="in" filter="fade">
-                                      <p:cBhvr>
-                                        <p:cTn id="30" dur="500"/>
-                                        <p:tgtEl>
-                                          <p:spTgt spid="3">
-                                            <p:txEl>
-                                              <p:pRg st="4" end="4"/>
-                                            </p:txEl>
-                                          </p:spTgt>
-                                        </p:tgtEl>
-                                      </p:cBhvr>
-                                    </p:animEffect>
-                                  </p:childTnLst>
-                                </p:cTn>
-                              </p:par>
-                            </p:childTnLst>
-                          </p:cTn>
-                        </p:par>
-                      </p:childTnLst>
-                    </p:cTn>
-                  </p:par>
-                  <p:par>
-                    <p:cTn id="31" fill="hold">
-                      <p:stCondLst>
-                        <p:cond delay="indefinite"/>
-                      </p:stCondLst>
-                      <p:childTnLst>
-                        <p:par>
-                          <p:cTn id="32" fill="hold">
-                            <p:stCondLst>
-                              <p:cond delay="0"/>
-                            </p:stCondLst>
-                            <p:childTnLst>
-                              <p:par>
-                                <p:cTn id="33" presetID="53" presetClass="entr" presetSubtype="16" fill="hold" nodeType="clickEffect">
-                                  <p:stCondLst>
-                                    <p:cond delay="0"/>
-                                  </p:stCondLst>
-                                  <p:childTnLst>
-                                    <p:set>
-                                      <p:cBhvr>
-                                        <p:cTn id="34" dur="1" fill="hold">
-                                          <p:stCondLst>
-                                            <p:cond delay="0"/>
-                                          </p:stCondLst>
-                                        </p:cTn>
-                                        <p:tgtEl>
-                                          <p:spTgt spid="3">
-                                            <p:txEl>
-                                              <p:pRg st="5" end="5"/>
-                                            </p:txEl>
-                                          </p:spTgt>
-                                        </p:tgtEl>
-                                        <p:attrNameLst>
-                                          <p:attrName>style.visibility</p:attrName>
-                                        </p:attrNameLst>
-                                      </p:cBhvr>
-                                      <p:to>
-                                        <p:strVal val="visible"/>
-                                      </p:to>
-                                    </p:set>
-                                    <p:anim calcmode="lin" valueType="num">
-                                      <p:cBhvr>
-                                        <p:cTn id="35" dur="500" fill="hold"/>
-                                        <p:tgtEl>
-                                          <p:spTgt spid="3">
-                                            <p:txEl>
-                                              <p:pRg st="5" end="5"/>
-                                            </p:txEl>
-                                          </p:spTgt>
-                                        </p:tgtEl>
-                                        <p:attrNameLst>
-                                          <p:attrName>ppt_w</p:attrName>
-                                        </p:attrNameLst>
-                                      </p:cBhvr>
-                                      <p:tavLst>
-                                        <p:tav tm="0">
-                                          <p:val>
-                                            <p:fltVal val="0"/>
-                                          </p:val>
-                                        </p:tav>
-                                        <p:tav tm="100000">
-                                          <p:val>
-                                            <p:strVal val="#ppt_w"/>
-                                          </p:val>
-                                        </p:tav>
-                                      </p:tavLst>
-                                    </p:anim>
-                                    <p:anim calcmode="lin" valueType="num">
-                                      <p:cBhvr>
-                                        <p:cTn id="36" dur="500" fill="hold"/>
-                                        <p:tgtEl>
-                                          <p:spTgt spid="3">
-                                            <p:txEl>
-                                              <p:pRg st="5" end="5"/>
-                                            </p:txEl>
-                                          </p:spTgt>
-                                        </p:tgtEl>
-                                        <p:attrNameLst>
-                                          <p:attrName>ppt_h</p:attrName>
-                                        </p:attrNameLst>
-                                      </p:cBhvr>
-                                      <p:tavLst>
-                                        <p:tav tm="0">
-                                          <p:val>
-                                            <p:fltVal val="0"/>
-                                          </p:val>
-                                        </p:tav>
-                                        <p:tav tm="100000">
-                                          <p:val>
-                                            <p:strVal val="#ppt_h"/>
-                                          </p:val>
-                                        </p:tav>
-                                      </p:tavLst>
-                                    </p:anim>
-                                    <p:animEffect transition="in" filter="fade">
-                                      <p:cBhvr>
-                                        <p:cTn id="37" dur="500"/>
-                                        <p:tgtEl>
-                                          <p:spTgt spid="3">
-                                            <p:txEl>
-                                              <p:pRg st="5" end="5"/>
-                                            </p:txEl>
-                                          </p:spTgt>
-                                        </p:tgtEl>
-                                      </p:cBhvr>
-                                    </p:animEffect>
-                                  </p:childTnLst>
-                                </p:cTn>
-                              </p:par>
-                            </p:childTnLst>
-                          </p:cTn>
-                        </p:par>
-                      </p:childTnLst>
-                    </p:cTn>
-                  </p:par>
-                  <p:par>
-                    <p:cTn id="38" fill="hold">
-                      <p:stCondLst>
-                        <p:cond delay="indefinite"/>
-                      </p:stCondLst>
-                      <p:childTnLst>
-                        <p:par>
-                          <p:cTn id="39" fill="hold">
-                            <p:stCondLst>
-                              <p:cond delay="0"/>
-                            </p:stCondLst>
-                            <p:childTnLst>
-                              <p:par>
-                                <p:cTn id="40" presetID="53" presetClass="entr" presetSubtype="16" fill="hold" nodeType="clickEffect">
-                                  <p:stCondLst>
-                                    <p:cond delay="0"/>
-                                  </p:stCondLst>
-                                  <p:childTnLst>
-                                    <p:set>
-                                      <p:cBhvr>
-                                        <p:cTn id="41" dur="1" fill="hold">
-                                          <p:stCondLst>
-                                            <p:cond delay="0"/>
-                                          </p:stCondLst>
-                                        </p:cTn>
-                                        <p:tgtEl>
-                                          <p:spTgt spid="3">
-                                            <p:txEl>
-                                              <p:pRg st="6" end="6"/>
-                                            </p:txEl>
-                                          </p:spTgt>
-                                        </p:tgtEl>
-                                        <p:attrNameLst>
-                                          <p:attrName>style.visibility</p:attrName>
-                                        </p:attrNameLst>
-                                      </p:cBhvr>
-                                      <p:to>
-                                        <p:strVal val="visible"/>
-                                      </p:to>
-                                    </p:set>
-                                    <p:anim calcmode="lin" valueType="num">
-                                      <p:cBhvr>
-                                        <p:cTn id="42" dur="500" fill="hold"/>
-                                        <p:tgtEl>
-                                          <p:spTgt spid="3">
-                                            <p:txEl>
-                                              <p:pRg st="6" end="6"/>
-                                            </p:txEl>
-                                          </p:spTgt>
-                                        </p:tgtEl>
-                                        <p:attrNameLst>
-                                          <p:attrName>ppt_w</p:attrName>
-                                        </p:attrNameLst>
-                                      </p:cBhvr>
-                                      <p:tavLst>
-                                        <p:tav tm="0">
-                                          <p:val>
-                                            <p:fltVal val="0"/>
-                                          </p:val>
-                                        </p:tav>
-                                        <p:tav tm="100000">
-                                          <p:val>
-                                            <p:strVal val="#ppt_w"/>
-                                          </p:val>
-                                        </p:tav>
-                                      </p:tavLst>
-                                    </p:anim>
-                                    <p:anim calcmode="lin" valueType="num">
-                                      <p:cBhvr>
-                                        <p:cTn id="43" dur="500" fill="hold"/>
-                                        <p:tgtEl>
-                                          <p:spTgt spid="3">
-                                            <p:txEl>
-                                              <p:pRg st="6" end="6"/>
-                                            </p:txEl>
-                                          </p:spTgt>
-                                        </p:tgtEl>
-                                        <p:attrNameLst>
-                                          <p:attrName>ppt_h</p:attrName>
-                                        </p:attrNameLst>
-                                      </p:cBhvr>
-                                      <p:tavLst>
-                                        <p:tav tm="0">
-                                          <p:val>
-                                            <p:fltVal val="0"/>
-                                          </p:val>
-                                        </p:tav>
-                                        <p:tav tm="100000">
-                                          <p:val>
-                                            <p:strVal val="#ppt_h"/>
-                                          </p:val>
-                                        </p:tav>
-                                      </p:tavLst>
-                                    </p:anim>
-                                    <p:animEffect transition="in" filter="fade">
-                                      <p:cBhvr>
-                                        <p:cTn id="44" dur="500"/>
-                                        <p:tgtEl>
-                                          <p:spTgt spid="3">
-                                            <p:txEl>
-                                              <p:pRg st="6" end="6"/>
-                                            </p:txEl>
-                                          </p:spTgt>
-                                        </p:tgtEl>
-                                      </p:cBhvr>
-                                    </p:animEffect>
-                                  </p:childTnLst>
-                                </p:cTn>
-                              </p:par>
-                            </p:childTnLst>
-                          </p:cTn>
-                        </p:par>
-                      </p:childTnLst>
-                    </p:cTn>
-                  </p:par>
-                  <p:par>
-                    <p:cTn id="45" fill="hold">
-                      <p:stCondLst>
-                        <p:cond delay="indefinite"/>
-                      </p:stCondLst>
-                      <p:childTnLst>
-                        <p:par>
-                          <p:cTn id="46" fill="hold">
-                            <p:stCondLst>
-                              <p:cond delay="0"/>
-                            </p:stCondLst>
-                            <p:childTnLst>
-                              <p:par>
-                                <p:cTn id="47" presetID="53" presetClass="entr" presetSubtype="16" fill="hold" nodeType="clickEffect">
-                                  <p:stCondLst>
-                                    <p:cond delay="0"/>
-                                  </p:stCondLst>
-                                  <p:childTnLst>
-                                    <p:set>
-                                      <p:cBhvr>
-                                        <p:cTn id="48" dur="1" fill="hold">
-                                          <p:stCondLst>
-                                            <p:cond delay="0"/>
-                                          </p:stCondLst>
-                                        </p:cTn>
-                                        <p:tgtEl>
-                                          <p:spTgt spid="3">
-                                            <p:txEl>
-                                              <p:pRg st="7" end="7"/>
-                                            </p:txEl>
-                                          </p:spTgt>
-                                        </p:tgtEl>
-                                        <p:attrNameLst>
-                                          <p:attrName>style.visibility</p:attrName>
-                                        </p:attrNameLst>
-                                      </p:cBhvr>
-                                      <p:to>
-                                        <p:strVal val="visible"/>
-                                      </p:to>
-                                    </p:set>
-                                    <p:anim calcmode="lin" valueType="num">
-                                      <p:cBhvr>
-                                        <p:cTn id="49" dur="500" fill="hold"/>
-                                        <p:tgtEl>
-                                          <p:spTgt spid="3">
-                                            <p:txEl>
-                                              <p:pRg st="7" end="7"/>
-                                            </p:txEl>
-                                          </p:spTgt>
-                                        </p:tgtEl>
-                                        <p:attrNameLst>
-                                          <p:attrName>ppt_w</p:attrName>
-                                        </p:attrNameLst>
-                                      </p:cBhvr>
-                                      <p:tavLst>
-                                        <p:tav tm="0">
-                                          <p:val>
-                                            <p:fltVal val="0"/>
-                                          </p:val>
-                                        </p:tav>
-                                        <p:tav tm="100000">
-                                          <p:val>
-                                            <p:strVal val="#ppt_w"/>
-                                          </p:val>
-                                        </p:tav>
-                                      </p:tavLst>
-                                    </p:anim>
-                                    <p:anim calcmode="lin" valueType="num">
-                                      <p:cBhvr>
-                                        <p:cTn id="50" dur="500" fill="hold"/>
-                                        <p:tgtEl>
-                                          <p:spTgt spid="3">
-                                            <p:txEl>
-                                              <p:pRg st="7" end="7"/>
-                                            </p:txEl>
-                                          </p:spTgt>
-                                        </p:tgtEl>
-                                        <p:attrNameLst>
-                                          <p:attrName>ppt_h</p:attrName>
-                                        </p:attrNameLst>
-                                      </p:cBhvr>
-                                      <p:tavLst>
-                                        <p:tav tm="0">
-                                          <p:val>
-                                            <p:fltVal val="0"/>
-                                          </p:val>
-                                        </p:tav>
-                                        <p:tav tm="100000">
-                                          <p:val>
-                                            <p:strVal val="#ppt_h"/>
-                                          </p:val>
-                                        </p:tav>
-                                      </p:tavLst>
-                                    </p:anim>
-                                    <p:animEffect transition="in" filter="fade">
-                                      <p:cBhvr>
-                                        <p:cTn id="51" dur="500"/>
-                                        <p:tgtEl>
-                                          <p:spTgt spid="3">
-                                            <p:txEl>
-                                              <p:pRg st="7" end="7"/>
-                                            </p:txEl>
-                                          </p:spTgt>
-                                        </p:tgtEl>
-                                      </p:cBhvr>
-                                    </p:animEffect>
-                                  </p:childTnLst>
-                                </p:cTn>
-                              </p:par>
-                            </p:childTnLst>
-                          </p:cTn>
-                        </p:par>
-                      </p:childTnLst>
-                    </p:cTn>
-                  </p:par>
-                </p:childTnLst>
-              </p:cTn>
-              <p:prevCondLst>
-                <p:cond evt="onPrev" delay="0">
-                  <p:tgtEl>
-                    <p:sldTgt/>
-                  </p:tgtEl>
-                </p:cond>
-              </p:prevCondLst>
-              <p:nextCondLst>
-                <p:cond evt="onNext" delay="0">
-                  <p:tgtEl>
-                    <p:sldTgt/>
-                  </p:tgtEl>
-                </p:cond>
-              </p:nextCondLst>
-            </p:seq>
-          </p:childTnLst>
-        </p:cTn>
-      </p:par>
-    </p:tnLst>
-  </p:timing>
 </p:sld>
 </file>
 
@@ -6750,46 +5098,52 @@
           <a:lstStyle/>
           <a:p>
             <a:r>
-              <a:rPr lang="de-CH" dirty="0" smtClean="0"/>
+              <a:rPr lang="de-CH" dirty="0"/>
               <a:t>Ziele</a:t>
             </a:r>
+          </a:p>
+          <a:p>
+            <a:pPr lvl="1"/>
+            <a:r>
+              <a:rPr lang="de-CH" dirty="0"/>
+              <a:t>Abwesenheiten</a:t>
+            </a:r>
+          </a:p>
+          <a:p>
+            <a:pPr lvl="1"/>
+            <a:r>
+              <a:rPr lang="de-CH" dirty="0"/>
+              <a:t>Ereignisse</a:t>
+            </a:r>
+          </a:p>
+          <a:p>
+            <a:pPr lvl="1"/>
+            <a:r>
+              <a:rPr lang="de-CH" dirty="0"/>
+              <a:t>Stundenplan</a:t>
+            </a:r>
+          </a:p>
+          <a:p>
+            <a:pPr lvl="1"/>
+            <a:r>
+              <a:rPr lang="de-CH" dirty="0"/>
+              <a:t>Klassen</a:t>
+            </a:r>
+          </a:p>
+          <a:p>
+            <a:pPr lvl="1"/>
+            <a:r>
+              <a:rPr lang="de-CH" dirty="0" err="1"/>
+              <a:t>Notifications</a:t>
+            </a:r>
             <a:endParaRPr lang="de-CH" dirty="0"/>
           </a:p>
           <a:p>
             <a:pPr lvl="1"/>
             <a:r>
-              <a:rPr lang="de-CH" dirty="0" smtClean="0"/>
-              <a:t>Abwesenheiten</a:t>
-            </a:r>
-          </a:p>
-          <a:p>
-            <a:pPr lvl="1"/>
-            <a:r>
-              <a:rPr lang="de-CH" dirty="0" smtClean="0"/>
-              <a:t>Ereignisse</a:t>
-            </a:r>
-          </a:p>
-          <a:p>
-            <a:pPr lvl="1"/>
-            <a:r>
-              <a:rPr lang="de-CH" dirty="0" smtClean="0"/>
-              <a:t>Stundenplan</a:t>
-            </a:r>
-          </a:p>
-          <a:p>
-            <a:pPr lvl="1"/>
-            <a:r>
-              <a:rPr lang="de-CH" dirty="0" smtClean="0"/>
-              <a:t>Klassen</a:t>
-            </a:r>
-          </a:p>
-          <a:p>
-            <a:pPr lvl="1"/>
-            <a:r>
-              <a:rPr lang="de-CH" dirty="0" err="1" smtClean="0"/>
-              <a:t>Notifications</a:t>
-            </a:r>
-            <a:endParaRPr lang="de-CH" dirty="0" smtClean="0"/>
+              <a:rPr lang="de-CH" dirty="0"/>
+              <a:t>Rollen</a:t>
+            </a:r>
           </a:p>
         </p:txBody>
       </p:sp>
@@ -6809,10 +5163,9 @@
           <a:lstStyle/>
           <a:p>
             <a:r>
-              <a:rPr lang="de-CH" dirty="0" smtClean="0"/>
+              <a:rPr lang="de-CH" dirty="0"/>
               <a:t>30.03.2017</a:t>
             </a:r>
-            <a:endParaRPr lang="de-CH" dirty="0"/>
           </a:p>
         </p:txBody>
       </p:sp>
@@ -6861,26 +5214,21 @@
           <a:lstStyle/>
           <a:p>
             <a:r>
-              <a:rPr lang="de-CH" dirty="0" err="1" smtClean="0"/>
+              <a:rPr lang="de-CH" dirty="0" err="1"/>
               <a:t>hannes</a:t>
             </a:r>
             <a:r>
-              <a:rPr lang="de-CH" dirty="0" smtClean="0"/>
+              <a:rPr lang="de-CH" dirty="0"/>
               <a:t> anderes &amp; </a:t>
             </a:r>
             <a:r>
-              <a:rPr lang="de-CH" dirty="0" err="1" smtClean="0"/>
+              <a:rPr lang="de-CH" dirty="0" err="1"/>
               <a:t>michael</a:t>
             </a:r>
             <a:r>
-              <a:rPr lang="de-CH" dirty="0" smtClean="0"/>
-              <a:t> </a:t>
-            </a:r>
-            <a:r>
-              <a:rPr lang="de-CH" dirty="0" smtClean="0"/>
-              <a:t>märki</a:t>
-            </a:r>
-            <a:endParaRPr lang="de-CH" dirty="0"/>
+              <a:rPr lang="de-CH" dirty="0"/>
+              <a:t> märki</a:t>
+            </a:r>
           </a:p>
         </p:txBody>
       </p:sp>
@@ -6916,25 +5264,8 @@
                   </a:schemeClr>
                 </a:solidFill>
               </a:rPr>
-              <a:t>CAS FEE – Projekt </a:t>
-            </a:r>
-            <a:r>
-              <a:rPr lang="de-CH" sz="1200" dirty="0" smtClean="0">
-                <a:solidFill>
-                  <a:schemeClr val="tx1">
-                    <a:tint val="75000"/>
-                  </a:schemeClr>
-                </a:solidFill>
-              </a:rPr>
-              <a:t>2</a:t>
-            </a:r>
-            <a:endParaRPr lang="de-CH" sz="1200" dirty="0">
-              <a:solidFill>
-                <a:schemeClr val="tx1">
-                  <a:tint val="75000"/>
-                </a:schemeClr>
-              </a:solidFill>
-            </a:endParaRPr>
+              <a:t>CAS FEE – Projekt 2</a:t>
+            </a:r>
           </a:p>
         </p:txBody>
       </p:sp>
@@ -6975,7 +5306,7 @@
             <a:lstStyle/>
             <a:p>
               <a:r>
-                <a:rPr lang="de-CH" sz="1200" dirty="0" smtClean="0">
+                <a:rPr lang="de-CH" sz="1200" dirty="0">
                   <a:solidFill>
                     <a:schemeClr val="tx1">
                       <a:lumMod val="50000"/>
@@ -6984,13 +5315,6 @@
                 </a:rPr>
                 <a:t>ÜBERBLICK</a:t>
               </a:r>
-              <a:endParaRPr lang="de-CH" sz="1200" dirty="0">
-                <a:solidFill>
-                  <a:schemeClr val="tx1">
-                    <a:lumMod val="50000"/>
-                  </a:schemeClr>
-                </a:solidFill>
-              </a:endParaRPr>
             </a:p>
           </p:txBody>
         </p:sp>
@@ -7017,22 +5341,17 @@
             <a:lstStyle/>
             <a:p>
               <a:r>
-                <a:rPr lang="de-CH" sz="1200" dirty="0" smtClean="0"/>
+                <a:rPr lang="de-CH" sz="1200" dirty="0"/>
                 <a:t>-   </a:t>
               </a:r>
               <a:r>
-                <a:rPr lang="de-CH" sz="1200" dirty="0" smtClean="0">
+                <a:rPr lang="de-CH" sz="1200" dirty="0">
                   <a:solidFill>
                     <a:schemeClr val="accent6"/>
                   </a:solidFill>
                 </a:rPr>
                 <a:t>AUSGANGSLAGE</a:t>
               </a:r>
-              <a:endParaRPr lang="de-CH" sz="1200" dirty="0">
-                <a:solidFill>
-                  <a:schemeClr val="accent6"/>
-                </a:solidFill>
-              </a:endParaRPr>
             </a:p>
           </p:txBody>
         </p:sp>
@@ -7059,10 +5378,9 @@
             <a:lstStyle/>
             <a:p>
               <a:r>
-                <a:rPr lang="de-CH" sz="1200" dirty="0" smtClean="0"/>
+                <a:rPr lang="de-CH" sz="1200" dirty="0"/>
                 <a:t>-   REALISIERUNG</a:t>
               </a:r>
-              <a:endParaRPr lang="de-CH" sz="1200" dirty="0"/>
             </a:p>
           </p:txBody>
         </p:sp>
@@ -7089,10 +5407,9 @@
             <a:lstStyle/>
             <a:p>
               <a:r>
-                <a:rPr lang="de-CH" sz="1200" dirty="0" smtClean="0"/>
+                <a:rPr lang="de-CH" sz="1200" dirty="0"/>
                 <a:t>-   DEMO</a:t>
               </a:r>
-              <a:endParaRPr lang="de-CH" sz="1200" dirty="0"/>
             </a:p>
           </p:txBody>
         </p:sp>
@@ -7119,10 +5436,9 @@
             <a:lstStyle/>
             <a:p>
               <a:r>
-                <a:rPr lang="de-CH" sz="1200" dirty="0" smtClean="0"/>
+                <a:rPr lang="de-CH" sz="1200" dirty="0"/>
                 <a:t>-   FAZIT</a:t>
               </a:r>
-              <a:endParaRPr lang="de-CH" sz="1200" dirty="0"/>
             </a:p>
           </p:txBody>
         </p:sp>
@@ -7149,10 +5465,9 @@
             <a:lstStyle/>
             <a:p>
               <a:r>
-                <a:rPr lang="de-CH" sz="1200" dirty="0" smtClean="0"/>
+                <a:rPr lang="de-CH" sz="1200" dirty="0"/>
                 <a:t>-   FRAGEN</a:t>
               </a:r>
-              <a:endParaRPr lang="de-CH" sz="1200" dirty="0"/>
             </a:p>
           </p:txBody>
         </p:sp>
@@ -7208,726 +5523,6 @@
   <p:clrMapOvr>
     <a:masterClrMapping/>
   </p:clrMapOvr>
-  <p:timing>
-    <p:tnLst>
-      <p:par>
-        <p:cTn id="1" dur="indefinite" restart="never" nodeType="tmRoot">
-          <p:childTnLst>
-            <p:seq concurrent="1" nextAc="seek">
-              <p:cTn id="2" dur="indefinite" nodeType="mainSeq">
-                <p:childTnLst>
-                  <p:par>
-                    <p:cTn id="3" fill="hold">
-                      <p:stCondLst>
-                        <p:cond delay="indefinite"/>
-                      </p:stCondLst>
-                      <p:childTnLst>
-                        <p:par>
-                          <p:cTn id="4" fill="hold">
-                            <p:stCondLst>
-                              <p:cond delay="0"/>
-                            </p:stCondLst>
-                            <p:childTnLst>
-                              <p:par>
-                                <p:cTn id="5" presetID="53" presetClass="entr" presetSubtype="16" fill="hold" nodeType="clickEffect">
-                                  <p:stCondLst>
-                                    <p:cond delay="0"/>
-                                  </p:stCondLst>
-                                  <p:childTnLst>
-                                    <p:set>
-                                      <p:cBhvr>
-                                        <p:cTn id="6" dur="1" fill="hold">
-                                          <p:stCondLst>
-                                            <p:cond delay="0"/>
-                                          </p:stCondLst>
-                                        </p:cTn>
-                                        <p:tgtEl>
-                                          <p:spTgt spid="3">
-                                            <p:txEl>
-                                              <p:pRg st="0" end="0"/>
-                                            </p:txEl>
-                                          </p:spTgt>
-                                        </p:tgtEl>
-                                        <p:attrNameLst>
-                                          <p:attrName>style.visibility</p:attrName>
-                                        </p:attrNameLst>
-                                      </p:cBhvr>
-                                      <p:to>
-                                        <p:strVal val="visible"/>
-                                      </p:to>
-                                    </p:set>
-                                    <p:anim calcmode="lin" valueType="num">
-                                      <p:cBhvr>
-                                        <p:cTn id="7" dur="500" fill="hold"/>
-                                        <p:tgtEl>
-                                          <p:spTgt spid="3">
-                                            <p:txEl>
-                                              <p:pRg st="0" end="0"/>
-                                            </p:txEl>
-                                          </p:spTgt>
-                                        </p:tgtEl>
-                                        <p:attrNameLst>
-                                          <p:attrName>ppt_w</p:attrName>
-                                        </p:attrNameLst>
-                                      </p:cBhvr>
-                                      <p:tavLst>
-                                        <p:tav tm="0">
-                                          <p:val>
-                                            <p:fltVal val="0"/>
-                                          </p:val>
-                                        </p:tav>
-                                        <p:tav tm="100000">
-                                          <p:val>
-                                            <p:strVal val="#ppt_w"/>
-                                          </p:val>
-                                        </p:tav>
-                                      </p:tavLst>
-                                    </p:anim>
-                                    <p:anim calcmode="lin" valueType="num">
-                                      <p:cBhvr>
-                                        <p:cTn id="8" dur="500" fill="hold"/>
-                                        <p:tgtEl>
-                                          <p:spTgt spid="3">
-                                            <p:txEl>
-                                              <p:pRg st="0" end="0"/>
-                                            </p:txEl>
-                                          </p:spTgt>
-                                        </p:tgtEl>
-                                        <p:attrNameLst>
-                                          <p:attrName>ppt_h</p:attrName>
-                                        </p:attrNameLst>
-                                      </p:cBhvr>
-                                      <p:tavLst>
-                                        <p:tav tm="0">
-                                          <p:val>
-                                            <p:fltVal val="0"/>
-                                          </p:val>
-                                        </p:tav>
-                                        <p:tav tm="100000">
-                                          <p:val>
-                                            <p:strVal val="#ppt_h"/>
-                                          </p:val>
-                                        </p:tav>
-                                      </p:tavLst>
-                                    </p:anim>
-                                    <p:animEffect transition="in" filter="fade">
-                                      <p:cBhvr>
-                                        <p:cTn id="9" dur="500"/>
-                                        <p:tgtEl>
-                                          <p:spTgt spid="3">
-                                            <p:txEl>
-                                              <p:pRg st="0" end="0"/>
-                                            </p:txEl>
-                                          </p:spTgt>
-                                        </p:tgtEl>
-                                      </p:cBhvr>
-                                    </p:animEffect>
-                                  </p:childTnLst>
-                                </p:cTn>
-                              </p:par>
-                            </p:childTnLst>
-                          </p:cTn>
-                        </p:par>
-                      </p:childTnLst>
-                    </p:cTn>
-                  </p:par>
-                  <p:par>
-                    <p:cTn id="10" fill="hold">
-                      <p:stCondLst>
-                        <p:cond delay="indefinite"/>
-                      </p:stCondLst>
-                      <p:childTnLst>
-                        <p:par>
-                          <p:cTn id="11" fill="hold">
-                            <p:stCondLst>
-                              <p:cond delay="0"/>
-                            </p:stCondLst>
-                            <p:childTnLst>
-                              <p:par>
-                                <p:cTn id="12" presetID="53" presetClass="entr" presetSubtype="16" fill="hold" nodeType="clickEffect">
-                                  <p:stCondLst>
-                                    <p:cond delay="0"/>
-                                  </p:stCondLst>
-                                  <p:childTnLst>
-                                    <p:set>
-                                      <p:cBhvr>
-                                        <p:cTn id="13" dur="1" fill="hold">
-                                          <p:stCondLst>
-                                            <p:cond delay="0"/>
-                                          </p:stCondLst>
-                                        </p:cTn>
-                                        <p:tgtEl>
-                                          <p:spTgt spid="3">
-                                            <p:txEl>
-                                              <p:pRg st="1" end="1"/>
-                                            </p:txEl>
-                                          </p:spTgt>
-                                        </p:tgtEl>
-                                        <p:attrNameLst>
-                                          <p:attrName>style.visibility</p:attrName>
-                                        </p:attrNameLst>
-                                      </p:cBhvr>
-                                      <p:to>
-                                        <p:strVal val="visible"/>
-                                      </p:to>
-                                    </p:set>
-                                    <p:anim calcmode="lin" valueType="num">
-                                      <p:cBhvr>
-                                        <p:cTn id="14" dur="500" fill="hold"/>
-                                        <p:tgtEl>
-                                          <p:spTgt spid="3">
-                                            <p:txEl>
-                                              <p:pRg st="1" end="1"/>
-                                            </p:txEl>
-                                          </p:spTgt>
-                                        </p:tgtEl>
-                                        <p:attrNameLst>
-                                          <p:attrName>ppt_w</p:attrName>
-                                        </p:attrNameLst>
-                                      </p:cBhvr>
-                                      <p:tavLst>
-                                        <p:tav tm="0">
-                                          <p:val>
-                                            <p:fltVal val="0"/>
-                                          </p:val>
-                                        </p:tav>
-                                        <p:tav tm="100000">
-                                          <p:val>
-                                            <p:strVal val="#ppt_w"/>
-                                          </p:val>
-                                        </p:tav>
-                                      </p:tavLst>
-                                    </p:anim>
-                                    <p:anim calcmode="lin" valueType="num">
-                                      <p:cBhvr>
-                                        <p:cTn id="15" dur="500" fill="hold"/>
-                                        <p:tgtEl>
-                                          <p:spTgt spid="3">
-                                            <p:txEl>
-                                              <p:pRg st="1" end="1"/>
-                                            </p:txEl>
-                                          </p:spTgt>
-                                        </p:tgtEl>
-                                        <p:attrNameLst>
-                                          <p:attrName>ppt_h</p:attrName>
-                                        </p:attrNameLst>
-                                      </p:cBhvr>
-                                      <p:tavLst>
-                                        <p:tav tm="0">
-                                          <p:val>
-                                            <p:fltVal val="0"/>
-                                          </p:val>
-                                        </p:tav>
-                                        <p:tav tm="100000">
-                                          <p:val>
-                                            <p:strVal val="#ppt_h"/>
-                                          </p:val>
-                                        </p:tav>
-                                      </p:tavLst>
-                                    </p:anim>
-                                    <p:animEffect transition="in" filter="fade">
-                                      <p:cBhvr>
-                                        <p:cTn id="16" dur="500"/>
-                                        <p:tgtEl>
-                                          <p:spTgt spid="3">
-                                            <p:txEl>
-                                              <p:pRg st="1" end="1"/>
-                                            </p:txEl>
-                                          </p:spTgt>
-                                        </p:tgtEl>
-                                      </p:cBhvr>
-                                    </p:animEffect>
-                                  </p:childTnLst>
-                                </p:cTn>
-                              </p:par>
-                            </p:childTnLst>
-                          </p:cTn>
-                        </p:par>
-                      </p:childTnLst>
-                    </p:cTn>
-                  </p:par>
-                  <p:par>
-                    <p:cTn id="17" fill="hold">
-                      <p:stCondLst>
-                        <p:cond delay="indefinite"/>
-                      </p:stCondLst>
-                      <p:childTnLst>
-                        <p:par>
-                          <p:cTn id="18" fill="hold">
-                            <p:stCondLst>
-                              <p:cond delay="0"/>
-                            </p:stCondLst>
-                            <p:childTnLst>
-                              <p:par>
-                                <p:cTn id="19" presetID="53" presetClass="entr" presetSubtype="16" fill="hold" nodeType="clickEffect">
-                                  <p:stCondLst>
-                                    <p:cond delay="0"/>
-                                  </p:stCondLst>
-                                  <p:childTnLst>
-                                    <p:set>
-                                      <p:cBhvr>
-                                        <p:cTn id="20" dur="1" fill="hold">
-                                          <p:stCondLst>
-                                            <p:cond delay="0"/>
-                                          </p:stCondLst>
-                                        </p:cTn>
-                                        <p:tgtEl>
-                                          <p:spTgt spid="3">
-                                            <p:txEl>
-                                              <p:pRg st="2" end="2"/>
-                                            </p:txEl>
-                                          </p:spTgt>
-                                        </p:tgtEl>
-                                        <p:attrNameLst>
-                                          <p:attrName>style.visibility</p:attrName>
-                                        </p:attrNameLst>
-                                      </p:cBhvr>
-                                      <p:to>
-                                        <p:strVal val="visible"/>
-                                      </p:to>
-                                    </p:set>
-                                    <p:anim calcmode="lin" valueType="num">
-                                      <p:cBhvr>
-                                        <p:cTn id="21" dur="500" fill="hold"/>
-                                        <p:tgtEl>
-                                          <p:spTgt spid="3">
-                                            <p:txEl>
-                                              <p:pRg st="2" end="2"/>
-                                            </p:txEl>
-                                          </p:spTgt>
-                                        </p:tgtEl>
-                                        <p:attrNameLst>
-                                          <p:attrName>ppt_w</p:attrName>
-                                        </p:attrNameLst>
-                                      </p:cBhvr>
-                                      <p:tavLst>
-                                        <p:tav tm="0">
-                                          <p:val>
-                                            <p:fltVal val="0"/>
-                                          </p:val>
-                                        </p:tav>
-                                        <p:tav tm="100000">
-                                          <p:val>
-                                            <p:strVal val="#ppt_w"/>
-                                          </p:val>
-                                        </p:tav>
-                                      </p:tavLst>
-                                    </p:anim>
-                                    <p:anim calcmode="lin" valueType="num">
-                                      <p:cBhvr>
-                                        <p:cTn id="22" dur="500" fill="hold"/>
-                                        <p:tgtEl>
-                                          <p:spTgt spid="3">
-                                            <p:txEl>
-                                              <p:pRg st="2" end="2"/>
-                                            </p:txEl>
-                                          </p:spTgt>
-                                        </p:tgtEl>
-                                        <p:attrNameLst>
-                                          <p:attrName>ppt_h</p:attrName>
-                                        </p:attrNameLst>
-                                      </p:cBhvr>
-                                      <p:tavLst>
-                                        <p:tav tm="0">
-                                          <p:val>
-                                            <p:fltVal val="0"/>
-                                          </p:val>
-                                        </p:tav>
-                                        <p:tav tm="100000">
-                                          <p:val>
-                                            <p:strVal val="#ppt_h"/>
-                                          </p:val>
-                                        </p:tav>
-                                      </p:tavLst>
-                                    </p:anim>
-                                    <p:animEffect transition="in" filter="fade">
-                                      <p:cBhvr>
-                                        <p:cTn id="23" dur="500"/>
-                                        <p:tgtEl>
-                                          <p:spTgt spid="3">
-                                            <p:txEl>
-                                              <p:pRg st="2" end="2"/>
-                                            </p:txEl>
-                                          </p:spTgt>
-                                        </p:tgtEl>
-                                      </p:cBhvr>
-                                    </p:animEffect>
-                                  </p:childTnLst>
-                                </p:cTn>
-                              </p:par>
-                            </p:childTnLst>
-                          </p:cTn>
-                        </p:par>
-                      </p:childTnLst>
-                    </p:cTn>
-                  </p:par>
-                  <p:par>
-                    <p:cTn id="24" fill="hold">
-                      <p:stCondLst>
-                        <p:cond delay="indefinite"/>
-                      </p:stCondLst>
-                      <p:childTnLst>
-                        <p:par>
-                          <p:cTn id="25" fill="hold">
-                            <p:stCondLst>
-                              <p:cond delay="0"/>
-                            </p:stCondLst>
-                            <p:childTnLst>
-                              <p:par>
-                                <p:cTn id="26" presetID="53" presetClass="entr" presetSubtype="16" fill="hold" nodeType="clickEffect">
-                                  <p:stCondLst>
-                                    <p:cond delay="0"/>
-                                  </p:stCondLst>
-                                  <p:childTnLst>
-                                    <p:set>
-                                      <p:cBhvr>
-                                        <p:cTn id="27" dur="1" fill="hold">
-                                          <p:stCondLst>
-                                            <p:cond delay="0"/>
-                                          </p:stCondLst>
-                                        </p:cTn>
-                                        <p:tgtEl>
-                                          <p:spTgt spid="3">
-                                            <p:txEl>
-                                              <p:pRg st="3" end="3"/>
-                                            </p:txEl>
-                                          </p:spTgt>
-                                        </p:tgtEl>
-                                        <p:attrNameLst>
-                                          <p:attrName>style.visibility</p:attrName>
-                                        </p:attrNameLst>
-                                      </p:cBhvr>
-                                      <p:to>
-                                        <p:strVal val="visible"/>
-                                      </p:to>
-                                    </p:set>
-                                    <p:anim calcmode="lin" valueType="num">
-                                      <p:cBhvr>
-                                        <p:cTn id="28" dur="500" fill="hold"/>
-                                        <p:tgtEl>
-                                          <p:spTgt spid="3">
-                                            <p:txEl>
-                                              <p:pRg st="3" end="3"/>
-                                            </p:txEl>
-                                          </p:spTgt>
-                                        </p:tgtEl>
-                                        <p:attrNameLst>
-                                          <p:attrName>ppt_w</p:attrName>
-                                        </p:attrNameLst>
-                                      </p:cBhvr>
-                                      <p:tavLst>
-                                        <p:tav tm="0">
-                                          <p:val>
-                                            <p:fltVal val="0"/>
-                                          </p:val>
-                                        </p:tav>
-                                        <p:tav tm="100000">
-                                          <p:val>
-                                            <p:strVal val="#ppt_w"/>
-                                          </p:val>
-                                        </p:tav>
-                                      </p:tavLst>
-                                    </p:anim>
-                                    <p:anim calcmode="lin" valueType="num">
-                                      <p:cBhvr>
-                                        <p:cTn id="29" dur="500" fill="hold"/>
-                                        <p:tgtEl>
-                                          <p:spTgt spid="3">
-                                            <p:txEl>
-                                              <p:pRg st="3" end="3"/>
-                                            </p:txEl>
-                                          </p:spTgt>
-                                        </p:tgtEl>
-                                        <p:attrNameLst>
-                                          <p:attrName>ppt_h</p:attrName>
-                                        </p:attrNameLst>
-                                      </p:cBhvr>
-                                      <p:tavLst>
-                                        <p:tav tm="0">
-                                          <p:val>
-                                            <p:fltVal val="0"/>
-                                          </p:val>
-                                        </p:tav>
-                                        <p:tav tm="100000">
-                                          <p:val>
-                                            <p:strVal val="#ppt_h"/>
-                                          </p:val>
-                                        </p:tav>
-                                      </p:tavLst>
-                                    </p:anim>
-                                    <p:animEffect transition="in" filter="fade">
-                                      <p:cBhvr>
-                                        <p:cTn id="30" dur="500"/>
-                                        <p:tgtEl>
-                                          <p:spTgt spid="3">
-                                            <p:txEl>
-                                              <p:pRg st="3" end="3"/>
-                                            </p:txEl>
-                                          </p:spTgt>
-                                        </p:tgtEl>
-                                      </p:cBhvr>
-                                    </p:animEffect>
-                                  </p:childTnLst>
-                                </p:cTn>
-                              </p:par>
-                            </p:childTnLst>
-                          </p:cTn>
-                        </p:par>
-                      </p:childTnLst>
-                    </p:cTn>
-                  </p:par>
-                  <p:par>
-                    <p:cTn id="31" fill="hold">
-                      <p:stCondLst>
-                        <p:cond delay="indefinite"/>
-                      </p:stCondLst>
-                      <p:childTnLst>
-                        <p:par>
-                          <p:cTn id="32" fill="hold">
-                            <p:stCondLst>
-                              <p:cond delay="0"/>
-                            </p:stCondLst>
-                            <p:childTnLst>
-                              <p:par>
-                                <p:cTn id="33" presetID="53" presetClass="entr" presetSubtype="16" fill="hold" nodeType="clickEffect">
-                                  <p:stCondLst>
-                                    <p:cond delay="0"/>
-                                  </p:stCondLst>
-                                  <p:childTnLst>
-                                    <p:set>
-                                      <p:cBhvr>
-                                        <p:cTn id="34" dur="1" fill="hold">
-                                          <p:stCondLst>
-                                            <p:cond delay="0"/>
-                                          </p:stCondLst>
-                                        </p:cTn>
-                                        <p:tgtEl>
-                                          <p:spTgt spid="3">
-                                            <p:txEl>
-                                              <p:pRg st="4" end="4"/>
-                                            </p:txEl>
-                                          </p:spTgt>
-                                        </p:tgtEl>
-                                        <p:attrNameLst>
-                                          <p:attrName>style.visibility</p:attrName>
-                                        </p:attrNameLst>
-                                      </p:cBhvr>
-                                      <p:to>
-                                        <p:strVal val="visible"/>
-                                      </p:to>
-                                    </p:set>
-                                    <p:anim calcmode="lin" valueType="num">
-                                      <p:cBhvr>
-                                        <p:cTn id="35" dur="500" fill="hold"/>
-                                        <p:tgtEl>
-                                          <p:spTgt spid="3">
-                                            <p:txEl>
-                                              <p:pRg st="4" end="4"/>
-                                            </p:txEl>
-                                          </p:spTgt>
-                                        </p:tgtEl>
-                                        <p:attrNameLst>
-                                          <p:attrName>ppt_w</p:attrName>
-                                        </p:attrNameLst>
-                                      </p:cBhvr>
-                                      <p:tavLst>
-                                        <p:tav tm="0">
-                                          <p:val>
-                                            <p:fltVal val="0"/>
-                                          </p:val>
-                                        </p:tav>
-                                        <p:tav tm="100000">
-                                          <p:val>
-                                            <p:strVal val="#ppt_w"/>
-                                          </p:val>
-                                        </p:tav>
-                                      </p:tavLst>
-                                    </p:anim>
-                                    <p:anim calcmode="lin" valueType="num">
-                                      <p:cBhvr>
-                                        <p:cTn id="36" dur="500" fill="hold"/>
-                                        <p:tgtEl>
-                                          <p:spTgt spid="3">
-                                            <p:txEl>
-                                              <p:pRg st="4" end="4"/>
-                                            </p:txEl>
-                                          </p:spTgt>
-                                        </p:tgtEl>
-                                        <p:attrNameLst>
-                                          <p:attrName>ppt_h</p:attrName>
-                                        </p:attrNameLst>
-                                      </p:cBhvr>
-                                      <p:tavLst>
-                                        <p:tav tm="0">
-                                          <p:val>
-                                            <p:fltVal val="0"/>
-                                          </p:val>
-                                        </p:tav>
-                                        <p:tav tm="100000">
-                                          <p:val>
-                                            <p:strVal val="#ppt_h"/>
-                                          </p:val>
-                                        </p:tav>
-                                      </p:tavLst>
-                                    </p:anim>
-                                    <p:animEffect transition="in" filter="fade">
-                                      <p:cBhvr>
-                                        <p:cTn id="37" dur="500"/>
-                                        <p:tgtEl>
-                                          <p:spTgt spid="3">
-                                            <p:txEl>
-                                              <p:pRg st="4" end="4"/>
-                                            </p:txEl>
-                                          </p:spTgt>
-                                        </p:tgtEl>
-                                      </p:cBhvr>
-                                    </p:animEffect>
-                                  </p:childTnLst>
-                                </p:cTn>
-                              </p:par>
-                            </p:childTnLst>
-                          </p:cTn>
-                        </p:par>
-                      </p:childTnLst>
-                    </p:cTn>
-                  </p:par>
-                  <p:par>
-                    <p:cTn id="38" fill="hold">
-                      <p:stCondLst>
-                        <p:cond delay="indefinite"/>
-                      </p:stCondLst>
-                      <p:childTnLst>
-                        <p:par>
-                          <p:cTn id="39" fill="hold">
-                            <p:stCondLst>
-                              <p:cond delay="0"/>
-                            </p:stCondLst>
-                            <p:childTnLst>
-                              <p:par>
-                                <p:cTn id="40" presetID="53" presetClass="entr" presetSubtype="16" fill="hold" nodeType="clickEffect">
-                                  <p:stCondLst>
-                                    <p:cond delay="0"/>
-                                  </p:stCondLst>
-                                  <p:childTnLst>
-                                    <p:set>
-                                      <p:cBhvr>
-                                        <p:cTn id="41" dur="1" fill="hold">
-                                          <p:stCondLst>
-                                            <p:cond delay="0"/>
-                                          </p:stCondLst>
-                                        </p:cTn>
-                                        <p:tgtEl>
-                                          <p:spTgt spid="3">
-                                            <p:txEl>
-                                              <p:pRg st="5" end="5"/>
-                                            </p:txEl>
-                                          </p:spTgt>
-                                        </p:tgtEl>
-                                        <p:attrNameLst>
-                                          <p:attrName>style.visibility</p:attrName>
-                                        </p:attrNameLst>
-                                      </p:cBhvr>
-                                      <p:to>
-                                        <p:strVal val="visible"/>
-                                      </p:to>
-                                    </p:set>
-                                    <p:anim calcmode="lin" valueType="num">
-                                      <p:cBhvr>
-                                        <p:cTn id="42" dur="500" fill="hold"/>
-                                        <p:tgtEl>
-                                          <p:spTgt spid="3">
-                                            <p:txEl>
-                                              <p:pRg st="5" end="5"/>
-                                            </p:txEl>
-                                          </p:spTgt>
-                                        </p:tgtEl>
-                                        <p:attrNameLst>
-                                          <p:attrName>ppt_w</p:attrName>
-                                        </p:attrNameLst>
-                                      </p:cBhvr>
-                                      <p:tavLst>
-                                        <p:tav tm="0">
-                                          <p:val>
-                                            <p:fltVal val="0"/>
-                                          </p:val>
-                                        </p:tav>
-                                        <p:tav tm="100000">
-                                          <p:val>
-                                            <p:strVal val="#ppt_w"/>
-                                          </p:val>
-                                        </p:tav>
-                                      </p:tavLst>
-                                    </p:anim>
-                                    <p:anim calcmode="lin" valueType="num">
-                                      <p:cBhvr>
-                                        <p:cTn id="43" dur="500" fill="hold"/>
-                                        <p:tgtEl>
-                                          <p:spTgt spid="3">
-                                            <p:txEl>
-                                              <p:pRg st="5" end="5"/>
-                                            </p:txEl>
-                                          </p:spTgt>
-                                        </p:tgtEl>
-                                        <p:attrNameLst>
-                                          <p:attrName>ppt_h</p:attrName>
-                                        </p:attrNameLst>
-                                      </p:cBhvr>
-                                      <p:tavLst>
-                                        <p:tav tm="0">
-                                          <p:val>
-                                            <p:fltVal val="0"/>
-                                          </p:val>
-                                        </p:tav>
-                                        <p:tav tm="100000">
-                                          <p:val>
-                                            <p:strVal val="#ppt_h"/>
-                                          </p:val>
-                                        </p:tav>
-                                      </p:tavLst>
-                                    </p:anim>
-                                    <p:animEffect transition="in" filter="fade">
-                                      <p:cBhvr>
-                                        <p:cTn id="44" dur="500"/>
-                                        <p:tgtEl>
-                                          <p:spTgt spid="3">
-                                            <p:txEl>
-                                              <p:pRg st="5" end="5"/>
-                                            </p:txEl>
-                                          </p:spTgt>
-                                        </p:tgtEl>
-                                      </p:cBhvr>
-                                    </p:animEffect>
-                                  </p:childTnLst>
-                                </p:cTn>
-                              </p:par>
-                            </p:childTnLst>
-                          </p:cTn>
-                        </p:par>
-                      </p:childTnLst>
-                    </p:cTn>
-                  </p:par>
-                </p:childTnLst>
-              </p:cTn>
-              <p:prevCondLst>
-                <p:cond evt="onPrev" delay="0">
-                  <p:tgtEl>
-                    <p:sldTgt/>
-                  </p:tgtEl>
-                </p:cond>
-              </p:prevCondLst>
-              <p:nextCondLst>
-                <p:cond evt="onNext" delay="0">
-                  <p:tgtEl>
-                    <p:sldTgt/>
-                  </p:tgtEl>
-                </p:cond>
-              </p:nextCondLst>
-            </p:seq>
-          </p:childTnLst>
-        </p:cTn>
-      </p:par>
-    </p:tnLst>
-  </p:timing>
 </p:sld>
 </file>
 
@@ -7965,10 +5560,9 @@
           <a:p>
             <a:pPr algn="l"/>
             <a:r>
-              <a:rPr lang="de-CH" dirty="0" smtClean="0"/>
+              <a:rPr lang="de-CH" dirty="0"/>
               <a:t>REALISIERUNG</a:t>
             </a:r>
-            <a:endParaRPr lang="de-CH" dirty="0"/>
           </a:p>
         </p:txBody>
       </p:sp>
@@ -8000,10 +5594,10 @@
               <a:buChar char="§"/>
             </a:pPr>
             <a:r>
-              <a:rPr lang="de-CH" dirty="0" err="1" smtClean="0"/>
+              <a:rPr lang="de-CH" dirty="0" err="1"/>
               <a:t>NativeScript</a:t>
             </a:r>
-            <a:endParaRPr lang="de-CH" dirty="0" smtClean="0"/>
+            <a:endParaRPr lang="de-CH" dirty="0"/>
           </a:p>
           <a:p>
             <a:pPr lvl="1">
@@ -8011,7 +5605,7 @@
               <a:buChar char="§"/>
             </a:pPr>
             <a:r>
-              <a:rPr lang="de-CH" dirty="0" smtClean="0"/>
+              <a:rPr lang="de-CH" dirty="0"/>
               <a:t>Angular 2</a:t>
             </a:r>
           </a:p>
@@ -8024,7 +5618,6 @@
               <a:rPr lang="de-CH" dirty="0"/>
               <a:t>SCSS</a:t>
             </a:r>
-            <a:endParaRPr lang="de-CH" dirty="0" smtClean="0"/>
           </a:p>
           <a:p>
             <a:pPr lvl="1">
@@ -8032,10 +5625,10 @@
               <a:buChar char="§"/>
             </a:pPr>
             <a:r>
-              <a:rPr lang="de-CH" dirty="0" err="1" smtClean="0"/>
+              <a:rPr lang="de-CH" dirty="0" err="1"/>
               <a:t>MongoDB</a:t>
             </a:r>
-            <a:endParaRPr lang="de-CH" dirty="0" smtClean="0"/>
+            <a:endParaRPr lang="de-CH" dirty="0"/>
           </a:p>
           <a:p>
             <a:pPr lvl="1">
@@ -8043,10 +5636,9 @@
               <a:buChar char="§"/>
             </a:pPr>
             <a:r>
-              <a:rPr lang="de-CH" dirty="0" smtClean="0"/>
+              <a:rPr lang="de-CH" dirty="0"/>
               <a:t>Node.js Express</a:t>
             </a:r>
-            <a:endParaRPr lang="de-CH" dirty="0"/>
           </a:p>
           <a:p>
             <a:pPr>
@@ -8068,17 +5660,13 @@
             </a:pPr>
             <a:r>
               <a:rPr lang="de-CH" dirty="0"/>
-              <a:t>Visual Studio </a:t>
-            </a:r>
-            <a:r>
-              <a:rPr lang="de-CH" dirty="0" smtClean="0"/>
-              <a:t>Code / </a:t>
-            </a:r>
-            <a:r>
-              <a:rPr lang="de-CH" dirty="0" err="1" smtClean="0"/>
+              <a:t>Visual Studio Code / </a:t>
+            </a:r>
+            <a:r>
+              <a:rPr lang="de-CH" dirty="0" err="1"/>
               <a:t>Webstorm</a:t>
             </a:r>
-            <a:endParaRPr lang="de-CH" dirty="0" smtClean="0"/>
+            <a:endParaRPr lang="de-CH" dirty="0"/>
           </a:p>
           <a:p>
             <a:pPr lvl="1">
@@ -8086,7 +5674,7 @@
               <a:buChar char="§"/>
             </a:pPr>
             <a:r>
-              <a:rPr lang="de-CH" dirty="0" smtClean="0"/>
+              <a:rPr lang="de-CH" dirty="0"/>
               <a:t>Android SDK</a:t>
             </a:r>
           </a:p>
@@ -8096,19 +5684,19 @@
               <a:buChar char="§"/>
             </a:pPr>
             <a:r>
-              <a:rPr lang="de-CH" dirty="0" err="1" smtClean="0"/>
+              <a:rPr lang="de-CH" dirty="0" err="1"/>
               <a:t>Nativescript</a:t>
             </a:r>
             <a:r>
-              <a:rPr lang="de-CH" dirty="0" smtClean="0"/>
+              <a:rPr lang="de-CH" dirty="0"/>
               <a:t> </a:t>
             </a:r>
             <a:r>
-              <a:rPr lang="de-CH" dirty="0" err="1" smtClean="0"/>
+              <a:rPr lang="de-CH" dirty="0" err="1"/>
               <a:t>Telerik</a:t>
             </a:r>
             <a:r>
-              <a:rPr lang="de-CH" dirty="0" smtClean="0"/>
+              <a:rPr lang="de-CH" dirty="0"/>
               <a:t> UI Pro (Trial)</a:t>
             </a:r>
           </a:p>
@@ -8118,10 +5706,10 @@
               <a:buChar char="§"/>
             </a:pPr>
             <a:r>
-              <a:rPr lang="de-CH" dirty="0" err="1" smtClean="0"/>
+              <a:rPr lang="de-CH" dirty="0" err="1"/>
               <a:t>compodoc</a:t>
             </a:r>
-            <a:endParaRPr lang="de-CH" dirty="0" smtClean="0"/>
+            <a:endParaRPr lang="de-CH" dirty="0"/>
           </a:p>
           <a:p>
             <a:pPr lvl="1">
@@ -8148,10 +5736,9 @@
           <a:lstStyle/>
           <a:p>
             <a:r>
-              <a:rPr lang="de-CH" dirty="0" smtClean="0"/>
+              <a:rPr lang="de-CH" dirty="0"/>
               <a:t>30.03.2017</a:t>
             </a:r>
-            <a:endParaRPr lang="de-CH" dirty="0"/>
           </a:p>
         </p:txBody>
       </p:sp>
@@ -8200,26 +5787,21 @@
           <a:lstStyle/>
           <a:p>
             <a:r>
-              <a:rPr lang="de-CH" dirty="0" err="1" smtClean="0"/>
+              <a:rPr lang="de-CH" dirty="0" err="1"/>
               <a:t>hannes</a:t>
             </a:r>
             <a:r>
-              <a:rPr lang="de-CH" dirty="0" smtClean="0"/>
+              <a:rPr lang="de-CH" dirty="0"/>
               <a:t> anderes &amp; </a:t>
             </a:r>
             <a:r>
-              <a:rPr lang="de-CH" dirty="0" err="1" smtClean="0"/>
+              <a:rPr lang="de-CH" dirty="0" err="1"/>
               <a:t>michael</a:t>
             </a:r>
             <a:r>
-              <a:rPr lang="de-CH" dirty="0" smtClean="0"/>
-              <a:t> </a:t>
-            </a:r>
-            <a:r>
-              <a:rPr lang="de-CH" dirty="0" smtClean="0"/>
-              <a:t>märki</a:t>
-            </a:r>
-            <a:endParaRPr lang="de-CH" dirty="0"/>
+              <a:rPr lang="de-CH" dirty="0"/>
+              <a:t> märki</a:t>
+            </a:r>
           </a:p>
         </p:txBody>
       </p:sp>
@@ -8255,25 +5837,8 @@
                   </a:schemeClr>
                 </a:solidFill>
               </a:rPr>
-              <a:t>CAS FEE – Projekt </a:t>
-            </a:r>
-            <a:r>
-              <a:rPr lang="de-CH" sz="1200" dirty="0" smtClean="0">
-                <a:solidFill>
-                  <a:schemeClr val="tx1">
-                    <a:tint val="75000"/>
-                  </a:schemeClr>
-                </a:solidFill>
-              </a:rPr>
-              <a:t>2</a:t>
-            </a:r>
-            <a:endParaRPr lang="de-CH" sz="1200" dirty="0">
-              <a:solidFill>
-                <a:schemeClr val="tx1">
-                  <a:tint val="75000"/>
-                </a:schemeClr>
-              </a:solidFill>
-            </a:endParaRPr>
+              <a:t>CAS FEE – Projekt 2</a:t>
+            </a:r>
           </a:p>
         </p:txBody>
       </p:sp>
@@ -8314,7 +5879,7 @@
             <a:lstStyle/>
             <a:p>
               <a:r>
-                <a:rPr lang="de-CH" sz="1200" dirty="0" smtClean="0">
+                <a:rPr lang="de-CH" sz="1200" dirty="0">
                   <a:solidFill>
                     <a:schemeClr val="tx1">
                       <a:lumMod val="50000"/>
@@ -8323,13 +5888,6 @@
                 </a:rPr>
                 <a:t>ÜBERBLICK</a:t>
               </a:r>
-              <a:endParaRPr lang="de-CH" sz="1200" dirty="0">
-                <a:solidFill>
-                  <a:schemeClr val="tx1">
-                    <a:lumMod val="50000"/>
-                  </a:schemeClr>
-                </a:solidFill>
-              </a:endParaRPr>
             </a:p>
           </p:txBody>
         </p:sp>
@@ -8356,11 +5914,11 @@
             <a:lstStyle/>
             <a:p>
               <a:r>
-                <a:rPr lang="de-CH" sz="1200" dirty="0" smtClean="0"/>
+                <a:rPr lang="de-CH" sz="1200" dirty="0"/>
                 <a:t>-   </a:t>
               </a:r>
               <a:r>
-                <a:rPr lang="de-CH" sz="1200" dirty="0" smtClean="0">
+                <a:rPr lang="de-CH" sz="1200" dirty="0">
                   <a:solidFill>
                     <a:schemeClr val="tx1">
                       <a:lumMod val="50000"/>
@@ -8369,13 +5927,6 @@
                 </a:rPr>
                 <a:t>AUSGANGSLAGE</a:t>
               </a:r>
-              <a:endParaRPr lang="de-CH" sz="1200" dirty="0">
-                <a:solidFill>
-                  <a:schemeClr val="tx1">
-                    <a:lumMod val="50000"/>
-                  </a:schemeClr>
-                </a:solidFill>
-              </a:endParaRPr>
             </a:p>
           </p:txBody>
         </p:sp>
@@ -8402,22 +5953,17 @@
             <a:lstStyle/>
             <a:p>
               <a:r>
-                <a:rPr lang="de-CH" sz="1200" dirty="0" smtClean="0"/>
+                <a:rPr lang="de-CH" sz="1200" dirty="0"/>
                 <a:t>-   </a:t>
               </a:r>
               <a:r>
-                <a:rPr lang="de-CH" sz="1200" dirty="0" smtClean="0">
+                <a:rPr lang="de-CH" sz="1200" dirty="0">
                   <a:solidFill>
                     <a:schemeClr val="accent6"/>
                   </a:solidFill>
                 </a:rPr>
                 <a:t>REALISIERUNG</a:t>
               </a:r>
-              <a:endParaRPr lang="de-CH" sz="1200" dirty="0">
-                <a:solidFill>
-                  <a:schemeClr val="accent6"/>
-                </a:solidFill>
-              </a:endParaRPr>
             </a:p>
           </p:txBody>
         </p:sp>
@@ -8444,10 +5990,9 @@
             <a:lstStyle/>
             <a:p>
               <a:r>
-                <a:rPr lang="de-CH" sz="1200" dirty="0" smtClean="0"/>
+                <a:rPr lang="de-CH" sz="1200" dirty="0"/>
                 <a:t>-   DEMO</a:t>
               </a:r>
-              <a:endParaRPr lang="de-CH" sz="1200" dirty="0"/>
             </a:p>
           </p:txBody>
         </p:sp>
@@ -8474,10 +6019,9 @@
             <a:lstStyle/>
             <a:p>
               <a:r>
-                <a:rPr lang="de-CH" sz="1200" dirty="0" smtClean="0"/>
+                <a:rPr lang="de-CH" sz="1200" dirty="0"/>
                 <a:t>-   FAZIT</a:t>
               </a:r>
-              <a:endParaRPr lang="de-CH" sz="1200" dirty="0"/>
             </a:p>
           </p:txBody>
         </p:sp>
@@ -8504,10 +6048,9 @@
             <a:lstStyle/>
             <a:p>
               <a:r>
-                <a:rPr lang="de-CH" sz="1200" dirty="0" smtClean="0"/>
+                <a:rPr lang="de-CH" sz="1200" dirty="0"/>
                 <a:t>-   FRAGEN</a:t>
               </a:r>
-              <a:endParaRPr lang="de-CH" sz="1200" dirty="0"/>
             </a:p>
           </p:txBody>
         </p:sp>
@@ -8563,1139 +6106,6 @@
   <p:clrMapOvr>
     <a:masterClrMapping/>
   </p:clrMapOvr>
-  <p:timing>
-    <p:tnLst>
-      <p:par>
-        <p:cTn id="1" dur="indefinite" restart="never" nodeType="tmRoot">
-          <p:childTnLst>
-            <p:seq concurrent="1" nextAc="seek">
-              <p:cTn id="2" dur="indefinite" nodeType="mainSeq">
-                <p:childTnLst>
-                  <p:par>
-                    <p:cTn id="3" fill="hold">
-                      <p:stCondLst>
-                        <p:cond delay="indefinite"/>
-                      </p:stCondLst>
-                      <p:childTnLst>
-                        <p:par>
-                          <p:cTn id="4" fill="hold">
-                            <p:stCondLst>
-                              <p:cond delay="0"/>
-                            </p:stCondLst>
-                            <p:childTnLst>
-                              <p:par>
-                                <p:cTn id="5" presetID="53" presetClass="entr" presetSubtype="16" fill="hold" nodeType="clickEffect">
-                                  <p:stCondLst>
-                                    <p:cond delay="0"/>
-                                  </p:stCondLst>
-                                  <p:childTnLst>
-                                    <p:set>
-                                      <p:cBhvr>
-                                        <p:cTn id="6" dur="1" fill="hold">
-                                          <p:stCondLst>
-                                            <p:cond delay="0"/>
-                                          </p:stCondLst>
-                                        </p:cTn>
-                                        <p:tgtEl>
-                                          <p:spTgt spid="3">
-                                            <p:txEl>
-                                              <p:pRg st="0" end="0"/>
-                                            </p:txEl>
-                                          </p:spTgt>
-                                        </p:tgtEl>
-                                        <p:attrNameLst>
-                                          <p:attrName>style.visibility</p:attrName>
-                                        </p:attrNameLst>
-                                      </p:cBhvr>
-                                      <p:to>
-                                        <p:strVal val="visible"/>
-                                      </p:to>
-                                    </p:set>
-                                    <p:anim calcmode="lin" valueType="num">
-                                      <p:cBhvr>
-                                        <p:cTn id="7" dur="500" fill="hold"/>
-                                        <p:tgtEl>
-                                          <p:spTgt spid="3">
-                                            <p:txEl>
-                                              <p:pRg st="0" end="0"/>
-                                            </p:txEl>
-                                          </p:spTgt>
-                                        </p:tgtEl>
-                                        <p:attrNameLst>
-                                          <p:attrName>ppt_w</p:attrName>
-                                        </p:attrNameLst>
-                                      </p:cBhvr>
-                                      <p:tavLst>
-                                        <p:tav tm="0">
-                                          <p:val>
-                                            <p:fltVal val="0"/>
-                                          </p:val>
-                                        </p:tav>
-                                        <p:tav tm="100000">
-                                          <p:val>
-                                            <p:strVal val="#ppt_w"/>
-                                          </p:val>
-                                        </p:tav>
-                                      </p:tavLst>
-                                    </p:anim>
-                                    <p:anim calcmode="lin" valueType="num">
-                                      <p:cBhvr>
-                                        <p:cTn id="8" dur="500" fill="hold"/>
-                                        <p:tgtEl>
-                                          <p:spTgt spid="3">
-                                            <p:txEl>
-                                              <p:pRg st="0" end="0"/>
-                                            </p:txEl>
-                                          </p:spTgt>
-                                        </p:tgtEl>
-                                        <p:attrNameLst>
-                                          <p:attrName>ppt_h</p:attrName>
-                                        </p:attrNameLst>
-                                      </p:cBhvr>
-                                      <p:tavLst>
-                                        <p:tav tm="0">
-                                          <p:val>
-                                            <p:fltVal val="0"/>
-                                          </p:val>
-                                        </p:tav>
-                                        <p:tav tm="100000">
-                                          <p:val>
-                                            <p:strVal val="#ppt_h"/>
-                                          </p:val>
-                                        </p:tav>
-                                      </p:tavLst>
-                                    </p:anim>
-                                    <p:animEffect transition="in" filter="fade">
-                                      <p:cBhvr>
-                                        <p:cTn id="9" dur="500"/>
-                                        <p:tgtEl>
-                                          <p:spTgt spid="3">
-                                            <p:txEl>
-                                              <p:pRg st="0" end="0"/>
-                                            </p:txEl>
-                                          </p:spTgt>
-                                        </p:tgtEl>
-                                      </p:cBhvr>
-                                    </p:animEffect>
-                                  </p:childTnLst>
-                                </p:cTn>
-                              </p:par>
-                              <p:par>
-                                <p:cTn id="10" presetID="53" presetClass="entr" presetSubtype="16" fill="hold" nodeType="withEffect">
-                                  <p:stCondLst>
-                                    <p:cond delay="0"/>
-                                  </p:stCondLst>
-                                  <p:childTnLst>
-                                    <p:set>
-                                      <p:cBhvr>
-                                        <p:cTn id="11" dur="1" fill="hold">
-                                          <p:stCondLst>
-                                            <p:cond delay="0"/>
-                                          </p:stCondLst>
-                                        </p:cTn>
-                                        <p:tgtEl>
-                                          <p:spTgt spid="3">
-                                            <p:txEl>
-                                              <p:pRg st="1" end="1"/>
-                                            </p:txEl>
-                                          </p:spTgt>
-                                        </p:tgtEl>
-                                        <p:attrNameLst>
-                                          <p:attrName>style.visibility</p:attrName>
-                                        </p:attrNameLst>
-                                      </p:cBhvr>
-                                      <p:to>
-                                        <p:strVal val="visible"/>
-                                      </p:to>
-                                    </p:set>
-                                    <p:anim calcmode="lin" valueType="num">
-                                      <p:cBhvr>
-                                        <p:cTn id="12" dur="500" fill="hold"/>
-                                        <p:tgtEl>
-                                          <p:spTgt spid="3">
-                                            <p:txEl>
-                                              <p:pRg st="1" end="1"/>
-                                            </p:txEl>
-                                          </p:spTgt>
-                                        </p:tgtEl>
-                                        <p:attrNameLst>
-                                          <p:attrName>ppt_w</p:attrName>
-                                        </p:attrNameLst>
-                                      </p:cBhvr>
-                                      <p:tavLst>
-                                        <p:tav tm="0">
-                                          <p:val>
-                                            <p:fltVal val="0"/>
-                                          </p:val>
-                                        </p:tav>
-                                        <p:tav tm="100000">
-                                          <p:val>
-                                            <p:strVal val="#ppt_w"/>
-                                          </p:val>
-                                        </p:tav>
-                                      </p:tavLst>
-                                    </p:anim>
-                                    <p:anim calcmode="lin" valueType="num">
-                                      <p:cBhvr>
-                                        <p:cTn id="13" dur="500" fill="hold"/>
-                                        <p:tgtEl>
-                                          <p:spTgt spid="3">
-                                            <p:txEl>
-                                              <p:pRg st="1" end="1"/>
-                                            </p:txEl>
-                                          </p:spTgt>
-                                        </p:tgtEl>
-                                        <p:attrNameLst>
-                                          <p:attrName>ppt_h</p:attrName>
-                                        </p:attrNameLst>
-                                      </p:cBhvr>
-                                      <p:tavLst>
-                                        <p:tav tm="0">
-                                          <p:val>
-                                            <p:fltVal val="0"/>
-                                          </p:val>
-                                        </p:tav>
-                                        <p:tav tm="100000">
-                                          <p:val>
-                                            <p:strVal val="#ppt_h"/>
-                                          </p:val>
-                                        </p:tav>
-                                      </p:tavLst>
-                                    </p:anim>
-                                    <p:animEffect transition="in" filter="fade">
-                                      <p:cBhvr>
-                                        <p:cTn id="14" dur="500"/>
-                                        <p:tgtEl>
-                                          <p:spTgt spid="3">
-                                            <p:txEl>
-                                              <p:pRg st="1" end="1"/>
-                                            </p:txEl>
-                                          </p:spTgt>
-                                        </p:tgtEl>
-                                      </p:cBhvr>
-                                    </p:animEffect>
-                                  </p:childTnLst>
-                                </p:cTn>
-                              </p:par>
-                              <p:par>
-                                <p:cTn id="15" presetID="53" presetClass="entr" presetSubtype="16" fill="hold" nodeType="withEffect">
-                                  <p:stCondLst>
-                                    <p:cond delay="0"/>
-                                  </p:stCondLst>
-                                  <p:childTnLst>
-                                    <p:set>
-                                      <p:cBhvr>
-                                        <p:cTn id="16" dur="1" fill="hold">
-                                          <p:stCondLst>
-                                            <p:cond delay="0"/>
-                                          </p:stCondLst>
-                                        </p:cTn>
-                                        <p:tgtEl>
-                                          <p:spTgt spid="3">
-                                            <p:txEl>
-                                              <p:pRg st="2" end="2"/>
-                                            </p:txEl>
-                                          </p:spTgt>
-                                        </p:tgtEl>
-                                        <p:attrNameLst>
-                                          <p:attrName>style.visibility</p:attrName>
-                                        </p:attrNameLst>
-                                      </p:cBhvr>
-                                      <p:to>
-                                        <p:strVal val="visible"/>
-                                      </p:to>
-                                    </p:set>
-                                    <p:anim calcmode="lin" valueType="num">
-                                      <p:cBhvr>
-                                        <p:cTn id="17" dur="500" fill="hold"/>
-                                        <p:tgtEl>
-                                          <p:spTgt spid="3">
-                                            <p:txEl>
-                                              <p:pRg st="2" end="2"/>
-                                            </p:txEl>
-                                          </p:spTgt>
-                                        </p:tgtEl>
-                                        <p:attrNameLst>
-                                          <p:attrName>ppt_w</p:attrName>
-                                        </p:attrNameLst>
-                                      </p:cBhvr>
-                                      <p:tavLst>
-                                        <p:tav tm="0">
-                                          <p:val>
-                                            <p:fltVal val="0"/>
-                                          </p:val>
-                                        </p:tav>
-                                        <p:tav tm="100000">
-                                          <p:val>
-                                            <p:strVal val="#ppt_w"/>
-                                          </p:val>
-                                        </p:tav>
-                                      </p:tavLst>
-                                    </p:anim>
-                                    <p:anim calcmode="lin" valueType="num">
-                                      <p:cBhvr>
-                                        <p:cTn id="18" dur="500" fill="hold"/>
-                                        <p:tgtEl>
-                                          <p:spTgt spid="3">
-                                            <p:txEl>
-                                              <p:pRg st="2" end="2"/>
-                                            </p:txEl>
-                                          </p:spTgt>
-                                        </p:tgtEl>
-                                        <p:attrNameLst>
-                                          <p:attrName>ppt_h</p:attrName>
-                                        </p:attrNameLst>
-                                      </p:cBhvr>
-                                      <p:tavLst>
-                                        <p:tav tm="0">
-                                          <p:val>
-                                            <p:fltVal val="0"/>
-                                          </p:val>
-                                        </p:tav>
-                                        <p:tav tm="100000">
-                                          <p:val>
-                                            <p:strVal val="#ppt_h"/>
-                                          </p:val>
-                                        </p:tav>
-                                      </p:tavLst>
-                                    </p:anim>
-                                    <p:animEffect transition="in" filter="fade">
-                                      <p:cBhvr>
-                                        <p:cTn id="19" dur="500"/>
-                                        <p:tgtEl>
-                                          <p:spTgt spid="3">
-                                            <p:txEl>
-                                              <p:pRg st="2" end="2"/>
-                                            </p:txEl>
-                                          </p:spTgt>
-                                        </p:tgtEl>
-                                      </p:cBhvr>
-                                    </p:animEffect>
-                                  </p:childTnLst>
-                                </p:cTn>
-                              </p:par>
-                              <p:par>
-                                <p:cTn id="20" presetID="53" presetClass="entr" presetSubtype="16" fill="hold" nodeType="withEffect">
-                                  <p:stCondLst>
-                                    <p:cond delay="0"/>
-                                  </p:stCondLst>
-                                  <p:childTnLst>
-                                    <p:set>
-                                      <p:cBhvr>
-                                        <p:cTn id="21" dur="1" fill="hold">
-                                          <p:stCondLst>
-                                            <p:cond delay="0"/>
-                                          </p:stCondLst>
-                                        </p:cTn>
-                                        <p:tgtEl>
-                                          <p:spTgt spid="3">
-                                            <p:txEl>
-                                              <p:pRg st="3" end="3"/>
-                                            </p:txEl>
-                                          </p:spTgt>
-                                        </p:tgtEl>
-                                        <p:attrNameLst>
-                                          <p:attrName>style.visibility</p:attrName>
-                                        </p:attrNameLst>
-                                      </p:cBhvr>
-                                      <p:to>
-                                        <p:strVal val="visible"/>
-                                      </p:to>
-                                    </p:set>
-                                    <p:anim calcmode="lin" valueType="num">
-                                      <p:cBhvr>
-                                        <p:cTn id="22" dur="500" fill="hold"/>
-                                        <p:tgtEl>
-                                          <p:spTgt spid="3">
-                                            <p:txEl>
-                                              <p:pRg st="3" end="3"/>
-                                            </p:txEl>
-                                          </p:spTgt>
-                                        </p:tgtEl>
-                                        <p:attrNameLst>
-                                          <p:attrName>ppt_w</p:attrName>
-                                        </p:attrNameLst>
-                                      </p:cBhvr>
-                                      <p:tavLst>
-                                        <p:tav tm="0">
-                                          <p:val>
-                                            <p:fltVal val="0"/>
-                                          </p:val>
-                                        </p:tav>
-                                        <p:tav tm="100000">
-                                          <p:val>
-                                            <p:strVal val="#ppt_w"/>
-                                          </p:val>
-                                        </p:tav>
-                                      </p:tavLst>
-                                    </p:anim>
-                                    <p:anim calcmode="lin" valueType="num">
-                                      <p:cBhvr>
-                                        <p:cTn id="23" dur="500" fill="hold"/>
-                                        <p:tgtEl>
-                                          <p:spTgt spid="3">
-                                            <p:txEl>
-                                              <p:pRg st="3" end="3"/>
-                                            </p:txEl>
-                                          </p:spTgt>
-                                        </p:tgtEl>
-                                        <p:attrNameLst>
-                                          <p:attrName>ppt_h</p:attrName>
-                                        </p:attrNameLst>
-                                      </p:cBhvr>
-                                      <p:tavLst>
-                                        <p:tav tm="0">
-                                          <p:val>
-                                            <p:fltVal val="0"/>
-                                          </p:val>
-                                        </p:tav>
-                                        <p:tav tm="100000">
-                                          <p:val>
-                                            <p:strVal val="#ppt_h"/>
-                                          </p:val>
-                                        </p:tav>
-                                      </p:tavLst>
-                                    </p:anim>
-                                    <p:animEffect transition="in" filter="fade">
-                                      <p:cBhvr>
-                                        <p:cTn id="24" dur="500"/>
-                                        <p:tgtEl>
-                                          <p:spTgt spid="3">
-                                            <p:txEl>
-                                              <p:pRg st="3" end="3"/>
-                                            </p:txEl>
-                                          </p:spTgt>
-                                        </p:tgtEl>
-                                      </p:cBhvr>
-                                    </p:animEffect>
-                                  </p:childTnLst>
-                                </p:cTn>
-                              </p:par>
-                              <p:par>
-                                <p:cTn id="25" presetID="53" presetClass="entr" presetSubtype="16" fill="hold" nodeType="withEffect">
-                                  <p:stCondLst>
-                                    <p:cond delay="0"/>
-                                  </p:stCondLst>
-                                  <p:childTnLst>
-                                    <p:set>
-                                      <p:cBhvr>
-                                        <p:cTn id="26" dur="1" fill="hold">
-                                          <p:stCondLst>
-                                            <p:cond delay="0"/>
-                                          </p:stCondLst>
-                                        </p:cTn>
-                                        <p:tgtEl>
-                                          <p:spTgt spid="3">
-                                            <p:txEl>
-                                              <p:pRg st="4" end="4"/>
-                                            </p:txEl>
-                                          </p:spTgt>
-                                        </p:tgtEl>
-                                        <p:attrNameLst>
-                                          <p:attrName>style.visibility</p:attrName>
-                                        </p:attrNameLst>
-                                      </p:cBhvr>
-                                      <p:to>
-                                        <p:strVal val="visible"/>
-                                      </p:to>
-                                    </p:set>
-                                    <p:anim calcmode="lin" valueType="num">
-                                      <p:cBhvr>
-                                        <p:cTn id="27" dur="500" fill="hold"/>
-                                        <p:tgtEl>
-                                          <p:spTgt spid="3">
-                                            <p:txEl>
-                                              <p:pRg st="4" end="4"/>
-                                            </p:txEl>
-                                          </p:spTgt>
-                                        </p:tgtEl>
-                                        <p:attrNameLst>
-                                          <p:attrName>ppt_w</p:attrName>
-                                        </p:attrNameLst>
-                                      </p:cBhvr>
-                                      <p:tavLst>
-                                        <p:tav tm="0">
-                                          <p:val>
-                                            <p:fltVal val="0"/>
-                                          </p:val>
-                                        </p:tav>
-                                        <p:tav tm="100000">
-                                          <p:val>
-                                            <p:strVal val="#ppt_w"/>
-                                          </p:val>
-                                        </p:tav>
-                                      </p:tavLst>
-                                    </p:anim>
-                                    <p:anim calcmode="lin" valueType="num">
-                                      <p:cBhvr>
-                                        <p:cTn id="28" dur="500" fill="hold"/>
-                                        <p:tgtEl>
-                                          <p:spTgt spid="3">
-                                            <p:txEl>
-                                              <p:pRg st="4" end="4"/>
-                                            </p:txEl>
-                                          </p:spTgt>
-                                        </p:tgtEl>
-                                        <p:attrNameLst>
-                                          <p:attrName>ppt_h</p:attrName>
-                                        </p:attrNameLst>
-                                      </p:cBhvr>
-                                      <p:tavLst>
-                                        <p:tav tm="0">
-                                          <p:val>
-                                            <p:fltVal val="0"/>
-                                          </p:val>
-                                        </p:tav>
-                                        <p:tav tm="100000">
-                                          <p:val>
-                                            <p:strVal val="#ppt_h"/>
-                                          </p:val>
-                                        </p:tav>
-                                      </p:tavLst>
-                                    </p:anim>
-                                    <p:animEffect transition="in" filter="fade">
-                                      <p:cBhvr>
-                                        <p:cTn id="29" dur="500"/>
-                                        <p:tgtEl>
-                                          <p:spTgt spid="3">
-                                            <p:txEl>
-                                              <p:pRg st="4" end="4"/>
-                                            </p:txEl>
-                                          </p:spTgt>
-                                        </p:tgtEl>
-                                      </p:cBhvr>
-                                    </p:animEffect>
-                                  </p:childTnLst>
-                                </p:cTn>
-                              </p:par>
-                              <p:par>
-                                <p:cTn id="30" presetID="53" presetClass="entr" presetSubtype="16" fill="hold" nodeType="withEffect">
-                                  <p:stCondLst>
-                                    <p:cond delay="0"/>
-                                  </p:stCondLst>
-                                  <p:childTnLst>
-                                    <p:set>
-                                      <p:cBhvr>
-                                        <p:cTn id="31" dur="1" fill="hold">
-                                          <p:stCondLst>
-                                            <p:cond delay="0"/>
-                                          </p:stCondLst>
-                                        </p:cTn>
-                                        <p:tgtEl>
-                                          <p:spTgt spid="3">
-                                            <p:txEl>
-                                              <p:pRg st="5" end="5"/>
-                                            </p:txEl>
-                                          </p:spTgt>
-                                        </p:tgtEl>
-                                        <p:attrNameLst>
-                                          <p:attrName>style.visibility</p:attrName>
-                                        </p:attrNameLst>
-                                      </p:cBhvr>
-                                      <p:to>
-                                        <p:strVal val="visible"/>
-                                      </p:to>
-                                    </p:set>
-                                    <p:anim calcmode="lin" valueType="num">
-                                      <p:cBhvr>
-                                        <p:cTn id="32" dur="500" fill="hold"/>
-                                        <p:tgtEl>
-                                          <p:spTgt spid="3">
-                                            <p:txEl>
-                                              <p:pRg st="5" end="5"/>
-                                            </p:txEl>
-                                          </p:spTgt>
-                                        </p:tgtEl>
-                                        <p:attrNameLst>
-                                          <p:attrName>ppt_w</p:attrName>
-                                        </p:attrNameLst>
-                                      </p:cBhvr>
-                                      <p:tavLst>
-                                        <p:tav tm="0">
-                                          <p:val>
-                                            <p:fltVal val="0"/>
-                                          </p:val>
-                                        </p:tav>
-                                        <p:tav tm="100000">
-                                          <p:val>
-                                            <p:strVal val="#ppt_w"/>
-                                          </p:val>
-                                        </p:tav>
-                                      </p:tavLst>
-                                    </p:anim>
-                                    <p:anim calcmode="lin" valueType="num">
-                                      <p:cBhvr>
-                                        <p:cTn id="33" dur="500" fill="hold"/>
-                                        <p:tgtEl>
-                                          <p:spTgt spid="3">
-                                            <p:txEl>
-                                              <p:pRg st="5" end="5"/>
-                                            </p:txEl>
-                                          </p:spTgt>
-                                        </p:tgtEl>
-                                        <p:attrNameLst>
-                                          <p:attrName>ppt_h</p:attrName>
-                                        </p:attrNameLst>
-                                      </p:cBhvr>
-                                      <p:tavLst>
-                                        <p:tav tm="0">
-                                          <p:val>
-                                            <p:fltVal val="0"/>
-                                          </p:val>
-                                        </p:tav>
-                                        <p:tav tm="100000">
-                                          <p:val>
-                                            <p:strVal val="#ppt_h"/>
-                                          </p:val>
-                                        </p:tav>
-                                      </p:tavLst>
-                                    </p:anim>
-                                    <p:animEffect transition="in" filter="fade">
-                                      <p:cBhvr>
-                                        <p:cTn id="34" dur="500"/>
-                                        <p:tgtEl>
-                                          <p:spTgt spid="3">
-                                            <p:txEl>
-                                              <p:pRg st="5" end="5"/>
-                                            </p:txEl>
-                                          </p:spTgt>
-                                        </p:tgtEl>
-                                      </p:cBhvr>
-                                    </p:animEffect>
-                                  </p:childTnLst>
-                                </p:cTn>
-                              </p:par>
-                            </p:childTnLst>
-                          </p:cTn>
-                        </p:par>
-                      </p:childTnLst>
-                    </p:cTn>
-                  </p:par>
-                  <p:par>
-                    <p:cTn id="35" fill="hold">
-                      <p:stCondLst>
-                        <p:cond delay="indefinite"/>
-                      </p:stCondLst>
-                      <p:childTnLst>
-                        <p:par>
-                          <p:cTn id="36" fill="hold">
-                            <p:stCondLst>
-                              <p:cond delay="0"/>
-                            </p:stCondLst>
-                            <p:childTnLst>
-                              <p:par>
-                                <p:cTn id="37" presetID="53" presetClass="entr" presetSubtype="16" fill="hold" nodeType="clickEffect">
-                                  <p:stCondLst>
-                                    <p:cond delay="0"/>
-                                  </p:stCondLst>
-                                  <p:childTnLst>
-                                    <p:set>
-                                      <p:cBhvr>
-                                        <p:cTn id="38" dur="1" fill="hold">
-                                          <p:stCondLst>
-                                            <p:cond delay="0"/>
-                                          </p:stCondLst>
-                                        </p:cTn>
-                                        <p:tgtEl>
-                                          <p:spTgt spid="3">
-                                            <p:txEl>
-                                              <p:pRg st="7" end="7"/>
-                                            </p:txEl>
-                                          </p:spTgt>
-                                        </p:tgtEl>
-                                        <p:attrNameLst>
-                                          <p:attrName>style.visibility</p:attrName>
-                                        </p:attrNameLst>
-                                      </p:cBhvr>
-                                      <p:to>
-                                        <p:strVal val="visible"/>
-                                      </p:to>
-                                    </p:set>
-                                    <p:anim calcmode="lin" valueType="num">
-                                      <p:cBhvr>
-                                        <p:cTn id="39" dur="500" fill="hold"/>
-                                        <p:tgtEl>
-                                          <p:spTgt spid="3">
-                                            <p:txEl>
-                                              <p:pRg st="7" end="7"/>
-                                            </p:txEl>
-                                          </p:spTgt>
-                                        </p:tgtEl>
-                                        <p:attrNameLst>
-                                          <p:attrName>ppt_w</p:attrName>
-                                        </p:attrNameLst>
-                                      </p:cBhvr>
-                                      <p:tavLst>
-                                        <p:tav tm="0">
-                                          <p:val>
-                                            <p:fltVal val="0"/>
-                                          </p:val>
-                                        </p:tav>
-                                        <p:tav tm="100000">
-                                          <p:val>
-                                            <p:strVal val="#ppt_w"/>
-                                          </p:val>
-                                        </p:tav>
-                                      </p:tavLst>
-                                    </p:anim>
-                                    <p:anim calcmode="lin" valueType="num">
-                                      <p:cBhvr>
-                                        <p:cTn id="40" dur="500" fill="hold"/>
-                                        <p:tgtEl>
-                                          <p:spTgt spid="3">
-                                            <p:txEl>
-                                              <p:pRg st="7" end="7"/>
-                                            </p:txEl>
-                                          </p:spTgt>
-                                        </p:tgtEl>
-                                        <p:attrNameLst>
-                                          <p:attrName>ppt_h</p:attrName>
-                                        </p:attrNameLst>
-                                      </p:cBhvr>
-                                      <p:tavLst>
-                                        <p:tav tm="0">
-                                          <p:val>
-                                            <p:fltVal val="0"/>
-                                          </p:val>
-                                        </p:tav>
-                                        <p:tav tm="100000">
-                                          <p:val>
-                                            <p:strVal val="#ppt_h"/>
-                                          </p:val>
-                                        </p:tav>
-                                      </p:tavLst>
-                                    </p:anim>
-                                    <p:animEffect transition="in" filter="fade">
-                                      <p:cBhvr>
-                                        <p:cTn id="41" dur="500"/>
-                                        <p:tgtEl>
-                                          <p:spTgt spid="3">
-                                            <p:txEl>
-                                              <p:pRg st="7" end="7"/>
-                                            </p:txEl>
-                                          </p:spTgt>
-                                        </p:tgtEl>
-                                      </p:cBhvr>
-                                    </p:animEffect>
-                                  </p:childTnLst>
-                                </p:cTn>
-                              </p:par>
-                              <p:par>
-                                <p:cTn id="42" presetID="53" presetClass="entr" presetSubtype="16" fill="hold" nodeType="withEffect">
-                                  <p:stCondLst>
-                                    <p:cond delay="0"/>
-                                  </p:stCondLst>
-                                  <p:childTnLst>
-                                    <p:set>
-                                      <p:cBhvr>
-                                        <p:cTn id="43" dur="1" fill="hold">
-                                          <p:stCondLst>
-                                            <p:cond delay="0"/>
-                                          </p:stCondLst>
-                                        </p:cTn>
-                                        <p:tgtEl>
-                                          <p:spTgt spid="3">
-                                            <p:txEl>
-                                              <p:pRg st="8" end="8"/>
-                                            </p:txEl>
-                                          </p:spTgt>
-                                        </p:tgtEl>
-                                        <p:attrNameLst>
-                                          <p:attrName>style.visibility</p:attrName>
-                                        </p:attrNameLst>
-                                      </p:cBhvr>
-                                      <p:to>
-                                        <p:strVal val="visible"/>
-                                      </p:to>
-                                    </p:set>
-                                    <p:anim calcmode="lin" valueType="num">
-                                      <p:cBhvr>
-                                        <p:cTn id="44" dur="500" fill="hold"/>
-                                        <p:tgtEl>
-                                          <p:spTgt spid="3">
-                                            <p:txEl>
-                                              <p:pRg st="8" end="8"/>
-                                            </p:txEl>
-                                          </p:spTgt>
-                                        </p:tgtEl>
-                                        <p:attrNameLst>
-                                          <p:attrName>ppt_w</p:attrName>
-                                        </p:attrNameLst>
-                                      </p:cBhvr>
-                                      <p:tavLst>
-                                        <p:tav tm="0">
-                                          <p:val>
-                                            <p:fltVal val="0"/>
-                                          </p:val>
-                                        </p:tav>
-                                        <p:tav tm="100000">
-                                          <p:val>
-                                            <p:strVal val="#ppt_w"/>
-                                          </p:val>
-                                        </p:tav>
-                                      </p:tavLst>
-                                    </p:anim>
-                                    <p:anim calcmode="lin" valueType="num">
-                                      <p:cBhvr>
-                                        <p:cTn id="45" dur="500" fill="hold"/>
-                                        <p:tgtEl>
-                                          <p:spTgt spid="3">
-                                            <p:txEl>
-                                              <p:pRg st="8" end="8"/>
-                                            </p:txEl>
-                                          </p:spTgt>
-                                        </p:tgtEl>
-                                        <p:attrNameLst>
-                                          <p:attrName>ppt_h</p:attrName>
-                                        </p:attrNameLst>
-                                      </p:cBhvr>
-                                      <p:tavLst>
-                                        <p:tav tm="0">
-                                          <p:val>
-                                            <p:fltVal val="0"/>
-                                          </p:val>
-                                        </p:tav>
-                                        <p:tav tm="100000">
-                                          <p:val>
-                                            <p:strVal val="#ppt_h"/>
-                                          </p:val>
-                                        </p:tav>
-                                      </p:tavLst>
-                                    </p:anim>
-                                    <p:animEffect transition="in" filter="fade">
-                                      <p:cBhvr>
-                                        <p:cTn id="46" dur="500"/>
-                                        <p:tgtEl>
-                                          <p:spTgt spid="3">
-                                            <p:txEl>
-                                              <p:pRg st="8" end="8"/>
-                                            </p:txEl>
-                                          </p:spTgt>
-                                        </p:tgtEl>
-                                      </p:cBhvr>
-                                    </p:animEffect>
-                                  </p:childTnLst>
-                                </p:cTn>
-                              </p:par>
-                              <p:par>
-                                <p:cTn id="47" presetID="53" presetClass="entr" presetSubtype="16" fill="hold" nodeType="withEffect">
-                                  <p:stCondLst>
-                                    <p:cond delay="0"/>
-                                  </p:stCondLst>
-                                  <p:childTnLst>
-                                    <p:set>
-                                      <p:cBhvr>
-                                        <p:cTn id="48" dur="1" fill="hold">
-                                          <p:stCondLst>
-                                            <p:cond delay="0"/>
-                                          </p:stCondLst>
-                                        </p:cTn>
-                                        <p:tgtEl>
-                                          <p:spTgt spid="3">
-                                            <p:txEl>
-                                              <p:pRg st="9" end="9"/>
-                                            </p:txEl>
-                                          </p:spTgt>
-                                        </p:tgtEl>
-                                        <p:attrNameLst>
-                                          <p:attrName>style.visibility</p:attrName>
-                                        </p:attrNameLst>
-                                      </p:cBhvr>
-                                      <p:to>
-                                        <p:strVal val="visible"/>
-                                      </p:to>
-                                    </p:set>
-                                    <p:anim calcmode="lin" valueType="num">
-                                      <p:cBhvr>
-                                        <p:cTn id="49" dur="500" fill="hold"/>
-                                        <p:tgtEl>
-                                          <p:spTgt spid="3">
-                                            <p:txEl>
-                                              <p:pRg st="9" end="9"/>
-                                            </p:txEl>
-                                          </p:spTgt>
-                                        </p:tgtEl>
-                                        <p:attrNameLst>
-                                          <p:attrName>ppt_w</p:attrName>
-                                        </p:attrNameLst>
-                                      </p:cBhvr>
-                                      <p:tavLst>
-                                        <p:tav tm="0">
-                                          <p:val>
-                                            <p:fltVal val="0"/>
-                                          </p:val>
-                                        </p:tav>
-                                        <p:tav tm="100000">
-                                          <p:val>
-                                            <p:strVal val="#ppt_w"/>
-                                          </p:val>
-                                        </p:tav>
-                                      </p:tavLst>
-                                    </p:anim>
-                                    <p:anim calcmode="lin" valueType="num">
-                                      <p:cBhvr>
-                                        <p:cTn id="50" dur="500" fill="hold"/>
-                                        <p:tgtEl>
-                                          <p:spTgt spid="3">
-                                            <p:txEl>
-                                              <p:pRg st="9" end="9"/>
-                                            </p:txEl>
-                                          </p:spTgt>
-                                        </p:tgtEl>
-                                        <p:attrNameLst>
-                                          <p:attrName>ppt_h</p:attrName>
-                                        </p:attrNameLst>
-                                      </p:cBhvr>
-                                      <p:tavLst>
-                                        <p:tav tm="0">
-                                          <p:val>
-                                            <p:fltVal val="0"/>
-                                          </p:val>
-                                        </p:tav>
-                                        <p:tav tm="100000">
-                                          <p:val>
-                                            <p:strVal val="#ppt_h"/>
-                                          </p:val>
-                                        </p:tav>
-                                      </p:tavLst>
-                                    </p:anim>
-                                    <p:animEffect transition="in" filter="fade">
-                                      <p:cBhvr>
-                                        <p:cTn id="51" dur="500"/>
-                                        <p:tgtEl>
-                                          <p:spTgt spid="3">
-                                            <p:txEl>
-                                              <p:pRg st="9" end="9"/>
-                                            </p:txEl>
-                                          </p:spTgt>
-                                        </p:tgtEl>
-                                      </p:cBhvr>
-                                    </p:animEffect>
-                                  </p:childTnLst>
-                                </p:cTn>
-                              </p:par>
-                              <p:par>
-                                <p:cTn id="52" presetID="53" presetClass="entr" presetSubtype="16" fill="hold" nodeType="withEffect">
-                                  <p:stCondLst>
-                                    <p:cond delay="0"/>
-                                  </p:stCondLst>
-                                  <p:childTnLst>
-                                    <p:set>
-                                      <p:cBhvr>
-                                        <p:cTn id="53" dur="1" fill="hold">
-                                          <p:stCondLst>
-                                            <p:cond delay="0"/>
-                                          </p:stCondLst>
-                                        </p:cTn>
-                                        <p:tgtEl>
-                                          <p:spTgt spid="3">
-                                            <p:txEl>
-                                              <p:pRg st="10" end="10"/>
-                                            </p:txEl>
-                                          </p:spTgt>
-                                        </p:tgtEl>
-                                        <p:attrNameLst>
-                                          <p:attrName>style.visibility</p:attrName>
-                                        </p:attrNameLst>
-                                      </p:cBhvr>
-                                      <p:to>
-                                        <p:strVal val="visible"/>
-                                      </p:to>
-                                    </p:set>
-                                    <p:anim calcmode="lin" valueType="num">
-                                      <p:cBhvr>
-                                        <p:cTn id="54" dur="500" fill="hold"/>
-                                        <p:tgtEl>
-                                          <p:spTgt spid="3">
-                                            <p:txEl>
-                                              <p:pRg st="10" end="10"/>
-                                            </p:txEl>
-                                          </p:spTgt>
-                                        </p:tgtEl>
-                                        <p:attrNameLst>
-                                          <p:attrName>ppt_w</p:attrName>
-                                        </p:attrNameLst>
-                                      </p:cBhvr>
-                                      <p:tavLst>
-                                        <p:tav tm="0">
-                                          <p:val>
-                                            <p:fltVal val="0"/>
-                                          </p:val>
-                                        </p:tav>
-                                        <p:tav tm="100000">
-                                          <p:val>
-                                            <p:strVal val="#ppt_w"/>
-                                          </p:val>
-                                        </p:tav>
-                                      </p:tavLst>
-                                    </p:anim>
-                                    <p:anim calcmode="lin" valueType="num">
-                                      <p:cBhvr>
-                                        <p:cTn id="55" dur="500" fill="hold"/>
-                                        <p:tgtEl>
-                                          <p:spTgt spid="3">
-                                            <p:txEl>
-                                              <p:pRg st="10" end="10"/>
-                                            </p:txEl>
-                                          </p:spTgt>
-                                        </p:tgtEl>
-                                        <p:attrNameLst>
-                                          <p:attrName>ppt_h</p:attrName>
-                                        </p:attrNameLst>
-                                      </p:cBhvr>
-                                      <p:tavLst>
-                                        <p:tav tm="0">
-                                          <p:val>
-                                            <p:fltVal val="0"/>
-                                          </p:val>
-                                        </p:tav>
-                                        <p:tav tm="100000">
-                                          <p:val>
-                                            <p:strVal val="#ppt_h"/>
-                                          </p:val>
-                                        </p:tav>
-                                      </p:tavLst>
-                                    </p:anim>
-                                    <p:animEffect transition="in" filter="fade">
-                                      <p:cBhvr>
-                                        <p:cTn id="56" dur="500"/>
-                                        <p:tgtEl>
-                                          <p:spTgt spid="3">
-                                            <p:txEl>
-                                              <p:pRg st="10" end="10"/>
-                                            </p:txEl>
-                                          </p:spTgt>
-                                        </p:tgtEl>
-                                      </p:cBhvr>
-                                    </p:animEffect>
-                                  </p:childTnLst>
-                                </p:cTn>
-                              </p:par>
-                              <p:par>
-                                <p:cTn id="57" presetID="53" presetClass="entr" presetSubtype="16" fill="hold" nodeType="withEffect">
-                                  <p:stCondLst>
-                                    <p:cond delay="0"/>
-                                  </p:stCondLst>
-                                  <p:childTnLst>
-                                    <p:set>
-                                      <p:cBhvr>
-                                        <p:cTn id="58" dur="1" fill="hold">
-                                          <p:stCondLst>
-                                            <p:cond delay="0"/>
-                                          </p:stCondLst>
-                                        </p:cTn>
-                                        <p:tgtEl>
-                                          <p:spTgt spid="3">
-                                            <p:txEl>
-                                              <p:pRg st="11" end="11"/>
-                                            </p:txEl>
-                                          </p:spTgt>
-                                        </p:tgtEl>
-                                        <p:attrNameLst>
-                                          <p:attrName>style.visibility</p:attrName>
-                                        </p:attrNameLst>
-                                      </p:cBhvr>
-                                      <p:to>
-                                        <p:strVal val="visible"/>
-                                      </p:to>
-                                    </p:set>
-                                    <p:anim calcmode="lin" valueType="num">
-                                      <p:cBhvr>
-                                        <p:cTn id="59" dur="500" fill="hold"/>
-                                        <p:tgtEl>
-                                          <p:spTgt spid="3">
-                                            <p:txEl>
-                                              <p:pRg st="11" end="11"/>
-                                            </p:txEl>
-                                          </p:spTgt>
-                                        </p:tgtEl>
-                                        <p:attrNameLst>
-                                          <p:attrName>ppt_w</p:attrName>
-                                        </p:attrNameLst>
-                                      </p:cBhvr>
-                                      <p:tavLst>
-                                        <p:tav tm="0">
-                                          <p:val>
-                                            <p:fltVal val="0"/>
-                                          </p:val>
-                                        </p:tav>
-                                        <p:tav tm="100000">
-                                          <p:val>
-                                            <p:strVal val="#ppt_w"/>
-                                          </p:val>
-                                        </p:tav>
-                                      </p:tavLst>
-                                    </p:anim>
-                                    <p:anim calcmode="lin" valueType="num">
-                                      <p:cBhvr>
-                                        <p:cTn id="60" dur="500" fill="hold"/>
-                                        <p:tgtEl>
-                                          <p:spTgt spid="3">
-                                            <p:txEl>
-                                              <p:pRg st="11" end="11"/>
-                                            </p:txEl>
-                                          </p:spTgt>
-                                        </p:tgtEl>
-                                        <p:attrNameLst>
-                                          <p:attrName>ppt_h</p:attrName>
-                                        </p:attrNameLst>
-                                      </p:cBhvr>
-                                      <p:tavLst>
-                                        <p:tav tm="0">
-                                          <p:val>
-                                            <p:fltVal val="0"/>
-                                          </p:val>
-                                        </p:tav>
-                                        <p:tav tm="100000">
-                                          <p:val>
-                                            <p:strVal val="#ppt_h"/>
-                                          </p:val>
-                                        </p:tav>
-                                      </p:tavLst>
-                                    </p:anim>
-                                    <p:animEffect transition="in" filter="fade">
-                                      <p:cBhvr>
-                                        <p:cTn id="61" dur="500"/>
-                                        <p:tgtEl>
-                                          <p:spTgt spid="3">
-                                            <p:txEl>
-                                              <p:pRg st="11" end="11"/>
-                                            </p:txEl>
-                                          </p:spTgt>
-                                        </p:tgtEl>
-                                      </p:cBhvr>
-                                    </p:animEffect>
-                                  </p:childTnLst>
-                                </p:cTn>
-                              </p:par>
-                            </p:childTnLst>
-                          </p:cTn>
-                        </p:par>
-                      </p:childTnLst>
-                    </p:cTn>
-                  </p:par>
-                </p:childTnLst>
-              </p:cTn>
-              <p:prevCondLst>
-                <p:cond evt="onPrev" delay="0">
-                  <p:tgtEl>
-                    <p:sldTgt/>
-                  </p:tgtEl>
-                </p:cond>
-              </p:prevCondLst>
-              <p:nextCondLst>
-                <p:cond evt="onNext" delay="0">
-                  <p:tgtEl>
-                    <p:sldTgt/>
-                  </p:tgtEl>
-                </p:cond>
-              </p:nextCondLst>
-            </p:seq>
-          </p:childTnLst>
-        </p:cTn>
-      </p:par>
-    </p:tnLst>
-  </p:timing>
 </p:sld>
 </file>
 
@@ -9733,10 +6143,9 @@
           <a:p>
             <a:pPr algn="l"/>
             <a:r>
-              <a:rPr lang="de-CH" dirty="0" smtClean="0"/>
+              <a:rPr lang="de-CH" dirty="0"/>
               <a:t>REALISIERUNG</a:t>
             </a:r>
-            <a:endParaRPr lang="de-CH" dirty="0"/>
           </a:p>
         </p:txBody>
       </p:sp>
@@ -9758,10 +6167,9 @@
           <a:lstStyle/>
           <a:p>
             <a:r>
-              <a:rPr lang="de-CH" dirty="0" smtClean="0"/>
+              <a:rPr lang="de-CH" dirty="0"/>
               <a:t>Besonders gut</a:t>
             </a:r>
-            <a:endParaRPr lang="de-CH" dirty="0"/>
           </a:p>
           <a:p>
             <a:pPr lvl="1">
@@ -9769,7 +6177,7 @@
               <a:buChar char="§"/>
             </a:pPr>
             <a:r>
-              <a:rPr lang="de-CH" dirty="0" smtClean="0"/>
+              <a:rPr lang="de-CH" dirty="0"/>
               <a:t>Client</a:t>
             </a:r>
           </a:p>
@@ -9779,7 +6187,7 @@
               <a:buChar char="§"/>
             </a:pPr>
             <a:r>
-              <a:rPr lang="de-CH" dirty="0" smtClean="0"/>
+              <a:rPr lang="de-CH" dirty="0"/>
               <a:t>Wiederverwendbarkeit (Module, Komponenten, Services, Styles)</a:t>
             </a:r>
           </a:p>
@@ -9789,14 +6197,14 @@
               <a:buChar char="§"/>
             </a:pPr>
             <a:r>
-              <a:rPr lang="de-CH" dirty="0" smtClean="0"/>
+              <a:rPr lang="de-CH" dirty="0"/>
               <a:t>Vererbung, </a:t>
             </a:r>
             <a:r>
-              <a:rPr lang="de-CH" dirty="0" err="1" smtClean="0"/>
+              <a:rPr lang="de-CH" dirty="0" err="1"/>
               <a:t>Generics</a:t>
             </a:r>
-            <a:endParaRPr lang="de-CH" dirty="0" smtClean="0"/>
+            <a:endParaRPr lang="de-CH" dirty="0"/>
           </a:p>
           <a:p>
             <a:pPr lvl="2">
@@ -9804,17 +6212,19 @@
               <a:buChar char="§"/>
             </a:pPr>
             <a:r>
-              <a:rPr lang="de-CH" dirty="0" err="1" smtClean="0"/>
+              <a:rPr lang="de-CH" dirty="0"/>
               <a:t>Resolver</a:t>
             </a:r>
-            <a:endParaRPr lang="de-CH" dirty="0"/>
           </a:p>
           <a:p>
             <a:pPr lvl="2">
               <a:buFont typeface="Wingdings" pitchFamily="2" charset="2"/>
               <a:buChar char="§"/>
             </a:pPr>
-            <a:endParaRPr lang="de-CH" dirty="0" smtClean="0"/>
+            <a:r>
+              <a:rPr lang="de-CH" dirty="0"/>
+              <a:t>Daten Filterung auch auf Server =&gt; Rollen, Ansicht  </a:t>
+            </a:r>
           </a:p>
           <a:p>
             <a:pPr lvl="1">
@@ -9822,7 +6232,7 @@
               <a:buChar char="§"/>
             </a:pPr>
             <a:r>
-              <a:rPr lang="de-CH" dirty="0" smtClean="0"/>
+              <a:rPr lang="de-CH" dirty="0"/>
               <a:t>Server Implementierung</a:t>
             </a:r>
           </a:p>
@@ -9832,7 +6242,7 @@
               <a:buChar char="§"/>
             </a:pPr>
             <a:r>
-              <a:rPr lang="de-CH" dirty="0" smtClean="0"/>
+              <a:rPr lang="de-CH" dirty="0"/>
               <a:t>Verschlüsselung personenbezogener Daten</a:t>
             </a:r>
           </a:p>
@@ -9842,18 +6252,21 @@
               <a:buChar char="§"/>
             </a:pPr>
             <a:r>
-              <a:rPr lang="de-CH" dirty="0" err="1" smtClean="0"/>
+              <a:rPr lang="de-CH" dirty="0" err="1"/>
               <a:t>Websockets</a:t>
             </a:r>
             <a:r>
-              <a:rPr lang="de-CH" dirty="0" smtClean="0"/>
+              <a:rPr lang="de-CH" dirty="0"/>
               <a:t> für </a:t>
             </a:r>
             <a:r>
-              <a:rPr lang="de-CH" dirty="0" err="1" smtClean="0"/>
+              <a:rPr lang="de-CH" dirty="0" err="1"/>
               <a:t>Notifications</a:t>
             </a:r>
-            <a:endParaRPr lang="de-CH" dirty="0" smtClean="0"/>
+            <a:r>
+              <a:rPr lang="de-CH" dirty="0"/>
+              <a:t> =&gt; Realtime oder DB</a:t>
+            </a:r>
           </a:p>
           <a:p>
             <a:pPr lvl="2">
@@ -9861,7 +6274,7 @@
               <a:buChar char="§"/>
             </a:pPr>
             <a:r>
-              <a:rPr lang="de-CH" dirty="0" smtClean="0"/>
+              <a:rPr lang="de-CH" dirty="0"/>
               <a:t>Mailversand</a:t>
             </a:r>
           </a:p>
@@ -9871,7 +6284,7 @@
               <a:buChar char="§"/>
             </a:pPr>
             <a:r>
-              <a:rPr lang="de-CH" dirty="0" smtClean="0"/>
+              <a:rPr lang="de-CH" dirty="0"/>
               <a:t>Konsequente Verwendung von Pattern</a:t>
             </a:r>
           </a:p>
@@ -9880,7 +6293,7 @@
               <a:buFont typeface="Wingdings" pitchFamily="2" charset="2"/>
               <a:buChar char="§"/>
             </a:pPr>
-            <a:endParaRPr lang="de-CH" dirty="0" smtClean="0"/>
+            <a:endParaRPr lang="de-CH" dirty="0"/>
           </a:p>
         </p:txBody>
       </p:sp>
@@ -9900,10 +6313,9 @@
           <a:lstStyle/>
           <a:p>
             <a:r>
-              <a:rPr lang="de-CH" dirty="0" smtClean="0"/>
+              <a:rPr lang="de-CH" dirty="0"/>
               <a:t>30.03.2017</a:t>
             </a:r>
-            <a:endParaRPr lang="de-CH" dirty="0"/>
           </a:p>
         </p:txBody>
       </p:sp>
@@ -9952,26 +6364,21 @@
           <a:lstStyle/>
           <a:p>
             <a:r>
-              <a:rPr lang="de-CH" dirty="0" err="1" smtClean="0"/>
+              <a:rPr lang="de-CH" dirty="0" err="1"/>
               <a:t>hannes</a:t>
             </a:r>
             <a:r>
-              <a:rPr lang="de-CH" dirty="0" smtClean="0"/>
+              <a:rPr lang="de-CH" dirty="0"/>
               <a:t> anderes &amp; </a:t>
             </a:r>
             <a:r>
-              <a:rPr lang="de-CH" dirty="0" err="1" smtClean="0"/>
+              <a:rPr lang="de-CH" dirty="0" err="1"/>
               <a:t>michael</a:t>
             </a:r>
             <a:r>
-              <a:rPr lang="de-CH" dirty="0" smtClean="0"/>
-              <a:t> </a:t>
-            </a:r>
-            <a:r>
-              <a:rPr lang="de-CH" dirty="0" smtClean="0"/>
-              <a:t>märki</a:t>
-            </a:r>
-            <a:endParaRPr lang="de-CH" dirty="0"/>
+              <a:rPr lang="de-CH" dirty="0"/>
+              <a:t> märki</a:t>
+            </a:r>
           </a:p>
         </p:txBody>
       </p:sp>
@@ -10007,25 +6414,8 @@
                   </a:schemeClr>
                 </a:solidFill>
               </a:rPr>
-              <a:t>CAS FEE – Projekt </a:t>
-            </a:r>
-            <a:r>
-              <a:rPr lang="de-CH" sz="1200" dirty="0" smtClean="0">
-                <a:solidFill>
-                  <a:schemeClr val="tx1">
-                    <a:tint val="75000"/>
-                  </a:schemeClr>
-                </a:solidFill>
-              </a:rPr>
-              <a:t>2</a:t>
-            </a:r>
-            <a:endParaRPr lang="de-CH" sz="1200" dirty="0">
-              <a:solidFill>
-                <a:schemeClr val="tx1">
-                  <a:tint val="75000"/>
-                </a:schemeClr>
-              </a:solidFill>
-            </a:endParaRPr>
+              <a:t>CAS FEE – Projekt 2</a:t>
+            </a:r>
           </a:p>
         </p:txBody>
       </p:sp>
@@ -10066,7 +6456,7 @@
             <a:lstStyle/>
             <a:p>
               <a:r>
-                <a:rPr lang="de-CH" sz="1200" dirty="0" smtClean="0">
+                <a:rPr lang="de-CH" sz="1200" dirty="0">
                   <a:solidFill>
                     <a:schemeClr val="tx1">
                       <a:lumMod val="50000"/>
@@ -10075,13 +6465,6 @@
                 </a:rPr>
                 <a:t>ÜBERBLICK</a:t>
               </a:r>
-              <a:endParaRPr lang="de-CH" sz="1200" dirty="0">
-                <a:solidFill>
-                  <a:schemeClr val="tx1">
-                    <a:lumMod val="50000"/>
-                  </a:schemeClr>
-                </a:solidFill>
-              </a:endParaRPr>
             </a:p>
           </p:txBody>
         </p:sp>
@@ -10108,11 +6491,11 @@
             <a:lstStyle/>
             <a:p>
               <a:r>
-                <a:rPr lang="de-CH" sz="1200" dirty="0" smtClean="0"/>
+                <a:rPr lang="de-CH" sz="1200" dirty="0"/>
                 <a:t>-   </a:t>
               </a:r>
               <a:r>
-                <a:rPr lang="de-CH" sz="1200" dirty="0" smtClean="0">
+                <a:rPr lang="de-CH" sz="1200" dirty="0">
                   <a:solidFill>
                     <a:schemeClr val="tx1">
                       <a:lumMod val="50000"/>
@@ -10121,13 +6504,6 @@
                 </a:rPr>
                 <a:t>AUSGANGSLAGE</a:t>
               </a:r>
-              <a:endParaRPr lang="de-CH" sz="1200" dirty="0">
-                <a:solidFill>
-                  <a:schemeClr val="tx1">
-                    <a:lumMod val="50000"/>
-                  </a:schemeClr>
-                </a:solidFill>
-              </a:endParaRPr>
             </a:p>
           </p:txBody>
         </p:sp>
@@ -10154,22 +6530,17 @@
             <a:lstStyle/>
             <a:p>
               <a:r>
-                <a:rPr lang="de-CH" sz="1200" dirty="0" smtClean="0"/>
+                <a:rPr lang="de-CH" sz="1200" dirty="0"/>
                 <a:t>-   </a:t>
               </a:r>
               <a:r>
-                <a:rPr lang="de-CH" sz="1200" dirty="0" smtClean="0">
+                <a:rPr lang="de-CH" sz="1200" dirty="0">
                   <a:solidFill>
                     <a:schemeClr val="accent6"/>
                   </a:solidFill>
                 </a:rPr>
                 <a:t>REALISIERUNG</a:t>
               </a:r>
-              <a:endParaRPr lang="de-CH" sz="1200" dirty="0">
-                <a:solidFill>
-                  <a:schemeClr val="accent6"/>
-                </a:solidFill>
-              </a:endParaRPr>
             </a:p>
           </p:txBody>
         </p:sp>
@@ -10196,10 +6567,9 @@
             <a:lstStyle/>
             <a:p>
               <a:r>
-                <a:rPr lang="de-CH" sz="1200" dirty="0" smtClean="0"/>
+                <a:rPr lang="de-CH" sz="1200" dirty="0"/>
                 <a:t>-   DEMO</a:t>
               </a:r>
-              <a:endParaRPr lang="de-CH" sz="1200" dirty="0"/>
             </a:p>
           </p:txBody>
         </p:sp>
@@ -10226,10 +6596,9 @@
             <a:lstStyle/>
             <a:p>
               <a:r>
-                <a:rPr lang="de-CH" sz="1200" dirty="0" smtClean="0"/>
+                <a:rPr lang="de-CH" sz="1200" dirty="0"/>
                 <a:t>-   FAZIT</a:t>
               </a:r>
-              <a:endParaRPr lang="de-CH" sz="1200" dirty="0"/>
             </a:p>
           </p:txBody>
         </p:sp>
@@ -10256,10 +6625,9 @@
             <a:lstStyle/>
             <a:p>
               <a:r>
-                <a:rPr lang="de-CH" sz="1200" dirty="0" smtClean="0"/>
+                <a:rPr lang="de-CH" sz="1200" dirty="0"/>
                 <a:t>-   FRAGEN</a:t>
               </a:r>
-              <a:endParaRPr lang="de-CH" sz="1200" dirty="0"/>
             </a:p>
           </p:txBody>
         </p:sp>
@@ -10315,1186 +6683,6 @@
   <p:clrMapOvr>
     <a:masterClrMapping/>
   </p:clrMapOvr>
-  <p:timing>
-    <p:tnLst>
-      <p:par>
-        <p:cTn id="1" dur="indefinite" restart="never" nodeType="tmRoot">
-          <p:childTnLst>
-            <p:seq concurrent="1" nextAc="seek">
-              <p:cTn id="2" dur="indefinite" nodeType="mainSeq">
-                <p:childTnLst>
-                  <p:par>
-                    <p:cTn id="3" fill="hold">
-                      <p:stCondLst>
-                        <p:cond delay="indefinite"/>
-                      </p:stCondLst>
-                      <p:childTnLst>
-                        <p:par>
-                          <p:cTn id="4" fill="hold">
-                            <p:stCondLst>
-                              <p:cond delay="0"/>
-                            </p:stCondLst>
-                            <p:childTnLst>
-                              <p:par>
-                                <p:cTn id="5" presetID="53" presetClass="entr" presetSubtype="16" fill="hold" nodeType="clickEffect">
-                                  <p:stCondLst>
-                                    <p:cond delay="0"/>
-                                  </p:stCondLst>
-                                  <p:childTnLst>
-                                    <p:set>
-                                      <p:cBhvr>
-                                        <p:cTn id="6" dur="1" fill="hold">
-                                          <p:stCondLst>
-                                            <p:cond delay="0"/>
-                                          </p:stCondLst>
-                                        </p:cTn>
-                                        <p:tgtEl>
-                                          <p:spTgt spid="3">
-                                            <p:txEl>
-                                              <p:pRg st="0" end="0"/>
-                                            </p:txEl>
-                                          </p:spTgt>
-                                        </p:tgtEl>
-                                        <p:attrNameLst>
-                                          <p:attrName>style.visibility</p:attrName>
-                                        </p:attrNameLst>
-                                      </p:cBhvr>
-                                      <p:to>
-                                        <p:strVal val="visible"/>
-                                      </p:to>
-                                    </p:set>
-                                    <p:anim calcmode="lin" valueType="num">
-                                      <p:cBhvr>
-                                        <p:cTn id="7" dur="500" fill="hold"/>
-                                        <p:tgtEl>
-                                          <p:spTgt spid="3">
-                                            <p:txEl>
-                                              <p:pRg st="0" end="0"/>
-                                            </p:txEl>
-                                          </p:spTgt>
-                                        </p:tgtEl>
-                                        <p:attrNameLst>
-                                          <p:attrName>ppt_w</p:attrName>
-                                        </p:attrNameLst>
-                                      </p:cBhvr>
-                                      <p:tavLst>
-                                        <p:tav tm="0">
-                                          <p:val>
-                                            <p:fltVal val="0"/>
-                                          </p:val>
-                                        </p:tav>
-                                        <p:tav tm="100000">
-                                          <p:val>
-                                            <p:strVal val="#ppt_w"/>
-                                          </p:val>
-                                        </p:tav>
-                                      </p:tavLst>
-                                    </p:anim>
-                                    <p:anim calcmode="lin" valueType="num">
-                                      <p:cBhvr>
-                                        <p:cTn id="8" dur="500" fill="hold"/>
-                                        <p:tgtEl>
-                                          <p:spTgt spid="3">
-                                            <p:txEl>
-                                              <p:pRg st="0" end="0"/>
-                                            </p:txEl>
-                                          </p:spTgt>
-                                        </p:tgtEl>
-                                        <p:attrNameLst>
-                                          <p:attrName>ppt_h</p:attrName>
-                                        </p:attrNameLst>
-                                      </p:cBhvr>
-                                      <p:tavLst>
-                                        <p:tav tm="0">
-                                          <p:val>
-                                            <p:fltVal val="0"/>
-                                          </p:val>
-                                        </p:tav>
-                                        <p:tav tm="100000">
-                                          <p:val>
-                                            <p:strVal val="#ppt_h"/>
-                                          </p:val>
-                                        </p:tav>
-                                      </p:tavLst>
-                                    </p:anim>
-                                    <p:animEffect transition="in" filter="fade">
-                                      <p:cBhvr>
-                                        <p:cTn id="9" dur="500"/>
-                                        <p:tgtEl>
-                                          <p:spTgt spid="3">
-                                            <p:txEl>
-                                              <p:pRg st="0" end="0"/>
-                                            </p:txEl>
-                                          </p:spTgt>
-                                        </p:tgtEl>
-                                      </p:cBhvr>
-                                    </p:animEffect>
-                                  </p:childTnLst>
-                                </p:cTn>
-                              </p:par>
-                            </p:childTnLst>
-                          </p:cTn>
-                        </p:par>
-                      </p:childTnLst>
-                    </p:cTn>
-                  </p:par>
-                  <p:par>
-                    <p:cTn id="10" fill="hold">
-                      <p:stCondLst>
-                        <p:cond delay="indefinite"/>
-                      </p:stCondLst>
-                      <p:childTnLst>
-                        <p:par>
-                          <p:cTn id="11" fill="hold">
-                            <p:stCondLst>
-                              <p:cond delay="0"/>
-                            </p:stCondLst>
-                            <p:childTnLst>
-                              <p:par>
-                                <p:cTn id="12" presetID="53" presetClass="entr" presetSubtype="16" fill="hold" nodeType="clickEffect">
-                                  <p:stCondLst>
-                                    <p:cond delay="0"/>
-                                  </p:stCondLst>
-                                  <p:childTnLst>
-                                    <p:set>
-                                      <p:cBhvr>
-                                        <p:cTn id="13" dur="1" fill="hold">
-                                          <p:stCondLst>
-                                            <p:cond delay="0"/>
-                                          </p:stCondLst>
-                                        </p:cTn>
-                                        <p:tgtEl>
-                                          <p:spTgt spid="3">
-                                            <p:txEl>
-                                              <p:pRg st="1" end="1"/>
-                                            </p:txEl>
-                                          </p:spTgt>
-                                        </p:tgtEl>
-                                        <p:attrNameLst>
-                                          <p:attrName>style.visibility</p:attrName>
-                                        </p:attrNameLst>
-                                      </p:cBhvr>
-                                      <p:to>
-                                        <p:strVal val="visible"/>
-                                      </p:to>
-                                    </p:set>
-                                    <p:anim calcmode="lin" valueType="num">
-                                      <p:cBhvr>
-                                        <p:cTn id="14" dur="500" fill="hold"/>
-                                        <p:tgtEl>
-                                          <p:spTgt spid="3">
-                                            <p:txEl>
-                                              <p:pRg st="1" end="1"/>
-                                            </p:txEl>
-                                          </p:spTgt>
-                                        </p:tgtEl>
-                                        <p:attrNameLst>
-                                          <p:attrName>ppt_w</p:attrName>
-                                        </p:attrNameLst>
-                                      </p:cBhvr>
-                                      <p:tavLst>
-                                        <p:tav tm="0">
-                                          <p:val>
-                                            <p:fltVal val="0"/>
-                                          </p:val>
-                                        </p:tav>
-                                        <p:tav tm="100000">
-                                          <p:val>
-                                            <p:strVal val="#ppt_w"/>
-                                          </p:val>
-                                        </p:tav>
-                                      </p:tavLst>
-                                    </p:anim>
-                                    <p:anim calcmode="lin" valueType="num">
-                                      <p:cBhvr>
-                                        <p:cTn id="15" dur="500" fill="hold"/>
-                                        <p:tgtEl>
-                                          <p:spTgt spid="3">
-                                            <p:txEl>
-                                              <p:pRg st="1" end="1"/>
-                                            </p:txEl>
-                                          </p:spTgt>
-                                        </p:tgtEl>
-                                        <p:attrNameLst>
-                                          <p:attrName>ppt_h</p:attrName>
-                                        </p:attrNameLst>
-                                      </p:cBhvr>
-                                      <p:tavLst>
-                                        <p:tav tm="0">
-                                          <p:val>
-                                            <p:fltVal val="0"/>
-                                          </p:val>
-                                        </p:tav>
-                                        <p:tav tm="100000">
-                                          <p:val>
-                                            <p:strVal val="#ppt_h"/>
-                                          </p:val>
-                                        </p:tav>
-                                      </p:tavLst>
-                                    </p:anim>
-                                    <p:animEffect transition="in" filter="fade">
-                                      <p:cBhvr>
-                                        <p:cTn id="16" dur="500"/>
-                                        <p:tgtEl>
-                                          <p:spTgt spid="3">
-                                            <p:txEl>
-                                              <p:pRg st="1" end="1"/>
-                                            </p:txEl>
-                                          </p:spTgt>
-                                        </p:tgtEl>
-                                      </p:cBhvr>
-                                    </p:animEffect>
-                                  </p:childTnLst>
-                                </p:cTn>
-                              </p:par>
-                            </p:childTnLst>
-                          </p:cTn>
-                        </p:par>
-                      </p:childTnLst>
-                    </p:cTn>
-                  </p:par>
-                  <p:par>
-                    <p:cTn id="17" fill="hold">
-                      <p:stCondLst>
-                        <p:cond delay="indefinite"/>
-                      </p:stCondLst>
-                      <p:childTnLst>
-                        <p:par>
-                          <p:cTn id="18" fill="hold">
-                            <p:stCondLst>
-                              <p:cond delay="0"/>
-                            </p:stCondLst>
-                            <p:childTnLst>
-                              <p:par>
-                                <p:cTn id="19" presetID="53" presetClass="entr" presetSubtype="16" fill="hold" nodeType="clickEffect">
-                                  <p:stCondLst>
-                                    <p:cond delay="0"/>
-                                  </p:stCondLst>
-                                  <p:childTnLst>
-                                    <p:set>
-                                      <p:cBhvr>
-                                        <p:cTn id="20" dur="1" fill="hold">
-                                          <p:stCondLst>
-                                            <p:cond delay="0"/>
-                                          </p:stCondLst>
-                                        </p:cTn>
-                                        <p:tgtEl>
-                                          <p:spTgt spid="3">
-                                            <p:txEl>
-                                              <p:pRg st="2" end="2"/>
-                                            </p:txEl>
-                                          </p:spTgt>
-                                        </p:tgtEl>
-                                        <p:attrNameLst>
-                                          <p:attrName>style.visibility</p:attrName>
-                                        </p:attrNameLst>
-                                      </p:cBhvr>
-                                      <p:to>
-                                        <p:strVal val="visible"/>
-                                      </p:to>
-                                    </p:set>
-                                    <p:anim calcmode="lin" valueType="num">
-                                      <p:cBhvr>
-                                        <p:cTn id="21" dur="500" fill="hold"/>
-                                        <p:tgtEl>
-                                          <p:spTgt spid="3">
-                                            <p:txEl>
-                                              <p:pRg st="2" end="2"/>
-                                            </p:txEl>
-                                          </p:spTgt>
-                                        </p:tgtEl>
-                                        <p:attrNameLst>
-                                          <p:attrName>ppt_w</p:attrName>
-                                        </p:attrNameLst>
-                                      </p:cBhvr>
-                                      <p:tavLst>
-                                        <p:tav tm="0">
-                                          <p:val>
-                                            <p:fltVal val="0"/>
-                                          </p:val>
-                                        </p:tav>
-                                        <p:tav tm="100000">
-                                          <p:val>
-                                            <p:strVal val="#ppt_w"/>
-                                          </p:val>
-                                        </p:tav>
-                                      </p:tavLst>
-                                    </p:anim>
-                                    <p:anim calcmode="lin" valueType="num">
-                                      <p:cBhvr>
-                                        <p:cTn id="22" dur="500" fill="hold"/>
-                                        <p:tgtEl>
-                                          <p:spTgt spid="3">
-                                            <p:txEl>
-                                              <p:pRg st="2" end="2"/>
-                                            </p:txEl>
-                                          </p:spTgt>
-                                        </p:tgtEl>
-                                        <p:attrNameLst>
-                                          <p:attrName>ppt_h</p:attrName>
-                                        </p:attrNameLst>
-                                      </p:cBhvr>
-                                      <p:tavLst>
-                                        <p:tav tm="0">
-                                          <p:val>
-                                            <p:fltVal val="0"/>
-                                          </p:val>
-                                        </p:tav>
-                                        <p:tav tm="100000">
-                                          <p:val>
-                                            <p:strVal val="#ppt_h"/>
-                                          </p:val>
-                                        </p:tav>
-                                      </p:tavLst>
-                                    </p:anim>
-                                    <p:animEffect transition="in" filter="fade">
-                                      <p:cBhvr>
-                                        <p:cTn id="23" dur="500"/>
-                                        <p:tgtEl>
-                                          <p:spTgt spid="3">
-                                            <p:txEl>
-                                              <p:pRg st="2" end="2"/>
-                                            </p:txEl>
-                                          </p:spTgt>
-                                        </p:tgtEl>
-                                      </p:cBhvr>
-                                    </p:animEffect>
-                                  </p:childTnLst>
-                                </p:cTn>
-                              </p:par>
-                            </p:childTnLst>
-                          </p:cTn>
-                        </p:par>
-                      </p:childTnLst>
-                    </p:cTn>
-                  </p:par>
-                  <p:par>
-                    <p:cTn id="24" fill="hold">
-                      <p:stCondLst>
-                        <p:cond delay="indefinite"/>
-                      </p:stCondLst>
-                      <p:childTnLst>
-                        <p:par>
-                          <p:cTn id="25" fill="hold">
-                            <p:stCondLst>
-                              <p:cond delay="0"/>
-                            </p:stCondLst>
-                            <p:childTnLst>
-                              <p:par>
-                                <p:cTn id="26" presetID="53" presetClass="entr" presetSubtype="16" fill="hold" nodeType="clickEffect">
-                                  <p:stCondLst>
-                                    <p:cond delay="0"/>
-                                  </p:stCondLst>
-                                  <p:childTnLst>
-                                    <p:set>
-                                      <p:cBhvr>
-                                        <p:cTn id="27" dur="1" fill="hold">
-                                          <p:stCondLst>
-                                            <p:cond delay="0"/>
-                                          </p:stCondLst>
-                                        </p:cTn>
-                                        <p:tgtEl>
-                                          <p:spTgt spid="3">
-                                            <p:txEl>
-                                              <p:pRg st="3" end="3"/>
-                                            </p:txEl>
-                                          </p:spTgt>
-                                        </p:tgtEl>
-                                        <p:attrNameLst>
-                                          <p:attrName>style.visibility</p:attrName>
-                                        </p:attrNameLst>
-                                      </p:cBhvr>
-                                      <p:to>
-                                        <p:strVal val="visible"/>
-                                      </p:to>
-                                    </p:set>
-                                    <p:anim calcmode="lin" valueType="num">
-                                      <p:cBhvr>
-                                        <p:cTn id="28" dur="500" fill="hold"/>
-                                        <p:tgtEl>
-                                          <p:spTgt spid="3">
-                                            <p:txEl>
-                                              <p:pRg st="3" end="3"/>
-                                            </p:txEl>
-                                          </p:spTgt>
-                                        </p:tgtEl>
-                                        <p:attrNameLst>
-                                          <p:attrName>ppt_w</p:attrName>
-                                        </p:attrNameLst>
-                                      </p:cBhvr>
-                                      <p:tavLst>
-                                        <p:tav tm="0">
-                                          <p:val>
-                                            <p:fltVal val="0"/>
-                                          </p:val>
-                                        </p:tav>
-                                        <p:tav tm="100000">
-                                          <p:val>
-                                            <p:strVal val="#ppt_w"/>
-                                          </p:val>
-                                        </p:tav>
-                                      </p:tavLst>
-                                    </p:anim>
-                                    <p:anim calcmode="lin" valueType="num">
-                                      <p:cBhvr>
-                                        <p:cTn id="29" dur="500" fill="hold"/>
-                                        <p:tgtEl>
-                                          <p:spTgt spid="3">
-                                            <p:txEl>
-                                              <p:pRg st="3" end="3"/>
-                                            </p:txEl>
-                                          </p:spTgt>
-                                        </p:tgtEl>
-                                        <p:attrNameLst>
-                                          <p:attrName>ppt_h</p:attrName>
-                                        </p:attrNameLst>
-                                      </p:cBhvr>
-                                      <p:tavLst>
-                                        <p:tav tm="0">
-                                          <p:val>
-                                            <p:fltVal val="0"/>
-                                          </p:val>
-                                        </p:tav>
-                                        <p:tav tm="100000">
-                                          <p:val>
-                                            <p:strVal val="#ppt_h"/>
-                                          </p:val>
-                                        </p:tav>
-                                      </p:tavLst>
-                                    </p:anim>
-                                    <p:animEffect transition="in" filter="fade">
-                                      <p:cBhvr>
-                                        <p:cTn id="30" dur="500"/>
-                                        <p:tgtEl>
-                                          <p:spTgt spid="3">
-                                            <p:txEl>
-                                              <p:pRg st="3" end="3"/>
-                                            </p:txEl>
-                                          </p:spTgt>
-                                        </p:tgtEl>
-                                      </p:cBhvr>
-                                    </p:animEffect>
-                                  </p:childTnLst>
-                                </p:cTn>
-                              </p:par>
-                            </p:childTnLst>
-                          </p:cTn>
-                        </p:par>
-                      </p:childTnLst>
-                    </p:cTn>
-                  </p:par>
-                  <p:par>
-                    <p:cTn id="31" fill="hold">
-                      <p:stCondLst>
-                        <p:cond delay="indefinite"/>
-                      </p:stCondLst>
-                      <p:childTnLst>
-                        <p:par>
-                          <p:cTn id="32" fill="hold">
-                            <p:stCondLst>
-                              <p:cond delay="0"/>
-                            </p:stCondLst>
-                            <p:childTnLst>
-                              <p:par>
-                                <p:cTn id="33" presetID="53" presetClass="entr" presetSubtype="16" fill="hold" nodeType="clickEffect">
-                                  <p:stCondLst>
-                                    <p:cond delay="0"/>
-                                  </p:stCondLst>
-                                  <p:childTnLst>
-                                    <p:set>
-                                      <p:cBhvr>
-                                        <p:cTn id="34" dur="1" fill="hold">
-                                          <p:stCondLst>
-                                            <p:cond delay="0"/>
-                                          </p:stCondLst>
-                                        </p:cTn>
-                                        <p:tgtEl>
-                                          <p:spTgt spid="3">
-                                            <p:txEl>
-                                              <p:pRg st="4" end="4"/>
-                                            </p:txEl>
-                                          </p:spTgt>
-                                        </p:tgtEl>
-                                        <p:attrNameLst>
-                                          <p:attrName>style.visibility</p:attrName>
-                                        </p:attrNameLst>
-                                      </p:cBhvr>
-                                      <p:to>
-                                        <p:strVal val="visible"/>
-                                      </p:to>
-                                    </p:set>
-                                    <p:anim calcmode="lin" valueType="num">
-                                      <p:cBhvr>
-                                        <p:cTn id="35" dur="500" fill="hold"/>
-                                        <p:tgtEl>
-                                          <p:spTgt spid="3">
-                                            <p:txEl>
-                                              <p:pRg st="4" end="4"/>
-                                            </p:txEl>
-                                          </p:spTgt>
-                                        </p:tgtEl>
-                                        <p:attrNameLst>
-                                          <p:attrName>ppt_w</p:attrName>
-                                        </p:attrNameLst>
-                                      </p:cBhvr>
-                                      <p:tavLst>
-                                        <p:tav tm="0">
-                                          <p:val>
-                                            <p:fltVal val="0"/>
-                                          </p:val>
-                                        </p:tav>
-                                        <p:tav tm="100000">
-                                          <p:val>
-                                            <p:strVal val="#ppt_w"/>
-                                          </p:val>
-                                        </p:tav>
-                                      </p:tavLst>
-                                    </p:anim>
-                                    <p:anim calcmode="lin" valueType="num">
-                                      <p:cBhvr>
-                                        <p:cTn id="36" dur="500" fill="hold"/>
-                                        <p:tgtEl>
-                                          <p:spTgt spid="3">
-                                            <p:txEl>
-                                              <p:pRg st="4" end="4"/>
-                                            </p:txEl>
-                                          </p:spTgt>
-                                        </p:tgtEl>
-                                        <p:attrNameLst>
-                                          <p:attrName>ppt_h</p:attrName>
-                                        </p:attrNameLst>
-                                      </p:cBhvr>
-                                      <p:tavLst>
-                                        <p:tav tm="0">
-                                          <p:val>
-                                            <p:fltVal val="0"/>
-                                          </p:val>
-                                        </p:tav>
-                                        <p:tav tm="100000">
-                                          <p:val>
-                                            <p:strVal val="#ppt_h"/>
-                                          </p:val>
-                                        </p:tav>
-                                      </p:tavLst>
-                                    </p:anim>
-                                    <p:animEffect transition="in" filter="fade">
-                                      <p:cBhvr>
-                                        <p:cTn id="37" dur="500"/>
-                                        <p:tgtEl>
-                                          <p:spTgt spid="3">
-                                            <p:txEl>
-                                              <p:pRg st="4" end="4"/>
-                                            </p:txEl>
-                                          </p:spTgt>
-                                        </p:tgtEl>
-                                      </p:cBhvr>
-                                    </p:animEffect>
-                                  </p:childTnLst>
-                                </p:cTn>
-                              </p:par>
-                            </p:childTnLst>
-                          </p:cTn>
-                        </p:par>
-                      </p:childTnLst>
-                    </p:cTn>
-                  </p:par>
-                  <p:par>
-                    <p:cTn id="38" fill="hold">
-                      <p:stCondLst>
-                        <p:cond delay="indefinite"/>
-                      </p:stCondLst>
-                      <p:childTnLst>
-                        <p:par>
-                          <p:cTn id="39" fill="hold">
-                            <p:stCondLst>
-                              <p:cond delay="0"/>
-                            </p:stCondLst>
-                            <p:childTnLst>
-                              <p:par>
-                                <p:cTn id="40" presetID="53" presetClass="entr" presetSubtype="16" fill="hold" nodeType="clickEffect">
-                                  <p:stCondLst>
-                                    <p:cond delay="0"/>
-                                  </p:stCondLst>
-                                  <p:childTnLst>
-                                    <p:set>
-                                      <p:cBhvr>
-                                        <p:cTn id="41" dur="1" fill="hold">
-                                          <p:stCondLst>
-                                            <p:cond delay="0"/>
-                                          </p:stCondLst>
-                                        </p:cTn>
-                                        <p:tgtEl>
-                                          <p:spTgt spid="3">
-                                            <p:txEl>
-                                              <p:pRg st="6" end="6"/>
-                                            </p:txEl>
-                                          </p:spTgt>
-                                        </p:tgtEl>
-                                        <p:attrNameLst>
-                                          <p:attrName>style.visibility</p:attrName>
-                                        </p:attrNameLst>
-                                      </p:cBhvr>
-                                      <p:to>
-                                        <p:strVal val="visible"/>
-                                      </p:to>
-                                    </p:set>
-                                    <p:anim calcmode="lin" valueType="num">
-                                      <p:cBhvr>
-                                        <p:cTn id="42" dur="500" fill="hold"/>
-                                        <p:tgtEl>
-                                          <p:spTgt spid="3">
-                                            <p:txEl>
-                                              <p:pRg st="6" end="6"/>
-                                            </p:txEl>
-                                          </p:spTgt>
-                                        </p:tgtEl>
-                                        <p:attrNameLst>
-                                          <p:attrName>ppt_w</p:attrName>
-                                        </p:attrNameLst>
-                                      </p:cBhvr>
-                                      <p:tavLst>
-                                        <p:tav tm="0">
-                                          <p:val>
-                                            <p:fltVal val="0"/>
-                                          </p:val>
-                                        </p:tav>
-                                        <p:tav tm="100000">
-                                          <p:val>
-                                            <p:strVal val="#ppt_w"/>
-                                          </p:val>
-                                        </p:tav>
-                                      </p:tavLst>
-                                    </p:anim>
-                                    <p:anim calcmode="lin" valueType="num">
-                                      <p:cBhvr>
-                                        <p:cTn id="43" dur="500" fill="hold"/>
-                                        <p:tgtEl>
-                                          <p:spTgt spid="3">
-                                            <p:txEl>
-                                              <p:pRg st="6" end="6"/>
-                                            </p:txEl>
-                                          </p:spTgt>
-                                        </p:tgtEl>
-                                        <p:attrNameLst>
-                                          <p:attrName>ppt_h</p:attrName>
-                                        </p:attrNameLst>
-                                      </p:cBhvr>
-                                      <p:tavLst>
-                                        <p:tav tm="0">
-                                          <p:val>
-                                            <p:fltVal val="0"/>
-                                          </p:val>
-                                        </p:tav>
-                                        <p:tav tm="100000">
-                                          <p:val>
-                                            <p:strVal val="#ppt_h"/>
-                                          </p:val>
-                                        </p:tav>
-                                      </p:tavLst>
-                                    </p:anim>
-                                    <p:animEffect transition="in" filter="fade">
-                                      <p:cBhvr>
-                                        <p:cTn id="44" dur="500"/>
-                                        <p:tgtEl>
-                                          <p:spTgt spid="3">
-                                            <p:txEl>
-                                              <p:pRg st="6" end="6"/>
-                                            </p:txEl>
-                                          </p:spTgt>
-                                        </p:tgtEl>
-                                      </p:cBhvr>
-                                    </p:animEffect>
-                                  </p:childTnLst>
-                                </p:cTn>
-                              </p:par>
-                            </p:childTnLst>
-                          </p:cTn>
-                        </p:par>
-                      </p:childTnLst>
-                    </p:cTn>
-                  </p:par>
-                  <p:par>
-                    <p:cTn id="45" fill="hold">
-                      <p:stCondLst>
-                        <p:cond delay="indefinite"/>
-                      </p:stCondLst>
-                      <p:childTnLst>
-                        <p:par>
-                          <p:cTn id="46" fill="hold">
-                            <p:stCondLst>
-                              <p:cond delay="0"/>
-                            </p:stCondLst>
-                            <p:childTnLst>
-                              <p:par>
-                                <p:cTn id="47" presetID="53" presetClass="entr" presetSubtype="16" fill="hold" nodeType="clickEffect">
-                                  <p:stCondLst>
-                                    <p:cond delay="0"/>
-                                  </p:stCondLst>
-                                  <p:childTnLst>
-                                    <p:set>
-                                      <p:cBhvr>
-                                        <p:cTn id="48" dur="1" fill="hold">
-                                          <p:stCondLst>
-                                            <p:cond delay="0"/>
-                                          </p:stCondLst>
-                                        </p:cTn>
-                                        <p:tgtEl>
-                                          <p:spTgt spid="3">
-                                            <p:txEl>
-                                              <p:pRg st="7" end="7"/>
-                                            </p:txEl>
-                                          </p:spTgt>
-                                        </p:tgtEl>
-                                        <p:attrNameLst>
-                                          <p:attrName>style.visibility</p:attrName>
-                                        </p:attrNameLst>
-                                      </p:cBhvr>
-                                      <p:to>
-                                        <p:strVal val="visible"/>
-                                      </p:to>
-                                    </p:set>
-                                    <p:anim calcmode="lin" valueType="num">
-                                      <p:cBhvr>
-                                        <p:cTn id="49" dur="500" fill="hold"/>
-                                        <p:tgtEl>
-                                          <p:spTgt spid="3">
-                                            <p:txEl>
-                                              <p:pRg st="7" end="7"/>
-                                            </p:txEl>
-                                          </p:spTgt>
-                                        </p:tgtEl>
-                                        <p:attrNameLst>
-                                          <p:attrName>ppt_w</p:attrName>
-                                        </p:attrNameLst>
-                                      </p:cBhvr>
-                                      <p:tavLst>
-                                        <p:tav tm="0">
-                                          <p:val>
-                                            <p:fltVal val="0"/>
-                                          </p:val>
-                                        </p:tav>
-                                        <p:tav tm="100000">
-                                          <p:val>
-                                            <p:strVal val="#ppt_w"/>
-                                          </p:val>
-                                        </p:tav>
-                                      </p:tavLst>
-                                    </p:anim>
-                                    <p:anim calcmode="lin" valueType="num">
-                                      <p:cBhvr>
-                                        <p:cTn id="50" dur="500" fill="hold"/>
-                                        <p:tgtEl>
-                                          <p:spTgt spid="3">
-                                            <p:txEl>
-                                              <p:pRg st="7" end="7"/>
-                                            </p:txEl>
-                                          </p:spTgt>
-                                        </p:tgtEl>
-                                        <p:attrNameLst>
-                                          <p:attrName>ppt_h</p:attrName>
-                                        </p:attrNameLst>
-                                      </p:cBhvr>
-                                      <p:tavLst>
-                                        <p:tav tm="0">
-                                          <p:val>
-                                            <p:fltVal val="0"/>
-                                          </p:val>
-                                        </p:tav>
-                                        <p:tav tm="100000">
-                                          <p:val>
-                                            <p:strVal val="#ppt_h"/>
-                                          </p:val>
-                                        </p:tav>
-                                      </p:tavLst>
-                                    </p:anim>
-                                    <p:animEffect transition="in" filter="fade">
-                                      <p:cBhvr>
-                                        <p:cTn id="51" dur="500"/>
-                                        <p:tgtEl>
-                                          <p:spTgt spid="3">
-                                            <p:txEl>
-                                              <p:pRg st="7" end="7"/>
-                                            </p:txEl>
-                                          </p:spTgt>
-                                        </p:tgtEl>
-                                      </p:cBhvr>
-                                    </p:animEffect>
-                                  </p:childTnLst>
-                                </p:cTn>
-                              </p:par>
-                            </p:childTnLst>
-                          </p:cTn>
-                        </p:par>
-                      </p:childTnLst>
-                    </p:cTn>
-                  </p:par>
-                  <p:par>
-                    <p:cTn id="52" fill="hold">
-                      <p:stCondLst>
-                        <p:cond delay="indefinite"/>
-                      </p:stCondLst>
-                      <p:childTnLst>
-                        <p:par>
-                          <p:cTn id="53" fill="hold">
-                            <p:stCondLst>
-                              <p:cond delay="0"/>
-                            </p:stCondLst>
-                            <p:childTnLst>
-                              <p:par>
-                                <p:cTn id="54" presetID="53" presetClass="entr" presetSubtype="16" fill="hold" nodeType="clickEffect">
-                                  <p:stCondLst>
-                                    <p:cond delay="0"/>
-                                  </p:stCondLst>
-                                  <p:childTnLst>
-                                    <p:set>
-                                      <p:cBhvr>
-                                        <p:cTn id="55" dur="1" fill="hold">
-                                          <p:stCondLst>
-                                            <p:cond delay="0"/>
-                                          </p:stCondLst>
-                                        </p:cTn>
-                                        <p:tgtEl>
-                                          <p:spTgt spid="3">
-                                            <p:txEl>
-                                              <p:pRg st="8" end="8"/>
-                                            </p:txEl>
-                                          </p:spTgt>
-                                        </p:tgtEl>
-                                        <p:attrNameLst>
-                                          <p:attrName>style.visibility</p:attrName>
-                                        </p:attrNameLst>
-                                      </p:cBhvr>
-                                      <p:to>
-                                        <p:strVal val="visible"/>
-                                      </p:to>
-                                    </p:set>
-                                    <p:anim calcmode="lin" valueType="num">
-                                      <p:cBhvr>
-                                        <p:cTn id="56" dur="500" fill="hold"/>
-                                        <p:tgtEl>
-                                          <p:spTgt spid="3">
-                                            <p:txEl>
-                                              <p:pRg st="8" end="8"/>
-                                            </p:txEl>
-                                          </p:spTgt>
-                                        </p:tgtEl>
-                                        <p:attrNameLst>
-                                          <p:attrName>ppt_w</p:attrName>
-                                        </p:attrNameLst>
-                                      </p:cBhvr>
-                                      <p:tavLst>
-                                        <p:tav tm="0">
-                                          <p:val>
-                                            <p:fltVal val="0"/>
-                                          </p:val>
-                                        </p:tav>
-                                        <p:tav tm="100000">
-                                          <p:val>
-                                            <p:strVal val="#ppt_w"/>
-                                          </p:val>
-                                        </p:tav>
-                                      </p:tavLst>
-                                    </p:anim>
-                                    <p:anim calcmode="lin" valueType="num">
-                                      <p:cBhvr>
-                                        <p:cTn id="57" dur="500" fill="hold"/>
-                                        <p:tgtEl>
-                                          <p:spTgt spid="3">
-                                            <p:txEl>
-                                              <p:pRg st="8" end="8"/>
-                                            </p:txEl>
-                                          </p:spTgt>
-                                        </p:tgtEl>
-                                        <p:attrNameLst>
-                                          <p:attrName>ppt_h</p:attrName>
-                                        </p:attrNameLst>
-                                      </p:cBhvr>
-                                      <p:tavLst>
-                                        <p:tav tm="0">
-                                          <p:val>
-                                            <p:fltVal val="0"/>
-                                          </p:val>
-                                        </p:tav>
-                                        <p:tav tm="100000">
-                                          <p:val>
-                                            <p:strVal val="#ppt_h"/>
-                                          </p:val>
-                                        </p:tav>
-                                      </p:tavLst>
-                                    </p:anim>
-                                    <p:animEffect transition="in" filter="fade">
-                                      <p:cBhvr>
-                                        <p:cTn id="58" dur="500"/>
-                                        <p:tgtEl>
-                                          <p:spTgt spid="3">
-                                            <p:txEl>
-                                              <p:pRg st="8" end="8"/>
-                                            </p:txEl>
-                                          </p:spTgt>
-                                        </p:tgtEl>
-                                      </p:cBhvr>
-                                    </p:animEffect>
-                                  </p:childTnLst>
-                                </p:cTn>
-                              </p:par>
-                            </p:childTnLst>
-                          </p:cTn>
-                        </p:par>
-                      </p:childTnLst>
-                    </p:cTn>
-                  </p:par>
-                  <p:par>
-                    <p:cTn id="59" fill="hold">
-                      <p:stCondLst>
-                        <p:cond delay="indefinite"/>
-                      </p:stCondLst>
-                      <p:childTnLst>
-                        <p:par>
-                          <p:cTn id="60" fill="hold">
-                            <p:stCondLst>
-                              <p:cond delay="0"/>
-                            </p:stCondLst>
-                            <p:childTnLst>
-                              <p:par>
-                                <p:cTn id="61" presetID="53" presetClass="entr" presetSubtype="16" fill="hold" nodeType="clickEffect">
-                                  <p:stCondLst>
-                                    <p:cond delay="0"/>
-                                  </p:stCondLst>
-                                  <p:childTnLst>
-                                    <p:set>
-                                      <p:cBhvr>
-                                        <p:cTn id="62" dur="1" fill="hold">
-                                          <p:stCondLst>
-                                            <p:cond delay="0"/>
-                                          </p:stCondLst>
-                                        </p:cTn>
-                                        <p:tgtEl>
-                                          <p:spTgt spid="3">
-                                            <p:txEl>
-                                              <p:pRg st="9" end="9"/>
-                                            </p:txEl>
-                                          </p:spTgt>
-                                        </p:tgtEl>
-                                        <p:attrNameLst>
-                                          <p:attrName>style.visibility</p:attrName>
-                                        </p:attrNameLst>
-                                      </p:cBhvr>
-                                      <p:to>
-                                        <p:strVal val="visible"/>
-                                      </p:to>
-                                    </p:set>
-                                    <p:anim calcmode="lin" valueType="num">
-                                      <p:cBhvr>
-                                        <p:cTn id="63" dur="500" fill="hold"/>
-                                        <p:tgtEl>
-                                          <p:spTgt spid="3">
-                                            <p:txEl>
-                                              <p:pRg st="9" end="9"/>
-                                            </p:txEl>
-                                          </p:spTgt>
-                                        </p:tgtEl>
-                                        <p:attrNameLst>
-                                          <p:attrName>ppt_w</p:attrName>
-                                        </p:attrNameLst>
-                                      </p:cBhvr>
-                                      <p:tavLst>
-                                        <p:tav tm="0">
-                                          <p:val>
-                                            <p:fltVal val="0"/>
-                                          </p:val>
-                                        </p:tav>
-                                        <p:tav tm="100000">
-                                          <p:val>
-                                            <p:strVal val="#ppt_w"/>
-                                          </p:val>
-                                        </p:tav>
-                                      </p:tavLst>
-                                    </p:anim>
-                                    <p:anim calcmode="lin" valueType="num">
-                                      <p:cBhvr>
-                                        <p:cTn id="64" dur="500" fill="hold"/>
-                                        <p:tgtEl>
-                                          <p:spTgt spid="3">
-                                            <p:txEl>
-                                              <p:pRg st="9" end="9"/>
-                                            </p:txEl>
-                                          </p:spTgt>
-                                        </p:tgtEl>
-                                        <p:attrNameLst>
-                                          <p:attrName>ppt_h</p:attrName>
-                                        </p:attrNameLst>
-                                      </p:cBhvr>
-                                      <p:tavLst>
-                                        <p:tav tm="0">
-                                          <p:val>
-                                            <p:fltVal val="0"/>
-                                          </p:val>
-                                        </p:tav>
-                                        <p:tav tm="100000">
-                                          <p:val>
-                                            <p:strVal val="#ppt_h"/>
-                                          </p:val>
-                                        </p:tav>
-                                      </p:tavLst>
-                                    </p:anim>
-                                    <p:animEffect transition="in" filter="fade">
-                                      <p:cBhvr>
-                                        <p:cTn id="65" dur="500"/>
-                                        <p:tgtEl>
-                                          <p:spTgt spid="3">
-                                            <p:txEl>
-                                              <p:pRg st="9" end="9"/>
-                                            </p:txEl>
-                                          </p:spTgt>
-                                        </p:tgtEl>
-                                      </p:cBhvr>
-                                    </p:animEffect>
-                                  </p:childTnLst>
-                                </p:cTn>
-                              </p:par>
-                            </p:childTnLst>
-                          </p:cTn>
-                        </p:par>
-                      </p:childTnLst>
-                    </p:cTn>
-                  </p:par>
-                  <p:par>
-                    <p:cTn id="66" fill="hold">
-                      <p:stCondLst>
-                        <p:cond delay="indefinite"/>
-                      </p:stCondLst>
-                      <p:childTnLst>
-                        <p:par>
-                          <p:cTn id="67" fill="hold">
-                            <p:stCondLst>
-                              <p:cond delay="0"/>
-                            </p:stCondLst>
-                            <p:childTnLst>
-                              <p:par>
-                                <p:cTn id="68" presetID="53" presetClass="entr" presetSubtype="16" fill="hold" nodeType="clickEffect">
-                                  <p:stCondLst>
-                                    <p:cond delay="0"/>
-                                  </p:stCondLst>
-                                  <p:childTnLst>
-                                    <p:set>
-                                      <p:cBhvr>
-                                        <p:cTn id="69" dur="1" fill="hold">
-                                          <p:stCondLst>
-                                            <p:cond delay="0"/>
-                                          </p:stCondLst>
-                                        </p:cTn>
-                                        <p:tgtEl>
-                                          <p:spTgt spid="3">
-                                            <p:txEl>
-                                              <p:pRg st="10" end="10"/>
-                                            </p:txEl>
-                                          </p:spTgt>
-                                        </p:tgtEl>
-                                        <p:attrNameLst>
-                                          <p:attrName>style.visibility</p:attrName>
-                                        </p:attrNameLst>
-                                      </p:cBhvr>
-                                      <p:to>
-                                        <p:strVal val="visible"/>
-                                      </p:to>
-                                    </p:set>
-                                    <p:anim calcmode="lin" valueType="num">
-                                      <p:cBhvr>
-                                        <p:cTn id="70" dur="500" fill="hold"/>
-                                        <p:tgtEl>
-                                          <p:spTgt spid="3">
-                                            <p:txEl>
-                                              <p:pRg st="10" end="10"/>
-                                            </p:txEl>
-                                          </p:spTgt>
-                                        </p:tgtEl>
-                                        <p:attrNameLst>
-                                          <p:attrName>ppt_w</p:attrName>
-                                        </p:attrNameLst>
-                                      </p:cBhvr>
-                                      <p:tavLst>
-                                        <p:tav tm="0">
-                                          <p:val>
-                                            <p:fltVal val="0"/>
-                                          </p:val>
-                                        </p:tav>
-                                        <p:tav tm="100000">
-                                          <p:val>
-                                            <p:strVal val="#ppt_w"/>
-                                          </p:val>
-                                        </p:tav>
-                                      </p:tavLst>
-                                    </p:anim>
-                                    <p:anim calcmode="lin" valueType="num">
-                                      <p:cBhvr>
-                                        <p:cTn id="71" dur="500" fill="hold"/>
-                                        <p:tgtEl>
-                                          <p:spTgt spid="3">
-                                            <p:txEl>
-                                              <p:pRg st="10" end="10"/>
-                                            </p:txEl>
-                                          </p:spTgt>
-                                        </p:tgtEl>
-                                        <p:attrNameLst>
-                                          <p:attrName>ppt_h</p:attrName>
-                                        </p:attrNameLst>
-                                      </p:cBhvr>
-                                      <p:tavLst>
-                                        <p:tav tm="0">
-                                          <p:val>
-                                            <p:fltVal val="0"/>
-                                          </p:val>
-                                        </p:tav>
-                                        <p:tav tm="100000">
-                                          <p:val>
-                                            <p:strVal val="#ppt_h"/>
-                                          </p:val>
-                                        </p:tav>
-                                      </p:tavLst>
-                                    </p:anim>
-                                    <p:animEffect transition="in" filter="fade">
-                                      <p:cBhvr>
-                                        <p:cTn id="72" dur="500"/>
-                                        <p:tgtEl>
-                                          <p:spTgt spid="3">
-                                            <p:txEl>
-                                              <p:pRg st="10" end="10"/>
-                                            </p:txEl>
-                                          </p:spTgt>
-                                        </p:tgtEl>
-                                      </p:cBhvr>
-                                    </p:animEffect>
-                                  </p:childTnLst>
-                                </p:cTn>
-                              </p:par>
-                            </p:childTnLst>
-                          </p:cTn>
-                        </p:par>
-                      </p:childTnLst>
-                    </p:cTn>
-                  </p:par>
-                </p:childTnLst>
-              </p:cTn>
-              <p:prevCondLst>
-                <p:cond evt="onPrev" delay="0">
-                  <p:tgtEl>
-                    <p:sldTgt/>
-                  </p:tgtEl>
-                </p:cond>
-              </p:prevCondLst>
-              <p:nextCondLst>
-                <p:cond evt="onNext" delay="0">
-                  <p:tgtEl>
-                    <p:sldTgt/>
-                  </p:tgtEl>
-                </p:cond>
-              </p:nextCondLst>
-            </p:seq>
-          </p:childTnLst>
-        </p:cTn>
-      </p:par>
-    </p:tnLst>
-  </p:timing>
 </p:sld>
 </file>
 
@@ -11532,10 +6720,9 @@
           <a:p>
             <a:pPr algn="l"/>
             <a:r>
-              <a:rPr lang="de-CH" dirty="0" smtClean="0"/>
+              <a:rPr lang="de-CH" dirty="0"/>
               <a:t>REALISIERUNG</a:t>
             </a:r>
-            <a:endParaRPr lang="de-CH" dirty="0"/>
           </a:p>
         </p:txBody>
       </p:sp>
@@ -11557,10 +6744,9 @@
           <a:lstStyle/>
           <a:p>
             <a:r>
-              <a:rPr lang="de-CH" dirty="0" smtClean="0"/>
+              <a:rPr lang="de-CH" dirty="0"/>
               <a:t>Probleme</a:t>
             </a:r>
-            <a:endParaRPr lang="de-CH" dirty="0"/>
           </a:p>
           <a:p>
             <a:pPr lvl="1">
@@ -11568,7 +6754,7 @@
               <a:buChar char="§"/>
             </a:pPr>
             <a:r>
-              <a:rPr lang="de-CH" dirty="0" smtClean="0"/>
+              <a:rPr lang="de-CH" dirty="0"/>
               <a:t>Langsame Entwicklung (Android SDK – Emulator)</a:t>
             </a:r>
           </a:p>
@@ -11578,15 +6764,15 @@
               <a:buChar char="§"/>
             </a:pPr>
             <a:r>
-              <a:rPr lang="de-CH" dirty="0" smtClean="0"/>
+              <a:rPr lang="de-CH" dirty="0"/>
               <a:t>Mangelhafte Dokumentation </a:t>
             </a:r>
             <a:r>
-              <a:rPr lang="de-CH" dirty="0" err="1" smtClean="0"/>
+              <a:rPr lang="de-CH" dirty="0" err="1"/>
               <a:t>Nativescript</a:t>
             </a:r>
             <a:r>
-              <a:rPr lang="de-CH" dirty="0" smtClean="0"/>
+              <a:rPr lang="de-CH" dirty="0"/>
               <a:t> &amp; Angular 2</a:t>
             </a:r>
           </a:p>
@@ -11596,19 +6782,19 @@
               <a:buChar char="§"/>
             </a:pPr>
             <a:r>
-              <a:rPr lang="de-CH" dirty="0" err="1" smtClean="0"/>
+              <a:rPr lang="de-CH" dirty="0" err="1"/>
               <a:t>Nativescript</a:t>
             </a:r>
             <a:r>
-              <a:rPr lang="de-CH" dirty="0" smtClean="0"/>
+              <a:rPr lang="de-CH" dirty="0"/>
               <a:t> </a:t>
             </a:r>
             <a:r>
-              <a:rPr lang="de-CH" dirty="0" err="1" smtClean="0"/>
+              <a:rPr lang="de-CH" dirty="0" err="1"/>
               <a:t>Plugins</a:t>
             </a:r>
             <a:r>
-              <a:rPr lang="de-CH" dirty="0" smtClean="0"/>
+              <a:rPr lang="de-CH" dirty="0"/>
               <a:t> - Kompatibilität mit Angular </a:t>
             </a:r>
           </a:p>
@@ -11618,7 +6804,7 @@
               <a:buChar char="§"/>
             </a:pPr>
             <a:r>
-              <a:rPr lang="de-CH" dirty="0" smtClean="0"/>
+              <a:rPr lang="de-CH" dirty="0"/>
               <a:t>Abhängigkeiten</a:t>
             </a:r>
           </a:p>
@@ -11628,7 +6814,7 @@
               <a:buChar char="§"/>
             </a:pPr>
             <a:r>
-              <a:rPr lang="de-CH" dirty="0" smtClean="0"/>
+              <a:rPr lang="de-CH" dirty="0"/>
               <a:t>Einschränkungen – Unit Tests, CSS</a:t>
             </a:r>
           </a:p>
@@ -11637,31 +6823,30 @@
               <a:buFont typeface="Wingdings" pitchFamily="2" charset="2"/>
               <a:buChar char="§"/>
             </a:pPr>
-            <a:endParaRPr lang="de-CH" dirty="0" smtClean="0"/>
+            <a:endParaRPr lang="de-CH" dirty="0"/>
           </a:p>
           <a:p>
             <a:pPr marL="914400" lvl="2" indent="0">
               <a:buNone/>
             </a:pPr>
             <a:r>
-              <a:rPr lang="de-CH" dirty="0" smtClean="0"/>
+              <a:rPr lang="de-CH" dirty="0"/>
               <a:t>			</a:t>
             </a:r>
-            <a:endParaRPr lang="de-CH" dirty="0" smtClean="0"/>
           </a:p>
           <a:p>
             <a:pPr lvl="1">
               <a:buFont typeface="Wingdings" pitchFamily="2" charset="2"/>
               <a:buChar char="§"/>
             </a:pPr>
-            <a:endParaRPr lang="de-CH" dirty="0" smtClean="0"/>
+            <a:endParaRPr lang="de-CH" dirty="0"/>
           </a:p>
           <a:p>
             <a:pPr lvl="2">
               <a:buFont typeface="Wingdings" pitchFamily="2" charset="2"/>
               <a:buChar char="§"/>
             </a:pPr>
-            <a:endParaRPr lang="de-CH" dirty="0" smtClean="0"/>
+            <a:endParaRPr lang="de-CH" dirty="0"/>
           </a:p>
         </p:txBody>
       </p:sp>
@@ -11681,10 +6866,9 @@
           <a:lstStyle/>
           <a:p>
             <a:r>
-              <a:rPr lang="de-CH" dirty="0" smtClean="0"/>
+              <a:rPr lang="de-CH" dirty="0"/>
               <a:t>30.03.2017</a:t>
             </a:r>
-            <a:endParaRPr lang="de-CH" dirty="0"/>
           </a:p>
         </p:txBody>
       </p:sp>
@@ -11733,26 +6917,21 @@
           <a:lstStyle/>
           <a:p>
             <a:r>
-              <a:rPr lang="de-CH" dirty="0" err="1" smtClean="0"/>
+              <a:rPr lang="de-CH" dirty="0" err="1"/>
               <a:t>hannes</a:t>
             </a:r>
             <a:r>
-              <a:rPr lang="de-CH" dirty="0" smtClean="0"/>
+              <a:rPr lang="de-CH" dirty="0"/>
               <a:t> anderes &amp; </a:t>
             </a:r>
             <a:r>
-              <a:rPr lang="de-CH" dirty="0" err="1" smtClean="0"/>
+              <a:rPr lang="de-CH" dirty="0" err="1"/>
               <a:t>michael</a:t>
             </a:r>
             <a:r>
-              <a:rPr lang="de-CH" dirty="0" smtClean="0"/>
-              <a:t> </a:t>
-            </a:r>
-            <a:r>
-              <a:rPr lang="de-CH" dirty="0" smtClean="0"/>
-              <a:t>märki</a:t>
-            </a:r>
-            <a:endParaRPr lang="de-CH" dirty="0"/>
+              <a:rPr lang="de-CH" dirty="0"/>
+              <a:t> märki</a:t>
+            </a:r>
           </a:p>
         </p:txBody>
       </p:sp>
@@ -11788,25 +6967,8 @@
                   </a:schemeClr>
                 </a:solidFill>
               </a:rPr>
-              <a:t>CAS FEE – Projekt </a:t>
-            </a:r>
-            <a:r>
-              <a:rPr lang="de-CH" sz="1200" dirty="0" smtClean="0">
-                <a:solidFill>
-                  <a:schemeClr val="tx1">
-                    <a:tint val="75000"/>
-                  </a:schemeClr>
-                </a:solidFill>
-              </a:rPr>
-              <a:t>2</a:t>
-            </a:r>
-            <a:endParaRPr lang="de-CH" sz="1200" dirty="0">
-              <a:solidFill>
-                <a:schemeClr val="tx1">
-                  <a:tint val="75000"/>
-                </a:schemeClr>
-              </a:solidFill>
-            </a:endParaRPr>
+              <a:t>CAS FEE – Projekt 2</a:t>
+            </a:r>
           </a:p>
         </p:txBody>
       </p:sp>
@@ -11847,7 +7009,7 @@
             <a:lstStyle/>
             <a:p>
               <a:r>
-                <a:rPr lang="de-CH" sz="1200" dirty="0" smtClean="0">
+                <a:rPr lang="de-CH" sz="1200" dirty="0">
                   <a:solidFill>
                     <a:schemeClr val="tx1">
                       <a:lumMod val="50000"/>
@@ -11856,13 +7018,6 @@
                 </a:rPr>
                 <a:t>ÜBERBLICK</a:t>
               </a:r>
-              <a:endParaRPr lang="de-CH" sz="1200" dirty="0">
-                <a:solidFill>
-                  <a:schemeClr val="tx1">
-                    <a:lumMod val="50000"/>
-                  </a:schemeClr>
-                </a:solidFill>
-              </a:endParaRPr>
             </a:p>
           </p:txBody>
         </p:sp>
@@ -11889,11 +7044,11 @@
             <a:lstStyle/>
             <a:p>
               <a:r>
-                <a:rPr lang="de-CH" sz="1200" dirty="0" smtClean="0"/>
+                <a:rPr lang="de-CH" sz="1200" dirty="0"/>
                 <a:t>-   </a:t>
               </a:r>
               <a:r>
-                <a:rPr lang="de-CH" sz="1200" dirty="0" smtClean="0">
+                <a:rPr lang="de-CH" sz="1200" dirty="0">
                   <a:solidFill>
                     <a:schemeClr val="tx1">
                       <a:lumMod val="50000"/>
@@ -11902,13 +7057,6 @@
                 </a:rPr>
                 <a:t>AUSGANGSLAGE</a:t>
               </a:r>
-              <a:endParaRPr lang="de-CH" sz="1200" dirty="0">
-                <a:solidFill>
-                  <a:schemeClr val="tx1">
-                    <a:lumMod val="50000"/>
-                  </a:schemeClr>
-                </a:solidFill>
-              </a:endParaRPr>
             </a:p>
           </p:txBody>
         </p:sp>
@@ -11935,22 +7083,17 @@
             <a:lstStyle/>
             <a:p>
               <a:r>
-                <a:rPr lang="de-CH" sz="1200" dirty="0" smtClean="0"/>
+                <a:rPr lang="de-CH" sz="1200" dirty="0"/>
                 <a:t>-   </a:t>
               </a:r>
               <a:r>
-                <a:rPr lang="de-CH" sz="1200" dirty="0" smtClean="0">
+                <a:rPr lang="de-CH" sz="1200" dirty="0">
                   <a:solidFill>
                     <a:schemeClr val="accent6"/>
                   </a:solidFill>
                 </a:rPr>
                 <a:t>REALISIERUNG</a:t>
               </a:r>
-              <a:endParaRPr lang="de-CH" sz="1200" dirty="0">
-                <a:solidFill>
-                  <a:schemeClr val="accent6"/>
-                </a:solidFill>
-              </a:endParaRPr>
             </a:p>
           </p:txBody>
         </p:sp>
@@ -11977,10 +7120,9 @@
             <a:lstStyle/>
             <a:p>
               <a:r>
-                <a:rPr lang="de-CH" sz="1200" dirty="0" smtClean="0"/>
+                <a:rPr lang="de-CH" sz="1200" dirty="0"/>
                 <a:t>-   DEMO</a:t>
               </a:r>
-              <a:endParaRPr lang="de-CH" sz="1200" dirty="0"/>
             </a:p>
           </p:txBody>
         </p:sp>
@@ -12007,10 +7149,9 @@
             <a:lstStyle/>
             <a:p>
               <a:r>
-                <a:rPr lang="de-CH" sz="1200" dirty="0" smtClean="0"/>
+                <a:rPr lang="de-CH" sz="1200" dirty="0"/>
                 <a:t>-   FAZIT</a:t>
               </a:r>
-              <a:endParaRPr lang="de-CH" sz="1200" dirty="0"/>
             </a:p>
           </p:txBody>
         </p:sp>
@@ -12037,10 +7178,9 @@
             <a:lstStyle/>
             <a:p>
               <a:r>
-                <a:rPr lang="de-CH" sz="1200" dirty="0" smtClean="0"/>
+                <a:rPr lang="de-CH" sz="1200" dirty="0"/>
                 <a:t>-   FRAGEN</a:t>
               </a:r>
-              <a:endParaRPr lang="de-CH" sz="1200" dirty="0"/>
             </a:p>
           </p:txBody>
         </p:sp>
@@ -12132,7 +7272,7 @@
                                         <p:tgtEl>
                                           <p:spTgt spid="3">
                                             <p:txEl>
-                                              <p:pRg st="0" end="0"/>
+                                              <p:pRg st="7" end="7"/>
                                             </p:txEl>
                                           </p:spTgt>
                                         </p:tgtEl>
@@ -12150,7 +7290,7 @@
                                         <p:tgtEl>
                                           <p:spTgt spid="3">
                                             <p:txEl>
-                                              <p:pRg st="0" end="0"/>
+                                              <p:pRg st="7" end="7"/>
                                             </p:txEl>
                                           </p:spTgt>
                                         </p:tgtEl>
@@ -12177,7 +7317,7 @@
                                         <p:tgtEl>
                                           <p:spTgt spid="3">
                                             <p:txEl>
-                                              <p:pRg st="0" end="0"/>
+                                              <p:pRg st="7" end="7"/>
                                             </p:txEl>
                                           </p:spTgt>
                                         </p:tgtEl>
@@ -12201,696 +7341,6 @@
                                     <p:animEffect transition="in" filter="fade">
                                       <p:cBhvr>
                                         <p:cTn id="9" dur="500"/>
-                                        <p:tgtEl>
-                                          <p:spTgt spid="3">
-                                            <p:txEl>
-                                              <p:pRg st="0" end="0"/>
-                                            </p:txEl>
-                                          </p:spTgt>
-                                        </p:tgtEl>
-                                      </p:cBhvr>
-                                    </p:animEffect>
-                                  </p:childTnLst>
-                                </p:cTn>
-                              </p:par>
-                            </p:childTnLst>
-                          </p:cTn>
-                        </p:par>
-                      </p:childTnLst>
-                    </p:cTn>
-                  </p:par>
-                  <p:par>
-                    <p:cTn id="10" fill="hold">
-                      <p:stCondLst>
-                        <p:cond delay="indefinite"/>
-                      </p:stCondLst>
-                      <p:childTnLst>
-                        <p:par>
-                          <p:cTn id="11" fill="hold">
-                            <p:stCondLst>
-                              <p:cond delay="0"/>
-                            </p:stCondLst>
-                            <p:childTnLst>
-                              <p:par>
-                                <p:cTn id="12" presetID="53" presetClass="entr" presetSubtype="16" fill="hold" nodeType="clickEffect">
-                                  <p:stCondLst>
-                                    <p:cond delay="0"/>
-                                  </p:stCondLst>
-                                  <p:childTnLst>
-                                    <p:set>
-                                      <p:cBhvr>
-                                        <p:cTn id="13" dur="1" fill="hold">
-                                          <p:stCondLst>
-                                            <p:cond delay="0"/>
-                                          </p:stCondLst>
-                                        </p:cTn>
-                                        <p:tgtEl>
-                                          <p:spTgt spid="3">
-                                            <p:txEl>
-                                              <p:pRg st="1" end="1"/>
-                                            </p:txEl>
-                                          </p:spTgt>
-                                        </p:tgtEl>
-                                        <p:attrNameLst>
-                                          <p:attrName>style.visibility</p:attrName>
-                                        </p:attrNameLst>
-                                      </p:cBhvr>
-                                      <p:to>
-                                        <p:strVal val="visible"/>
-                                      </p:to>
-                                    </p:set>
-                                    <p:anim calcmode="lin" valueType="num">
-                                      <p:cBhvr>
-                                        <p:cTn id="14" dur="500" fill="hold"/>
-                                        <p:tgtEl>
-                                          <p:spTgt spid="3">
-                                            <p:txEl>
-                                              <p:pRg st="1" end="1"/>
-                                            </p:txEl>
-                                          </p:spTgt>
-                                        </p:tgtEl>
-                                        <p:attrNameLst>
-                                          <p:attrName>ppt_w</p:attrName>
-                                        </p:attrNameLst>
-                                      </p:cBhvr>
-                                      <p:tavLst>
-                                        <p:tav tm="0">
-                                          <p:val>
-                                            <p:fltVal val="0"/>
-                                          </p:val>
-                                        </p:tav>
-                                        <p:tav tm="100000">
-                                          <p:val>
-                                            <p:strVal val="#ppt_w"/>
-                                          </p:val>
-                                        </p:tav>
-                                      </p:tavLst>
-                                    </p:anim>
-                                    <p:anim calcmode="lin" valueType="num">
-                                      <p:cBhvr>
-                                        <p:cTn id="15" dur="500" fill="hold"/>
-                                        <p:tgtEl>
-                                          <p:spTgt spid="3">
-                                            <p:txEl>
-                                              <p:pRg st="1" end="1"/>
-                                            </p:txEl>
-                                          </p:spTgt>
-                                        </p:tgtEl>
-                                        <p:attrNameLst>
-                                          <p:attrName>ppt_h</p:attrName>
-                                        </p:attrNameLst>
-                                      </p:cBhvr>
-                                      <p:tavLst>
-                                        <p:tav tm="0">
-                                          <p:val>
-                                            <p:fltVal val="0"/>
-                                          </p:val>
-                                        </p:tav>
-                                        <p:tav tm="100000">
-                                          <p:val>
-                                            <p:strVal val="#ppt_h"/>
-                                          </p:val>
-                                        </p:tav>
-                                      </p:tavLst>
-                                    </p:anim>
-                                    <p:animEffect transition="in" filter="fade">
-                                      <p:cBhvr>
-                                        <p:cTn id="16" dur="500"/>
-                                        <p:tgtEl>
-                                          <p:spTgt spid="3">
-                                            <p:txEl>
-                                              <p:pRg st="1" end="1"/>
-                                            </p:txEl>
-                                          </p:spTgt>
-                                        </p:tgtEl>
-                                      </p:cBhvr>
-                                    </p:animEffect>
-                                  </p:childTnLst>
-                                </p:cTn>
-                              </p:par>
-                            </p:childTnLst>
-                          </p:cTn>
-                        </p:par>
-                      </p:childTnLst>
-                    </p:cTn>
-                  </p:par>
-                  <p:par>
-                    <p:cTn id="17" fill="hold">
-                      <p:stCondLst>
-                        <p:cond delay="indefinite"/>
-                      </p:stCondLst>
-                      <p:childTnLst>
-                        <p:par>
-                          <p:cTn id="18" fill="hold">
-                            <p:stCondLst>
-                              <p:cond delay="0"/>
-                            </p:stCondLst>
-                            <p:childTnLst>
-                              <p:par>
-                                <p:cTn id="19" presetID="53" presetClass="entr" presetSubtype="16" fill="hold" nodeType="clickEffect">
-                                  <p:stCondLst>
-                                    <p:cond delay="0"/>
-                                  </p:stCondLst>
-                                  <p:childTnLst>
-                                    <p:set>
-                                      <p:cBhvr>
-                                        <p:cTn id="20" dur="1" fill="hold">
-                                          <p:stCondLst>
-                                            <p:cond delay="0"/>
-                                          </p:stCondLst>
-                                        </p:cTn>
-                                        <p:tgtEl>
-                                          <p:spTgt spid="3">
-                                            <p:txEl>
-                                              <p:pRg st="2" end="2"/>
-                                            </p:txEl>
-                                          </p:spTgt>
-                                        </p:tgtEl>
-                                        <p:attrNameLst>
-                                          <p:attrName>style.visibility</p:attrName>
-                                        </p:attrNameLst>
-                                      </p:cBhvr>
-                                      <p:to>
-                                        <p:strVal val="visible"/>
-                                      </p:to>
-                                    </p:set>
-                                    <p:anim calcmode="lin" valueType="num">
-                                      <p:cBhvr>
-                                        <p:cTn id="21" dur="500" fill="hold"/>
-                                        <p:tgtEl>
-                                          <p:spTgt spid="3">
-                                            <p:txEl>
-                                              <p:pRg st="2" end="2"/>
-                                            </p:txEl>
-                                          </p:spTgt>
-                                        </p:tgtEl>
-                                        <p:attrNameLst>
-                                          <p:attrName>ppt_w</p:attrName>
-                                        </p:attrNameLst>
-                                      </p:cBhvr>
-                                      <p:tavLst>
-                                        <p:tav tm="0">
-                                          <p:val>
-                                            <p:fltVal val="0"/>
-                                          </p:val>
-                                        </p:tav>
-                                        <p:tav tm="100000">
-                                          <p:val>
-                                            <p:strVal val="#ppt_w"/>
-                                          </p:val>
-                                        </p:tav>
-                                      </p:tavLst>
-                                    </p:anim>
-                                    <p:anim calcmode="lin" valueType="num">
-                                      <p:cBhvr>
-                                        <p:cTn id="22" dur="500" fill="hold"/>
-                                        <p:tgtEl>
-                                          <p:spTgt spid="3">
-                                            <p:txEl>
-                                              <p:pRg st="2" end="2"/>
-                                            </p:txEl>
-                                          </p:spTgt>
-                                        </p:tgtEl>
-                                        <p:attrNameLst>
-                                          <p:attrName>ppt_h</p:attrName>
-                                        </p:attrNameLst>
-                                      </p:cBhvr>
-                                      <p:tavLst>
-                                        <p:tav tm="0">
-                                          <p:val>
-                                            <p:fltVal val="0"/>
-                                          </p:val>
-                                        </p:tav>
-                                        <p:tav tm="100000">
-                                          <p:val>
-                                            <p:strVal val="#ppt_h"/>
-                                          </p:val>
-                                        </p:tav>
-                                      </p:tavLst>
-                                    </p:anim>
-                                    <p:animEffect transition="in" filter="fade">
-                                      <p:cBhvr>
-                                        <p:cTn id="23" dur="500"/>
-                                        <p:tgtEl>
-                                          <p:spTgt spid="3">
-                                            <p:txEl>
-                                              <p:pRg st="2" end="2"/>
-                                            </p:txEl>
-                                          </p:spTgt>
-                                        </p:tgtEl>
-                                      </p:cBhvr>
-                                    </p:animEffect>
-                                  </p:childTnLst>
-                                </p:cTn>
-                              </p:par>
-                            </p:childTnLst>
-                          </p:cTn>
-                        </p:par>
-                      </p:childTnLst>
-                    </p:cTn>
-                  </p:par>
-                  <p:par>
-                    <p:cTn id="24" fill="hold">
-                      <p:stCondLst>
-                        <p:cond delay="indefinite"/>
-                      </p:stCondLst>
-                      <p:childTnLst>
-                        <p:par>
-                          <p:cTn id="25" fill="hold">
-                            <p:stCondLst>
-                              <p:cond delay="0"/>
-                            </p:stCondLst>
-                            <p:childTnLst>
-                              <p:par>
-                                <p:cTn id="26" presetID="53" presetClass="entr" presetSubtype="16" fill="hold" nodeType="clickEffect">
-                                  <p:stCondLst>
-                                    <p:cond delay="0"/>
-                                  </p:stCondLst>
-                                  <p:childTnLst>
-                                    <p:set>
-                                      <p:cBhvr>
-                                        <p:cTn id="27" dur="1" fill="hold">
-                                          <p:stCondLst>
-                                            <p:cond delay="0"/>
-                                          </p:stCondLst>
-                                        </p:cTn>
-                                        <p:tgtEl>
-                                          <p:spTgt spid="3">
-                                            <p:txEl>
-                                              <p:pRg st="3" end="3"/>
-                                            </p:txEl>
-                                          </p:spTgt>
-                                        </p:tgtEl>
-                                        <p:attrNameLst>
-                                          <p:attrName>style.visibility</p:attrName>
-                                        </p:attrNameLst>
-                                      </p:cBhvr>
-                                      <p:to>
-                                        <p:strVal val="visible"/>
-                                      </p:to>
-                                    </p:set>
-                                    <p:anim calcmode="lin" valueType="num">
-                                      <p:cBhvr>
-                                        <p:cTn id="28" dur="500" fill="hold"/>
-                                        <p:tgtEl>
-                                          <p:spTgt spid="3">
-                                            <p:txEl>
-                                              <p:pRg st="3" end="3"/>
-                                            </p:txEl>
-                                          </p:spTgt>
-                                        </p:tgtEl>
-                                        <p:attrNameLst>
-                                          <p:attrName>ppt_w</p:attrName>
-                                        </p:attrNameLst>
-                                      </p:cBhvr>
-                                      <p:tavLst>
-                                        <p:tav tm="0">
-                                          <p:val>
-                                            <p:fltVal val="0"/>
-                                          </p:val>
-                                        </p:tav>
-                                        <p:tav tm="100000">
-                                          <p:val>
-                                            <p:strVal val="#ppt_w"/>
-                                          </p:val>
-                                        </p:tav>
-                                      </p:tavLst>
-                                    </p:anim>
-                                    <p:anim calcmode="lin" valueType="num">
-                                      <p:cBhvr>
-                                        <p:cTn id="29" dur="500" fill="hold"/>
-                                        <p:tgtEl>
-                                          <p:spTgt spid="3">
-                                            <p:txEl>
-                                              <p:pRg st="3" end="3"/>
-                                            </p:txEl>
-                                          </p:spTgt>
-                                        </p:tgtEl>
-                                        <p:attrNameLst>
-                                          <p:attrName>ppt_h</p:attrName>
-                                        </p:attrNameLst>
-                                      </p:cBhvr>
-                                      <p:tavLst>
-                                        <p:tav tm="0">
-                                          <p:val>
-                                            <p:fltVal val="0"/>
-                                          </p:val>
-                                        </p:tav>
-                                        <p:tav tm="100000">
-                                          <p:val>
-                                            <p:strVal val="#ppt_h"/>
-                                          </p:val>
-                                        </p:tav>
-                                      </p:tavLst>
-                                    </p:anim>
-                                    <p:animEffect transition="in" filter="fade">
-                                      <p:cBhvr>
-                                        <p:cTn id="30" dur="500"/>
-                                        <p:tgtEl>
-                                          <p:spTgt spid="3">
-                                            <p:txEl>
-                                              <p:pRg st="3" end="3"/>
-                                            </p:txEl>
-                                          </p:spTgt>
-                                        </p:tgtEl>
-                                      </p:cBhvr>
-                                    </p:animEffect>
-                                  </p:childTnLst>
-                                </p:cTn>
-                              </p:par>
-                            </p:childTnLst>
-                          </p:cTn>
-                        </p:par>
-                      </p:childTnLst>
-                    </p:cTn>
-                  </p:par>
-                  <p:par>
-                    <p:cTn id="31" fill="hold">
-                      <p:stCondLst>
-                        <p:cond delay="indefinite"/>
-                      </p:stCondLst>
-                      <p:childTnLst>
-                        <p:par>
-                          <p:cTn id="32" fill="hold">
-                            <p:stCondLst>
-                              <p:cond delay="0"/>
-                            </p:stCondLst>
-                            <p:childTnLst>
-                              <p:par>
-                                <p:cTn id="33" presetID="53" presetClass="entr" presetSubtype="16" fill="hold" nodeType="clickEffect">
-                                  <p:stCondLst>
-                                    <p:cond delay="0"/>
-                                  </p:stCondLst>
-                                  <p:childTnLst>
-                                    <p:set>
-                                      <p:cBhvr>
-                                        <p:cTn id="34" dur="1" fill="hold">
-                                          <p:stCondLst>
-                                            <p:cond delay="0"/>
-                                          </p:stCondLst>
-                                        </p:cTn>
-                                        <p:tgtEl>
-                                          <p:spTgt spid="3">
-                                            <p:txEl>
-                                              <p:pRg st="4" end="4"/>
-                                            </p:txEl>
-                                          </p:spTgt>
-                                        </p:tgtEl>
-                                        <p:attrNameLst>
-                                          <p:attrName>style.visibility</p:attrName>
-                                        </p:attrNameLst>
-                                      </p:cBhvr>
-                                      <p:to>
-                                        <p:strVal val="visible"/>
-                                      </p:to>
-                                    </p:set>
-                                    <p:anim calcmode="lin" valueType="num">
-                                      <p:cBhvr>
-                                        <p:cTn id="35" dur="500" fill="hold"/>
-                                        <p:tgtEl>
-                                          <p:spTgt spid="3">
-                                            <p:txEl>
-                                              <p:pRg st="4" end="4"/>
-                                            </p:txEl>
-                                          </p:spTgt>
-                                        </p:tgtEl>
-                                        <p:attrNameLst>
-                                          <p:attrName>ppt_w</p:attrName>
-                                        </p:attrNameLst>
-                                      </p:cBhvr>
-                                      <p:tavLst>
-                                        <p:tav tm="0">
-                                          <p:val>
-                                            <p:fltVal val="0"/>
-                                          </p:val>
-                                        </p:tav>
-                                        <p:tav tm="100000">
-                                          <p:val>
-                                            <p:strVal val="#ppt_w"/>
-                                          </p:val>
-                                        </p:tav>
-                                      </p:tavLst>
-                                    </p:anim>
-                                    <p:anim calcmode="lin" valueType="num">
-                                      <p:cBhvr>
-                                        <p:cTn id="36" dur="500" fill="hold"/>
-                                        <p:tgtEl>
-                                          <p:spTgt spid="3">
-                                            <p:txEl>
-                                              <p:pRg st="4" end="4"/>
-                                            </p:txEl>
-                                          </p:spTgt>
-                                        </p:tgtEl>
-                                        <p:attrNameLst>
-                                          <p:attrName>ppt_h</p:attrName>
-                                        </p:attrNameLst>
-                                      </p:cBhvr>
-                                      <p:tavLst>
-                                        <p:tav tm="0">
-                                          <p:val>
-                                            <p:fltVal val="0"/>
-                                          </p:val>
-                                        </p:tav>
-                                        <p:tav tm="100000">
-                                          <p:val>
-                                            <p:strVal val="#ppt_h"/>
-                                          </p:val>
-                                        </p:tav>
-                                      </p:tavLst>
-                                    </p:anim>
-                                    <p:animEffect transition="in" filter="fade">
-                                      <p:cBhvr>
-                                        <p:cTn id="37" dur="500"/>
-                                        <p:tgtEl>
-                                          <p:spTgt spid="3">
-                                            <p:txEl>
-                                              <p:pRg st="4" end="4"/>
-                                            </p:txEl>
-                                          </p:spTgt>
-                                        </p:tgtEl>
-                                      </p:cBhvr>
-                                    </p:animEffect>
-                                  </p:childTnLst>
-                                </p:cTn>
-                              </p:par>
-                            </p:childTnLst>
-                          </p:cTn>
-                        </p:par>
-                      </p:childTnLst>
-                    </p:cTn>
-                  </p:par>
-                  <p:par>
-                    <p:cTn id="38" fill="hold">
-                      <p:stCondLst>
-                        <p:cond delay="indefinite"/>
-                      </p:stCondLst>
-                      <p:childTnLst>
-                        <p:par>
-                          <p:cTn id="39" fill="hold">
-                            <p:stCondLst>
-                              <p:cond delay="0"/>
-                            </p:stCondLst>
-                            <p:childTnLst>
-                              <p:par>
-                                <p:cTn id="40" presetID="53" presetClass="entr" presetSubtype="16" fill="hold" nodeType="clickEffect">
-                                  <p:stCondLst>
-                                    <p:cond delay="0"/>
-                                  </p:stCondLst>
-                                  <p:childTnLst>
-                                    <p:set>
-                                      <p:cBhvr>
-                                        <p:cTn id="41" dur="1" fill="hold">
-                                          <p:stCondLst>
-                                            <p:cond delay="0"/>
-                                          </p:stCondLst>
-                                        </p:cTn>
-                                        <p:tgtEl>
-                                          <p:spTgt spid="3">
-                                            <p:txEl>
-                                              <p:pRg st="5" end="5"/>
-                                            </p:txEl>
-                                          </p:spTgt>
-                                        </p:tgtEl>
-                                        <p:attrNameLst>
-                                          <p:attrName>style.visibility</p:attrName>
-                                        </p:attrNameLst>
-                                      </p:cBhvr>
-                                      <p:to>
-                                        <p:strVal val="visible"/>
-                                      </p:to>
-                                    </p:set>
-                                    <p:anim calcmode="lin" valueType="num">
-                                      <p:cBhvr>
-                                        <p:cTn id="42" dur="500" fill="hold"/>
-                                        <p:tgtEl>
-                                          <p:spTgt spid="3">
-                                            <p:txEl>
-                                              <p:pRg st="5" end="5"/>
-                                            </p:txEl>
-                                          </p:spTgt>
-                                        </p:tgtEl>
-                                        <p:attrNameLst>
-                                          <p:attrName>ppt_w</p:attrName>
-                                        </p:attrNameLst>
-                                      </p:cBhvr>
-                                      <p:tavLst>
-                                        <p:tav tm="0">
-                                          <p:val>
-                                            <p:fltVal val="0"/>
-                                          </p:val>
-                                        </p:tav>
-                                        <p:tav tm="100000">
-                                          <p:val>
-                                            <p:strVal val="#ppt_w"/>
-                                          </p:val>
-                                        </p:tav>
-                                      </p:tavLst>
-                                    </p:anim>
-                                    <p:anim calcmode="lin" valueType="num">
-                                      <p:cBhvr>
-                                        <p:cTn id="43" dur="500" fill="hold"/>
-                                        <p:tgtEl>
-                                          <p:spTgt spid="3">
-                                            <p:txEl>
-                                              <p:pRg st="5" end="5"/>
-                                            </p:txEl>
-                                          </p:spTgt>
-                                        </p:tgtEl>
-                                        <p:attrNameLst>
-                                          <p:attrName>ppt_h</p:attrName>
-                                        </p:attrNameLst>
-                                      </p:cBhvr>
-                                      <p:tavLst>
-                                        <p:tav tm="0">
-                                          <p:val>
-                                            <p:fltVal val="0"/>
-                                          </p:val>
-                                        </p:tav>
-                                        <p:tav tm="100000">
-                                          <p:val>
-                                            <p:strVal val="#ppt_h"/>
-                                          </p:val>
-                                        </p:tav>
-                                      </p:tavLst>
-                                    </p:anim>
-                                    <p:animEffect transition="in" filter="fade">
-                                      <p:cBhvr>
-                                        <p:cTn id="44" dur="500"/>
-                                        <p:tgtEl>
-                                          <p:spTgt spid="3">
-                                            <p:txEl>
-                                              <p:pRg st="5" end="5"/>
-                                            </p:txEl>
-                                          </p:spTgt>
-                                        </p:tgtEl>
-                                      </p:cBhvr>
-                                    </p:animEffect>
-                                  </p:childTnLst>
-                                </p:cTn>
-                              </p:par>
-                            </p:childTnLst>
-                          </p:cTn>
-                        </p:par>
-                      </p:childTnLst>
-                    </p:cTn>
-                  </p:par>
-                  <p:par>
-                    <p:cTn id="45" fill="hold">
-                      <p:stCondLst>
-                        <p:cond delay="indefinite"/>
-                      </p:stCondLst>
-                      <p:childTnLst>
-                        <p:par>
-                          <p:cTn id="46" fill="hold">
-                            <p:stCondLst>
-                              <p:cond delay="0"/>
-                            </p:stCondLst>
-                            <p:childTnLst>
-                              <p:par>
-                                <p:cTn id="47" presetID="53" presetClass="entr" presetSubtype="16" fill="hold" nodeType="clickEffect">
-                                  <p:stCondLst>
-                                    <p:cond delay="0"/>
-                                  </p:stCondLst>
-                                  <p:childTnLst>
-                                    <p:set>
-                                      <p:cBhvr>
-                                        <p:cTn id="48" dur="1" fill="hold">
-                                          <p:stCondLst>
-                                            <p:cond delay="0"/>
-                                          </p:stCondLst>
-                                        </p:cTn>
-                                        <p:tgtEl>
-                                          <p:spTgt spid="3">
-                                            <p:txEl>
-                                              <p:pRg st="7" end="7"/>
-                                            </p:txEl>
-                                          </p:spTgt>
-                                        </p:tgtEl>
-                                        <p:attrNameLst>
-                                          <p:attrName>style.visibility</p:attrName>
-                                        </p:attrNameLst>
-                                      </p:cBhvr>
-                                      <p:to>
-                                        <p:strVal val="visible"/>
-                                      </p:to>
-                                    </p:set>
-                                    <p:anim calcmode="lin" valueType="num">
-                                      <p:cBhvr>
-                                        <p:cTn id="49" dur="500" fill="hold"/>
-                                        <p:tgtEl>
-                                          <p:spTgt spid="3">
-                                            <p:txEl>
-                                              <p:pRg st="7" end="7"/>
-                                            </p:txEl>
-                                          </p:spTgt>
-                                        </p:tgtEl>
-                                        <p:attrNameLst>
-                                          <p:attrName>ppt_w</p:attrName>
-                                        </p:attrNameLst>
-                                      </p:cBhvr>
-                                      <p:tavLst>
-                                        <p:tav tm="0">
-                                          <p:val>
-                                            <p:fltVal val="0"/>
-                                          </p:val>
-                                        </p:tav>
-                                        <p:tav tm="100000">
-                                          <p:val>
-                                            <p:strVal val="#ppt_w"/>
-                                          </p:val>
-                                        </p:tav>
-                                      </p:tavLst>
-                                    </p:anim>
-                                    <p:anim calcmode="lin" valueType="num">
-                                      <p:cBhvr>
-                                        <p:cTn id="50" dur="500" fill="hold"/>
-                                        <p:tgtEl>
-                                          <p:spTgt spid="3">
-                                            <p:txEl>
-                                              <p:pRg st="7" end="7"/>
-                                            </p:txEl>
-                                          </p:spTgt>
-                                        </p:tgtEl>
-                                        <p:attrNameLst>
-                                          <p:attrName>ppt_h</p:attrName>
-                                        </p:attrNameLst>
-                                      </p:cBhvr>
-                                      <p:tavLst>
-                                        <p:tav tm="0">
-                                          <p:val>
-                                            <p:fltVal val="0"/>
-                                          </p:val>
-                                        </p:tav>
-                                        <p:tav tm="100000">
-                                          <p:val>
-                                            <p:strVal val="#ppt_h"/>
-                                          </p:val>
-                                        </p:tav>
-                                      </p:tavLst>
-                                    </p:anim>
-                                    <p:animEffect transition="in" filter="fade">
-                                      <p:cBhvr>
-                                        <p:cTn id="51" dur="500"/>
                                         <p:tgtEl>
                                           <p:spTgt spid="3">
                                             <p:txEl>
@@ -12968,10 +7418,9 @@
           <a:p>
             <a:pPr algn="l"/>
             <a:r>
-              <a:rPr lang="de-CH" dirty="0" smtClean="0"/>
+              <a:rPr lang="de-CH" dirty="0"/>
               <a:t>DEMO</a:t>
             </a:r>
-            <a:endParaRPr lang="de-CH" dirty="0"/>
           </a:p>
         </p:txBody>
       </p:sp>
@@ -13012,10 +7461,9 @@
           <a:lstStyle/>
           <a:p>
             <a:r>
-              <a:rPr lang="de-CH" dirty="0" smtClean="0"/>
+              <a:rPr lang="de-CH" dirty="0"/>
               <a:t>30.03.2017</a:t>
             </a:r>
-            <a:endParaRPr lang="de-CH" dirty="0"/>
           </a:p>
         </p:txBody>
       </p:sp>
@@ -13064,26 +7512,21 @@
           <a:lstStyle/>
           <a:p>
             <a:r>
-              <a:rPr lang="de-CH" dirty="0" err="1" smtClean="0"/>
+              <a:rPr lang="de-CH" dirty="0" err="1"/>
               <a:t>hannes</a:t>
             </a:r>
             <a:r>
-              <a:rPr lang="de-CH" dirty="0" smtClean="0"/>
+              <a:rPr lang="de-CH" dirty="0"/>
               <a:t> anderes &amp; </a:t>
             </a:r>
             <a:r>
-              <a:rPr lang="de-CH" dirty="0" err="1" smtClean="0"/>
+              <a:rPr lang="de-CH" dirty="0" err="1"/>
               <a:t>michael</a:t>
             </a:r>
             <a:r>
-              <a:rPr lang="de-CH" dirty="0" smtClean="0"/>
-              <a:t> </a:t>
-            </a:r>
-            <a:r>
-              <a:rPr lang="de-CH" dirty="0" smtClean="0"/>
-              <a:t>märki</a:t>
-            </a:r>
-            <a:endParaRPr lang="de-CH" dirty="0"/>
+              <a:rPr lang="de-CH" dirty="0"/>
+              <a:t> märki</a:t>
+            </a:r>
           </a:p>
         </p:txBody>
       </p:sp>
@@ -13119,25 +7562,8 @@
                   </a:schemeClr>
                 </a:solidFill>
               </a:rPr>
-              <a:t>CAS FEE – Projekt </a:t>
-            </a:r>
-            <a:r>
-              <a:rPr lang="de-CH" sz="1200" dirty="0" smtClean="0">
-                <a:solidFill>
-                  <a:schemeClr val="tx1">
-                    <a:tint val="75000"/>
-                  </a:schemeClr>
-                </a:solidFill>
-              </a:rPr>
-              <a:t>2</a:t>
-            </a:r>
-            <a:endParaRPr lang="de-CH" sz="1200" dirty="0">
-              <a:solidFill>
-                <a:schemeClr val="tx1">
-                  <a:tint val="75000"/>
-                </a:schemeClr>
-              </a:solidFill>
-            </a:endParaRPr>
+              <a:t>CAS FEE – Projekt 2</a:t>
+            </a:r>
           </a:p>
         </p:txBody>
       </p:sp>
@@ -13178,7 +7604,7 @@
             <a:lstStyle/>
             <a:p>
               <a:r>
-                <a:rPr lang="de-CH" sz="1200" dirty="0" smtClean="0">
+                <a:rPr lang="de-CH" sz="1200" dirty="0">
                   <a:solidFill>
                     <a:schemeClr val="tx1">
                       <a:lumMod val="50000"/>
@@ -13187,13 +7613,6 @@
                 </a:rPr>
                 <a:t>ÜBERBLICK</a:t>
               </a:r>
-              <a:endParaRPr lang="de-CH" sz="1200" dirty="0">
-                <a:solidFill>
-                  <a:schemeClr val="tx1">
-                    <a:lumMod val="50000"/>
-                  </a:schemeClr>
-                </a:solidFill>
-              </a:endParaRPr>
             </a:p>
           </p:txBody>
         </p:sp>
@@ -13220,11 +7639,11 @@
             <a:lstStyle/>
             <a:p>
               <a:r>
-                <a:rPr lang="de-CH" sz="1200" dirty="0" smtClean="0"/>
+                <a:rPr lang="de-CH" sz="1200" dirty="0"/>
                 <a:t>-   </a:t>
               </a:r>
               <a:r>
-                <a:rPr lang="de-CH" sz="1200" dirty="0" smtClean="0">
+                <a:rPr lang="de-CH" sz="1200" dirty="0">
                   <a:solidFill>
                     <a:schemeClr val="tx1">
                       <a:lumMod val="50000"/>
@@ -13233,13 +7652,6 @@
                 </a:rPr>
                 <a:t>AUSGANGSLAGE</a:t>
               </a:r>
-              <a:endParaRPr lang="de-CH" sz="1200" dirty="0">
-                <a:solidFill>
-                  <a:schemeClr val="tx1">
-                    <a:lumMod val="50000"/>
-                  </a:schemeClr>
-                </a:solidFill>
-              </a:endParaRPr>
             </a:p>
           </p:txBody>
         </p:sp>
@@ -13266,11 +7678,11 @@
             <a:lstStyle/>
             <a:p>
               <a:r>
-                <a:rPr lang="de-CH" sz="1200" dirty="0" smtClean="0"/>
+                <a:rPr lang="de-CH" sz="1200" dirty="0"/>
                 <a:t>-   </a:t>
               </a:r>
               <a:r>
-                <a:rPr lang="de-CH" sz="1200" dirty="0" smtClean="0">
+                <a:rPr lang="de-CH" sz="1200" dirty="0">
                   <a:solidFill>
                     <a:schemeClr val="tx1">
                       <a:lumMod val="50000"/>
@@ -13279,13 +7691,6 @@
                 </a:rPr>
                 <a:t>REALISIERUNG</a:t>
               </a:r>
-              <a:endParaRPr lang="de-CH" sz="1200" dirty="0">
-                <a:solidFill>
-                  <a:schemeClr val="tx1">
-                    <a:lumMod val="50000"/>
-                  </a:schemeClr>
-                </a:solidFill>
-              </a:endParaRPr>
             </a:p>
           </p:txBody>
         </p:sp>
@@ -13312,22 +7717,17 @@
             <a:lstStyle/>
             <a:p>
               <a:r>
-                <a:rPr lang="de-CH" sz="1200" dirty="0" smtClean="0"/>
+                <a:rPr lang="de-CH" sz="1200" dirty="0"/>
                 <a:t>-   </a:t>
               </a:r>
               <a:r>
-                <a:rPr lang="de-CH" sz="1200" dirty="0" smtClean="0">
+                <a:rPr lang="de-CH" sz="1200" dirty="0">
                   <a:solidFill>
                     <a:schemeClr val="accent6"/>
                   </a:solidFill>
                 </a:rPr>
                 <a:t>DEMO</a:t>
               </a:r>
-              <a:endParaRPr lang="de-CH" sz="1200" dirty="0">
-                <a:solidFill>
-                  <a:schemeClr val="accent6"/>
-                </a:solidFill>
-              </a:endParaRPr>
             </a:p>
           </p:txBody>
         </p:sp>
@@ -13354,10 +7754,9 @@
             <a:lstStyle/>
             <a:p>
               <a:r>
-                <a:rPr lang="de-CH" sz="1200" dirty="0" smtClean="0"/>
+                <a:rPr lang="de-CH" sz="1200" dirty="0"/>
                 <a:t>-   FAZIT</a:t>
               </a:r>
-              <a:endParaRPr lang="de-CH" sz="1200" dirty="0"/>
             </a:p>
           </p:txBody>
         </p:sp>
@@ -13384,10 +7783,9 @@
             <a:lstStyle/>
             <a:p>
               <a:r>
-                <a:rPr lang="de-CH" sz="1200" dirty="0" smtClean="0"/>
+                <a:rPr lang="de-CH" sz="1200" dirty="0"/>
                 <a:t>-   FRAGEN</a:t>
               </a:r>
-              <a:endParaRPr lang="de-CH" sz="1200" dirty="0"/>
             </a:p>
           </p:txBody>
         </p:sp>
@@ -13630,10 +8028,9 @@
           <a:p>
             <a:pPr algn="l"/>
             <a:r>
-              <a:rPr lang="de-CH" dirty="0" smtClean="0"/>
+              <a:rPr lang="de-CH" dirty="0"/>
               <a:t>FAZIT</a:t>
             </a:r>
-            <a:endParaRPr lang="de-CH" dirty="0"/>
           </a:p>
         </p:txBody>
       </p:sp>
@@ -13655,17 +8052,17 @@
           <a:lstStyle/>
           <a:p>
             <a:r>
-              <a:rPr lang="de-CH" dirty="0" smtClean="0"/>
+              <a:rPr lang="de-CH" dirty="0"/>
               <a:t>Hoher Einarbeitungsaufwand</a:t>
             </a:r>
           </a:p>
           <a:p>
             <a:r>
-              <a:rPr lang="de-CH" dirty="0" err="1" smtClean="0"/>
+              <a:rPr lang="de-CH" dirty="0" err="1"/>
               <a:t>Nativescript</a:t>
             </a:r>
             <a:r>
-              <a:rPr lang="de-CH" dirty="0" smtClean="0"/>
+              <a:rPr lang="de-CH" dirty="0"/>
               <a:t> ist möglich, aber sehr aufwändig</a:t>
             </a:r>
           </a:p>
@@ -13676,7 +8073,7 @@
             <a:endParaRPr lang="de-CH" dirty="0"/>
           </a:p>
           <a:p>
-            <a:endParaRPr lang="de-CH" dirty="0" smtClean="0"/>
+            <a:endParaRPr lang="de-CH" dirty="0"/>
           </a:p>
           <a:p>
             <a:pPr lvl="2"/>
@@ -13703,10 +8100,9 @@
           <a:lstStyle/>
           <a:p>
             <a:r>
-              <a:rPr lang="de-CH" dirty="0" smtClean="0"/>
+              <a:rPr lang="de-CH" dirty="0"/>
               <a:t>30.03.2017</a:t>
             </a:r>
-            <a:endParaRPr lang="de-CH" dirty="0"/>
           </a:p>
         </p:txBody>
       </p:sp>
@@ -13755,26 +8151,21 @@
           <a:lstStyle/>
           <a:p>
             <a:r>
-              <a:rPr lang="de-CH" dirty="0" err="1" smtClean="0"/>
+              <a:rPr lang="de-CH" dirty="0" err="1"/>
               <a:t>hannes</a:t>
             </a:r>
             <a:r>
-              <a:rPr lang="de-CH" dirty="0" smtClean="0"/>
+              <a:rPr lang="de-CH" dirty="0"/>
               <a:t> anderes &amp; </a:t>
             </a:r>
             <a:r>
-              <a:rPr lang="de-CH" dirty="0" err="1" smtClean="0"/>
+              <a:rPr lang="de-CH" dirty="0" err="1"/>
               <a:t>michael</a:t>
             </a:r>
             <a:r>
-              <a:rPr lang="de-CH" dirty="0" smtClean="0"/>
-              <a:t> </a:t>
-            </a:r>
-            <a:r>
-              <a:rPr lang="de-CH" dirty="0" smtClean="0"/>
-              <a:t>märki</a:t>
-            </a:r>
-            <a:endParaRPr lang="de-CH" dirty="0"/>
+              <a:rPr lang="de-CH" dirty="0"/>
+              <a:t> märki</a:t>
+            </a:r>
           </a:p>
         </p:txBody>
       </p:sp>
@@ -13810,25 +8201,8 @@
                   </a:schemeClr>
                 </a:solidFill>
               </a:rPr>
-              <a:t>CAS FEE – Projekt </a:t>
-            </a:r>
-            <a:r>
-              <a:rPr lang="de-CH" sz="1200" dirty="0" smtClean="0">
-                <a:solidFill>
-                  <a:schemeClr val="tx1">
-                    <a:tint val="75000"/>
-                  </a:schemeClr>
-                </a:solidFill>
-              </a:rPr>
-              <a:t>2</a:t>
-            </a:r>
-            <a:endParaRPr lang="de-CH" sz="1200" dirty="0">
-              <a:solidFill>
-                <a:schemeClr val="tx1">
-                  <a:tint val="75000"/>
-                </a:schemeClr>
-              </a:solidFill>
-            </a:endParaRPr>
+              <a:t>CAS FEE – Projekt 2</a:t>
+            </a:r>
           </a:p>
         </p:txBody>
       </p:sp>
@@ -13869,7 +8243,7 @@
             <a:lstStyle/>
             <a:p>
               <a:r>
-                <a:rPr lang="de-CH" sz="1200" dirty="0" smtClean="0">
+                <a:rPr lang="de-CH" sz="1200" dirty="0">
                   <a:solidFill>
                     <a:schemeClr val="tx1">
                       <a:lumMod val="50000"/>
@@ -13878,13 +8252,6 @@
                 </a:rPr>
                 <a:t>ÜBERBLICK</a:t>
               </a:r>
-              <a:endParaRPr lang="de-CH" sz="1200" dirty="0">
-                <a:solidFill>
-                  <a:schemeClr val="tx1">
-                    <a:lumMod val="50000"/>
-                  </a:schemeClr>
-                </a:solidFill>
-              </a:endParaRPr>
             </a:p>
           </p:txBody>
         </p:sp>
@@ -13911,11 +8278,11 @@
             <a:lstStyle/>
             <a:p>
               <a:r>
-                <a:rPr lang="de-CH" sz="1200" dirty="0" smtClean="0"/>
+                <a:rPr lang="de-CH" sz="1200" dirty="0"/>
                 <a:t>-   </a:t>
               </a:r>
               <a:r>
-                <a:rPr lang="de-CH" sz="1200" dirty="0" smtClean="0">
+                <a:rPr lang="de-CH" sz="1200" dirty="0">
                   <a:solidFill>
                     <a:schemeClr val="tx1">
                       <a:lumMod val="50000"/>
@@ -13924,13 +8291,6 @@
                 </a:rPr>
                 <a:t>AUSGANGSLAGE</a:t>
               </a:r>
-              <a:endParaRPr lang="de-CH" sz="1200" dirty="0">
-                <a:solidFill>
-                  <a:schemeClr val="tx1">
-                    <a:lumMod val="50000"/>
-                  </a:schemeClr>
-                </a:solidFill>
-              </a:endParaRPr>
             </a:p>
           </p:txBody>
         </p:sp>
@@ -13957,11 +8317,11 @@
             <a:lstStyle/>
             <a:p>
               <a:r>
-                <a:rPr lang="de-CH" sz="1200" dirty="0" smtClean="0"/>
+                <a:rPr lang="de-CH" sz="1200" dirty="0"/>
                 <a:t>-   </a:t>
               </a:r>
               <a:r>
-                <a:rPr lang="de-CH" sz="1200" dirty="0" smtClean="0">
+                <a:rPr lang="de-CH" sz="1200" dirty="0">
                   <a:solidFill>
                     <a:schemeClr val="tx1">
                       <a:lumMod val="50000"/>
@@ -13970,13 +8330,6 @@
                 </a:rPr>
                 <a:t>REALISIERUNG</a:t>
               </a:r>
-              <a:endParaRPr lang="de-CH" sz="1200" dirty="0">
-                <a:solidFill>
-                  <a:schemeClr val="tx1">
-                    <a:lumMod val="50000"/>
-                  </a:schemeClr>
-                </a:solidFill>
-              </a:endParaRPr>
             </a:p>
           </p:txBody>
         </p:sp>
@@ -14003,11 +8356,11 @@
             <a:lstStyle/>
             <a:p>
               <a:r>
-                <a:rPr lang="de-CH" sz="1200" dirty="0" smtClean="0"/>
+                <a:rPr lang="de-CH" sz="1200" dirty="0"/>
                 <a:t>-   </a:t>
               </a:r>
               <a:r>
-                <a:rPr lang="de-CH" sz="1200" dirty="0" smtClean="0">
+                <a:rPr lang="de-CH" sz="1200" dirty="0">
                   <a:solidFill>
                     <a:schemeClr val="tx1">
                       <a:lumMod val="50000"/>
@@ -14016,13 +8369,6 @@
                 </a:rPr>
                 <a:t>DEMO</a:t>
               </a:r>
-              <a:endParaRPr lang="de-CH" sz="1200" dirty="0">
-                <a:solidFill>
-                  <a:schemeClr val="tx1">
-                    <a:lumMod val="50000"/>
-                  </a:schemeClr>
-                </a:solidFill>
-              </a:endParaRPr>
             </a:p>
           </p:txBody>
         </p:sp>
@@ -14049,22 +8395,17 @@
             <a:lstStyle/>
             <a:p>
               <a:r>
-                <a:rPr lang="de-CH" sz="1200" dirty="0" smtClean="0"/>
+                <a:rPr lang="de-CH" sz="1200" dirty="0"/>
                 <a:t>-   </a:t>
               </a:r>
               <a:r>
-                <a:rPr lang="de-CH" sz="1200" dirty="0" smtClean="0">
+                <a:rPr lang="de-CH" sz="1200" dirty="0">
                   <a:solidFill>
                     <a:schemeClr val="accent6"/>
                   </a:solidFill>
                 </a:rPr>
                 <a:t>FAZIT</a:t>
               </a:r>
-              <a:endParaRPr lang="de-CH" sz="1200" dirty="0">
-                <a:solidFill>
-                  <a:schemeClr val="accent6"/>
-                </a:solidFill>
-              </a:endParaRPr>
             </a:p>
           </p:txBody>
         </p:sp>
@@ -14091,10 +8432,9 @@
             <a:lstStyle/>
             <a:p>
               <a:r>
-                <a:rPr lang="de-CH" sz="1200" dirty="0" smtClean="0"/>
+                <a:rPr lang="de-CH" sz="1200" dirty="0"/>
                 <a:t>-   FRAGEN</a:t>
               </a:r>
-              <a:endParaRPr lang="de-CH" sz="1200" dirty="0"/>
             </a:p>
           </p:txBody>
         </p:sp>
@@ -14150,266 +8490,6 @@
   <p:clrMapOvr>
     <a:masterClrMapping/>
   </p:clrMapOvr>
-  <p:timing>
-    <p:tnLst>
-      <p:par>
-        <p:cTn id="1" dur="indefinite" restart="never" nodeType="tmRoot">
-          <p:childTnLst>
-            <p:seq concurrent="1" nextAc="seek">
-              <p:cTn id="2" dur="indefinite" nodeType="mainSeq">
-                <p:childTnLst>
-                  <p:par>
-                    <p:cTn id="3" fill="hold">
-                      <p:stCondLst>
-                        <p:cond delay="indefinite"/>
-                      </p:stCondLst>
-                      <p:childTnLst>
-                        <p:par>
-                          <p:cTn id="4" fill="hold">
-                            <p:stCondLst>
-                              <p:cond delay="0"/>
-                            </p:stCondLst>
-                            <p:childTnLst>
-                              <p:par>
-                                <p:cTn id="5" presetID="53" presetClass="entr" presetSubtype="16" fill="hold" nodeType="clickEffect">
-                                  <p:stCondLst>
-                                    <p:cond delay="0"/>
-                                  </p:stCondLst>
-                                  <p:childTnLst>
-                                    <p:set>
-                                      <p:cBhvr>
-                                        <p:cTn id="6" dur="1" fill="hold">
-                                          <p:stCondLst>
-                                            <p:cond delay="0"/>
-                                          </p:stCondLst>
-                                        </p:cTn>
-                                        <p:tgtEl>
-                                          <p:spTgt spid="3">
-                                            <p:txEl>
-                                              <p:pRg st="1" end="1"/>
-                                            </p:txEl>
-                                          </p:spTgt>
-                                        </p:tgtEl>
-                                        <p:attrNameLst>
-                                          <p:attrName>style.visibility</p:attrName>
-                                        </p:attrNameLst>
-                                      </p:cBhvr>
-                                      <p:to>
-                                        <p:strVal val="visible"/>
-                                      </p:to>
-                                    </p:set>
-                                    <p:anim calcmode="lin" valueType="num">
-                                      <p:cBhvr>
-                                        <p:cTn id="7" dur="500" fill="hold"/>
-                                        <p:tgtEl>
-                                          <p:spTgt spid="3">
-                                            <p:txEl>
-                                              <p:pRg st="1" end="1"/>
-                                            </p:txEl>
-                                          </p:spTgt>
-                                        </p:tgtEl>
-                                        <p:attrNameLst>
-                                          <p:attrName>ppt_w</p:attrName>
-                                        </p:attrNameLst>
-                                      </p:cBhvr>
-                                      <p:tavLst>
-                                        <p:tav tm="0">
-                                          <p:val>
-                                            <p:fltVal val="0"/>
-                                          </p:val>
-                                        </p:tav>
-                                        <p:tav tm="100000">
-                                          <p:val>
-                                            <p:strVal val="#ppt_w"/>
-                                          </p:val>
-                                        </p:tav>
-                                      </p:tavLst>
-                                    </p:anim>
-                                    <p:anim calcmode="lin" valueType="num">
-                                      <p:cBhvr>
-                                        <p:cTn id="8" dur="500" fill="hold"/>
-                                        <p:tgtEl>
-                                          <p:spTgt spid="3">
-                                            <p:txEl>
-                                              <p:pRg st="1" end="1"/>
-                                            </p:txEl>
-                                          </p:spTgt>
-                                        </p:tgtEl>
-                                        <p:attrNameLst>
-                                          <p:attrName>ppt_h</p:attrName>
-                                        </p:attrNameLst>
-                                      </p:cBhvr>
-                                      <p:tavLst>
-                                        <p:tav tm="0">
-                                          <p:val>
-                                            <p:fltVal val="0"/>
-                                          </p:val>
-                                        </p:tav>
-                                        <p:tav tm="100000">
-                                          <p:val>
-                                            <p:strVal val="#ppt_h"/>
-                                          </p:val>
-                                        </p:tav>
-                                      </p:tavLst>
-                                    </p:anim>
-                                    <p:animEffect transition="in" filter="fade">
-                                      <p:cBhvr>
-                                        <p:cTn id="9" dur="500"/>
-                                        <p:tgtEl>
-                                          <p:spTgt spid="3">
-                                            <p:txEl>
-                                              <p:pRg st="1" end="1"/>
-                                            </p:txEl>
-                                          </p:spTgt>
-                                        </p:tgtEl>
-                                      </p:cBhvr>
-                                    </p:animEffect>
-                                  </p:childTnLst>
-                                </p:cTn>
-                              </p:par>
-                            </p:childTnLst>
-                          </p:cTn>
-                        </p:par>
-                      </p:childTnLst>
-                    </p:cTn>
-                  </p:par>
-                  <p:par>
-                    <p:cTn id="10" fill="hold">
-                      <p:stCondLst>
-                        <p:cond delay="indefinite"/>
-                      </p:stCondLst>
-                      <p:childTnLst>
-                        <p:par>
-                          <p:cTn id="11" fill="hold">
-                            <p:stCondLst>
-                              <p:cond delay="0"/>
-                            </p:stCondLst>
-                            <p:childTnLst>
-                              <p:par>
-                                <p:cTn id="12" presetID="53" presetClass="entr" presetSubtype="16" fill="hold" nodeType="clickEffect">
-                                  <p:stCondLst>
-                                    <p:cond delay="0"/>
-                                  </p:stCondLst>
-                                  <p:childTnLst>
-                                    <p:set>
-                                      <p:cBhvr>
-                                        <p:cTn id="13" dur="1" fill="hold">
-                                          <p:stCondLst>
-                                            <p:cond delay="0"/>
-                                          </p:stCondLst>
-                                        </p:cTn>
-                                        <p:tgtEl>
-                                          <p:spTgt spid="3">
-                                            <p:txEl>
-                                              <p:pRg st="0" end="0"/>
-                                            </p:txEl>
-                                          </p:spTgt>
-                                        </p:tgtEl>
-                                        <p:attrNameLst>
-                                          <p:attrName>style.visibility</p:attrName>
-                                        </p:attrNameLst>
-                                      </p:cBhvr>
-                                      <p:to>
-                                        <p:strVal val="visible"/>
-                                      </p:to>
-                                    </p:set>
-                                    <p:anim calcmode="lin" valueType="num">
-                                      <p:cBhvr>
-                                        <p:cTn id="14" dur="500" fill="hold"/>
-                                        <p:tgtEl>
-                                          <p:spTgt spid="3">
-                                            <p:txEl>
-                                              <p:pRg st="0" end="0"/>
-                                            </p:txEl>
-                                          </p:spTgt>
-                                        </p:tgtEl>
-                                        <p:attrNameLst>
-                                          <p:attrName>ppt_w</p:attrName>
-                                        </p:attrNameLst>
-                                      </p:cBhvr>
-                                      <p:tavLst>
-                                        <p:tav tm="0">
-                                          <p:val>
-                                            <p:fltVal val="0"/>
-                                          </p:val>
-                                        </p:tav>
-                                        <p:tav tm="100000">
-                                          <p:val>
-                                            <p:strVal val="#ppt_w"/>
-                                          </p:val>
-                                        </p:tav>
-                                      </p:tavLst>
-                                    </p:anim>
-                                    <p:anim calcmode="lin" valueType="num">
-                                      <p:cBhvr>
-                                        <p:cTn id="15" dur="500" fill="hold"/>
-                                        <p:tgtEl>
-                                          <p:spTgt spid="3">
-                                            <p:txEl>
-                                              <p:pRg st="0" end="0"/>
-                                            </p:txEl>
-                                          </p:spTgt>
-                                        </p:tgtEl>
-                                        <p:attrNameLst>
-                                          <p:attrName>ppt_h</p:attrName>
-                                        </p:attrNameLst>
-                                      </p:cBhvr>
-                                      <p:tavLst>
-                                        <p:tav tm="0">
-                                          <p:val>
-                                            <p:fltVal val="0"/>
-                                          </p:val>
-                                        </p:tav>
-                                        <p:tav tm="100000">
-                                          <p:val>
-                                            <p:strVal val="#ppt_h"/>
-                                          </p:val>
-                                        </p:tav>
-                                      </p:tavLst>
-                                    </p:anim>
-                                    <p:animEffect transition="in" filter="fade">
-                                      <p:cBhvr>
-                                        <p:cTn id="16" dur="500"/>
-                                        <p:tgtEl>
-                                          <p:spTgt spid="3">
-                                            <p:txEl>
-                                              <p:pRg st="0" end="0"/>
-                                            </p:txEl>
-                                          </p:spTgt>
-                                        </p:tgtEl>
-                                      </p:cBhvr>
-                                    </p:animEffect>
-                                  </p:childTnLst>
-                                </p:cTn>
-                              </p:par>
-                            </p:childTnLst>
-                          </p:cTn>
-                        </p:par>
-                      </p:childTnLst>
-                    </p:cTn>
-                  </p:par>
-                </p:childTnLst>
-              </p:cTn>
-              <p:prevCondLst>
-                <p:cond evt="onPrev" delay="0">
-                  <p:tgtEl>
-                    <p:sldTgt/>
-                  </p:tgtEl>
-                </p:cond>
-              </p:prevCondLst>
-              <p:nextCondLst>
-                <p:cond evt="onNext" delay="0">
-                  <p:tgtEl>
-                    <p:sldTgt/>
-                  </p:tgtEl>
-                </p:cond>
-              </p:nextCondLst>
-            </p:seq>
-          </p:childTnLst>
-        </p:cTn>
-      </p:par>
-    </p:tnLst>
-  </p:timing>
 </p:sld>
 </file>
 

--- a/docs/CASFEE_2016_2017_Projekt2_handeres_mmaerki.pptx
+++ b/docs/CASFEE_2016_2017_Projekt2_handeres_mmaerki.pptx
@@ -8065,6 +8065,39 @@
               <a:rPr lang="de-CH" dirty="0"/>
               <a:t> ist möglich, aber sehr aufwändig</a:t>
             </a:r>
+          </a:p>
+          <a:p>
+            <a:r>
+              <a:rPr lang="de-CH" dirty="0"/>
+              <a:t>Lernen Von </a:t>
+            </a:r>
+            <a:r>
+              <a:rPr lang="de-CH" dirty="0" err="1"/>
+              <a:t>NativeScript</a:t>
+            </a:r>
+            <a:r>
+              <a:rPr lang="de-CH" dirty="0"/>
+              <a:t>, </a:t>
+            </a:r>
+            <a:r>
+              <a:rPr lang="de-CH" dirty="0" err="1"/>
+              <a:t>TypeScript</a:t>
+            </a:r>
+            <a:r>
+              <a:rPr lang="de-CH" dirty="0"/>
+              <a:t>, Angular 2, </a:t>
+            </a:r>
+            <a:r>
+              <a:rPr lang="de-CH" dirty="0" err="1"/>
+              <a:t>MongoDB</a:t>
+            </a:r>
+            <a:r>
+              <a:rPr lang="de-CH" dirty="0"/>
+              <a:t>, Vertiefung Java Script7</a:t>
+            </a:r>
+          </a:p>
+          <a:p>
+            <a:endParaRPr lang="de-CH" dirty="0"/>
           </a:p>
           <a:p>
             <a:endParaRPr lang="de-CH" dirty="0"/>

--- a/docs/CASFEE_2016_2017_Projekt2_handeres_mmaerki.pptx
+++ b/docs/CASFEE_2016_2017_Projekt2_handeres_mmaerki.pptx
@@ -8069,7 +8069,7 @@
           <a:p>
             <a:r>
               <a:rPr lang="de-CH" dirty="0"/>
-              <a:t>Lernen Von </a:t>
+              <a:t>Lernen von </a:t>
             </a:r>
             <a:r>
               <a:rPr lang="de-CH" dirty="0" err="1"/>
@@ -8093,7 +8093,7 @@
             </a:r>
             <a:r>
               <a:rPr lang="de-CH" dirty="0"/>
-              <a:t>, Vertiefung Java Script7</a:t>
+              <a:t>, SCSS, Vertiefung Java Script</a:t>
             </a:r>
           </a:p>
           <a:p>
